--- a/Slides/Diapos_Suivit_projet.pptx
+++ b/Slides/Diapos_Suivit_projet.pptx
@@ -9448,7 +9448,7 @@
           <a:p>
             <a:fld id="{EC83963A-FCD1-4BA3-8F52-F2285ACE2A6A}" type="datetimeFigureOut">
               <a:rPr lang="fr-FR" smtClean="0"/>
-              <a:t>11/12/2019</a:t>
+              <a:t>12/12/2019</a:t>
             </a:fld>
             <a:endParaRPr lang="fr-FR"/>
           </a:p>
@@ -9514,7 +9514,7 @@
           <a:p>
             <a:fld id="{38717F5D-9B99-41E9-AAF0-B73531F5A10E}" type="slidenum">
               <a:rPr lang="fr-FR" smtClean="0"/>
-              <a:t>‹#›</a:t>
+              <a:t>‹N°›</a:t>
             </a:fld>
             <a:endParaRPr lang="fr-FR"/>
           </a:p>
@@ -9613,7 +9613,7 @@
           <a:p>
             <a:fld id="{12D3AF9D-FD63-43BA-9EB6-902B12D2DD5D}" type="datetimeFigureOut">
               <a:rPr lang="fr-FR" smtClean="0"/>
-              <a:t>11/12/2019</a:t>
+              <a:t>12/12/2019</a:t>
             </a:fld>
             <a:endParaRPr lang="fr-FR"/>
           </a:p>
@@ -9772,7 +9772,7 @@
           <a:p>
             <a:fld id="{049843D5-FBCC-450E-8A81-920AD1F49A83}" type="slidenum">
               <a:rPr lang="fr-FR" smtClean="0"/>
-              <a:t>‹#›</a:t>
+              <a:t>‹N°›</a:t>
             </a:fld>
             <a:endParaRPr lang="fr-FR"/>
           </a:p>
@@ -10832,7 +10832,7 @@
             <a:fld id="{813506F1-DB5F-4FC9-88BA-B486F30FE4BF}" type="slidenum">
               <a:rPr lang="fr-FR" smtClean="0"/>
               <a:pPr/>
-              <a:t>‹#›</a:t>
+              <a:t>‹N°›</a:t>
             </a:fld>
             <a:endParaRPr lang="fr-FR" dirty="0"/>
           </a:p>
@@ -11578,7 +11578,7 @@
         <p:spPr>
           <a:xfrm>
             <a:off x="1236683" y="2835479"/>
-            <a:ext cx="7403977" cy="3842158"/>
+            <a:ext cx="10790217" cy="3842158"/>
           </a:xfrm>
           <a:prstGeom prst="rect">
             <a:avLst/>
@@ -11904,9 +11904,34 @@
               <a:t>Cellomet</a:t>
             </a:r>
             <a:r>
-              <a:rPr lang="fr-FR" sz="2000" dirty="0"/>
-              <a:t>)</a:t>
+              <a:rPr lang="fr-FR" sz="2000" dirty="0" smtClean="0"/>
+              <a:t>) </a:t>
             </a:r>
+            <a:r>
+              <a:rPr lang="fr-FR" sz="2000" dirty="0" smtClean="0">
+                <a:sym typeface="Wingdings" panose="05000000000000000000" pitchFamily="2" charset="2"/>
+              </a:rPr>
+              <a:t> </a:t>
+            </a:r>
+            <a:r>
+              <a:rPr lang="fr-FR" sz="2000" dirty="0" err="1" smtClean="0">
+                <a:sym typeface="Wingdings" panose="05000000000000000000" pitchFamily="2" charset="2"/>
+              </a:rPr>
+              <a:t>Download</a:t>
+            </a:r>
+            <a:r>
+              <a:rPr lang="fr-FR" sz="2000" dirty="0" smtClean="0">
+                <a:sym typeface="Wingdings" panose="05000000000000000000" pitchFamily="2" charset="2"/>
+              </a:rPr>
+              <a:t> and data </a:t>
+            </a:r>
+            <a:r>
+              <a:rPr lang="fr-FR" sz="2000" dirty="0" err="1" smtClean="0">
+                <a:sym typeface="Wingdings" panose="05000000000000000000" pitchFamily="2" charset="2"/>
+              </a:rPr>
+              <a:t>retrieval</a:t>
+            </a:r>
+            <a:endParaRPr lang="fr-FR" sz="2000" dirty="0"/>
           </a:p>
           <a:p>
             <a:pPr marL="0" indent="0" algn="just">
@@ -15372,16 +15397,7 @@
                 </a:solidFill>
                 <a:latin typeface="Calibri" panose="020F0502020204030204" pitchFamily="34" charset="0"/>
               </a:rPr>
-              <a:t>Comprendre l'outil </a:t>
-            </a:r>
-            <a:r>
-              <a:rPr lang="fr-FR" sz="1100" b="1" dirty="0" smtClean="0">
-                <a:solidFill>
-                  <a:schemeClr val="dk1"/>
-                </a:solidFill>
-                <a:latin typeface="Calibri" panose="020F0502020204030204" pitchFamily="34" charset="0"/>
-              </a:rPr>
-              <a:t>DESeq2</a:t>
+              <a:t>Comprendre l'outil DESeq2</a:t>
             </a:r>
             <a:endParaRPr lang="fr-FR" sz="1100" b="1" dirty="0">
               <a:solidFill>
@@ -17434,17 +17450,9 @@
               <a:t> </a:t>
             </a:r>
             <a:r>
-              <a:rPr lang="fr-FR" sz="2000" dirty="0" err="1"/>
+              <a:rPr lang="fr-FR" sz="2000" dirty="0" err="1" smtClean="0"/>
               <a:t>started</a:t>
             </a:r>
-            <a:endParaRPr lang="fr-FR" sz="2000" dirty="0"/>
-          </a:p>
-          <a:p>
-            <a:pPr algn="just"/>
-            <a:endParaRPr lang="fr-FR" sz="2000" dirty="0"/>
-          </a:p>
-          <a:p>
-            <a:pPr algn="just"/>
             <a:endParaRPr lang="fr-FR" sz="2000" dirty="0"/>
           </a:p>
           <a:p>
@@ -17458,16 +17466,55 @@
               <a:t> 4 R scripts in one script and test </a:t>
             </a:r>
             <a:r>
-              <a:rPr lang="fr-FR" sz="2000" dirty="0" err="1"/>
+              <a:rPr lang="fr-FR" sz="2000" dirty="0" err="1" smtClean="0"/>
               <a:t>it</a:t>
             </a:r>
+            <a:endParaRPr lang="fr-FR" sz="2000" dirty="0" smtClean="0"/>
+          </a:p>
+          <a:p>
+            <a:pPr algn="just"/>
+            <a:r>
+              <a:rPr lang="fr-FR" sz="2000" dirty="0" smtClean="0"/>
+              <a:t>Local </a:t>
+            </a:r>
+            <a:r>
+              <a:rPr lang="fr-FR" sz="2000" dirty="0" err="1" smtClean="0"/>
+              <a:t>database</a:t>
+            </a:r>
+            <a:endParaRPr lang="fr-FR" sz="2000" dirty="0" smtClean="0"/>
+          </a:p>
+          <a:p>
+            <a:pPr algn="just"/>
+            <a:endParaRPr lang="fr-FR" sz="2000" dirty="0"/>
+          </a:p>
+          <a:p>
+            <a:pPr algn="just"/>
             <a:endParaRPr lang="fr-FR" sz="2000" dirty="0"/>
           </a:p>
           <a:p>
             <a:pPr algn="just"/>
             <a:r>
               <a:rPr lang="fr-FR" sz="2000" dirty="0"/>
-              <a:t>Complete the web interface</a:t>
+              <a:t>Complete the web </a:t>
+            </a:r>
+            <a:r>
+              <a:rPr lang="fr-FR" sz="2000" dirty="0" smtClean="0"/>
+              <a:t>interface</a:t>
+            </a:r>
+          </a:p>
+          <a:p>
+            <a:pPr algn="just"/>
+            <a:r>
+              <a:rPr lang="fr-FR" sz="2000" dirty="0" smtClean="0"/>
+              <a:t>Complete the </a:t>
+            </a:r>
+            <a:r>
+              <a:rPr lang="fr-FR" sz="2000" dirty="0" err="1" smtClean="0"/>
+              <a:t>Rshiney</a:t>
+            </a:r>
+            <a:r>
+              <a:rPr lang="fr-FR" sz="2000" dirty="0" smtClean="0"/>
+              <a:t> interface</a:t>
             </a:r>
             <a:endParaRPr lang="fr-FR" sz="1600" dirty="0"/>
           </a:p>
@@ -17511,35 +17558,6 @@
       </p:pic>
       <p:pic>
         <p:nvPicPr>
-          <p:cNvPr id="20" name="Picture 19"/>
-          <p:cNvPicPr>
-            <a:picLocks noChangeAspect="1"/>
-          </p:cNvPicPr>
-          <p:nvPr/>
-        </p:nvPicPr>
-        <p:blipFill rotWithShape="1">
-          <a:blip r:embed="rId3" cstate="print">
-            <a:extLst>
-              <a:ext uri="{28A0092B-C50C-407E-A947-70E740481C1C}">
-                <a14:useLocalDpi xmlns:a14="http://schemas.microsoft.com/office/drawing/2010/main" val="0"/>
-              </a:ext>
-            </a:extLst>
-          </a:blip>
-          <a:srcRect l="19168" t="30789" r="68942" b="44551"/>
-          <a:stretch/>
-        </p:blipFill>
-        <p:spPr>
-          <a:xfrm>
-            <a:off x="4556740" y="5259897"/>
-            <a:ext cx="299307" cy="310393"/>
-          </a:xfrm>
-          <a:prstGeom prst="rect">
-            <a:avLst/>
-          </a:prstGeom>
-        </p:spPr>
-      </p:pic>
-      <p:pic>
-        <p:nvPicPr>
           <p:cNvPr id="21" name="Picture 20"/>
           <p:cNvPicPr>
             <a:picLocks noChangeAspect="1"/>
@@ -17598,35 +17616,6 @@
       </p:pic>
       <p:pic>
         <p:nvPicPr>
-          <p:cNvPr id="24" name="Picture 23"/>
-          <p:cNvPicPr>
-            <a:picLocks noChangeAspect="1"/>
-          </p:cNvPicPr>
-          <p:nvPr/>
-        </p:nvPicPr>
-        <p:blipFill rotWithShape="1">
-          <a:blip r:embed="rId3" cstate="print">
-            <a:extLst>
-              <a:ext uri="{28A0092B-C50C-407E-A947-70E740481C1C}">
-                <a14:useLocalDpi xmlns:a14="http://schemas.microsoft.com/office/drawing/2010/main" val="0"/>
-              </a:ext>
-            </a:extLst>
-          </a:blip>
-          <a:srcRect l="19168" t="30789" r="68942" b="44551"/>
-          <a:stretch/>
-        </p:blipFill>
-        <p:spPr>
-          <a:xfrm>
-            <a:off x="6016074" y="4859556"/>
-            <a:ext cx="299307" cy="310393"/>
-          </a:xfrm>
-          <a:prstGeom prst="rect">
-            <a:avLst/>
-          </a:prstGeom>
-        </p:spPr>
-      </p:pic>
-      <p:pic>
-        <p:nvPicPr>
           <p:cNvPr id="2050" name="Picture 2" descr="Résultat de recherche d'images pour &quot;project&quot;&quot;"/>
           <p:cNvPicPr>
             <a:picLocks noChangeAspect="1" noChangeArrowheads="1"/>
@@ -17634,7 +17623,7 @@
           <p:nvPr/>
         </p:nvPicPr>
         <p:blipFill>
-          <a:blip r:embed="rId4">
+          <a:blip r:embed="rId3">
             <a:extLst>
               <a:ext uri="{28A0092B-C50C-407E-A947-70E740481C1C}">
                 <a14:useLocalDpi xmlns:a14="http://schemas.microsoft.com/office/drawing/2010/main" val="0"/>
@@ -17664,6 +17653,122 @@
               </a14:hiddenFill>
             </a:ext>
           </a:extLst>
+        </p:spPr>
+      </p:pic>
+      <p:pic>
+        <p:nvPicPr>
+          <p:cNvPr id="11" name="Picture 19"/>
+          <p:cNvPicPr>
+            <a:picLocks noChangeAspect="1"/>
+          </p:cNvPicPr>
+          <p:nvPr/>
+        </p:nvPicPr>
+        <p:blipFill rotWithShape="1">
+          <a:blip r:embed="rId4" cstate="print">
+            <a:extLst>
+              <a:ext uri="{28A0092B-C50C-407E-A947-70E740481C1C}">
+                <a14:useLocalDpi xmlns:a14="http://schemas.microsoft.com/office/drawing/2010/main" val="0"/>
+              </a:ext>
+            </a:extLst>
+          </a:blip>
+          <a:srcRect l="19168" t="30789" r="68942" b="44551"/>
+          <a:stretch/>
+        </p:blipFill>
+        <p:spPr>
+          <a:xfrm>
+            <a:off x="4486368" y="5686782"/>
+            <a:ext cx="299307" cy="310393"/>
+          </a:xfrm>
+          <a:prstGeom prst="rect">
+            <a:avLst/>
+          </a:prstGeom>
+        </p:spPr>
+      </p:pic>
+      <p:pic>
+        <p:nvPicPr>
+          <p:cNvPr id="12" name="Picture 19"/>
+          <p:cNvPicPr>
+            <a:picLocks noChangeAspect="1"/>
+          </p:cNvPicPr>
+          <p:nvPr/>
+        </p:nvPicPr>
+        <p:blipFill rotWithShape="1">
+          <a:blip r:embed="rId4" cstate="print">
+            <a:extLst>
+              <a:ext uri="{28A0092B-C50C-407E-A947-70E740481C1C}">
+                <a14:useLocalDpi xmlns:a14="http://schemas.microsoft.com/office/drawing/2010/main" val="0"/>
+              </a:ext>
+            </a:extLst>
+          </a:blip>
+          <a:srcRect l="19168" t="30789" r="68942" b="44551"/>
+          <a:stretch/>
+        </p:blipFill>
+        <p:spPr>
+          <a:xfrm>
+            <a:off x="4856957" y="6073210"/>
+            <a:ext cx="299307" cy="310393"/>
+          </a:xfrm>
+          <a:prstGeom prst="rect">
+            <a:avLst/>
+          </a:prstGeom>
+        </p:spPr>
+      </p:pic>
+      <p:pic>
+        <p:nvPicPr>
+          <p:cNvPr id="13" name="Picture 21"/>
+          <p:cNvPicPr>
+            <a:picLocks noChangeAspect="1"/>
+          </p:cNvPicPr>
+          <p:nvPr/>
+        </p:nvPicPr>
+        <p:blipFill rotWithShape="1">
+          <a:blip r:embed="rId2" cstate="print">
+            <a:extLst>
+              <a:ext uri="{28A0092B-C50C-407E-A947-70E740481C1C}">
+                <a14:useLocalDpi xmlns:a14="http://schemas.microsoft.com/office/drawing/2010/main" val="0"/>
+              </a:ext>
+            </a:extLst>
+          </a:blip>
+          <a:srcRect l="69156" t="31820" r="18734" b="44840"/>
+          <a:stretch/>
+        </p:blipFill>
+        <p:spPr>
+          <a:xfrm>
+            <a:off x="6008087" y="4102647"/>
+            <a:ext cx="304695" cy="293615"/>
+          </a:xfrm>
+          <a:prstGeom prst="rect">
+            <a:avLst/>
+          </a:prstGeom>
+        </p:spPr>
+      </p:pic>
+      <p:pic>
+        <p:nvPicPr>
+          <p:cNvPr id="14" name="Picture 21"/>
+          <p:cNvPicPr>
+            <a:picLocks noChangeAspect="1"/>
+          </p:cNvPicPr>
+          <p:nvPr/>
+        </p:nvPicPr>
+        <p:blipFill rotWithShape="1">
+          <a:blip r:embed="rId2" cstate="print">
+            <a:extLst>
+              <a:ext uri="{28A0092B-C50C-407E-A947-70E740481C1C}">
+                <a14:useLocalDpi xmlns:a14="http://schemas.microsoft.com/office/drawing/2010/main" val="0"/>
+              </a:ext>
+            </a:extLst>
+          </a:blip>
+          <a:srcRect l="69156" t="31820" r="18734" b="44840"/>
+          <a:stretch/>
+        </p:blipFill>
+        <p:spPr>
+          <a:xfrm>
+            <a:off x="3189104" y="4514208"/>
+            <a:ext cx="304695" cy="293615"/>
+          </a:xfrm>
+          <a:prstGeom prst="rect">
+            <a:avLst/>
+          </a:prstGeom>
         </p:spPr>
       </p:pic>
     </p:spTree>
@@ -18548,7 +18653,7 @@
         <p:spPr>
           <a:xfrm>
             <a:off x="1236683" y="2835479"/>
-            <a:ext cx="7403977" cy="3842158"/>
+            <a:ext cx="9075717" cy="3842158"/>
           </a:xfrm>
           <a:prstGeom prst="rect">
             <a:avLst/>
@@ -18778,9 +18883,16 @@
               <a:t>Cellomet</a:t>
             </a:r>
             <a:r>
-              <a:rPr lang="fr-FR" sz="2000" dirty="0"/>
-              <a:t>)</a:t>
+              <a:rPr lang="fr-FR" sz="2000" dirty="0" smtClean="0"/>
+              <a:t>) </a:t>
             </a:r>
+            <a:r>
+              <a:rPr lang="fr-FR" sz="2000" dirty="0" smtClean="0">
+                <a:sym typeface="Wingdings" panose="05000000000000000000" pitchFamily="2" charset="2"/>
+              </a:rPr>
+              <a:t> Téléchargement et récolte d’informations</a:t>
+            </a:r>
+            <a:endParaRPr lang="fr-FR" sz="2000" dirty="0"/>
           </a:p>
         </p:txBody>
       </p:sp>
@@ -19118,11 +19230,7 @@
             </a:r>
             <a:r>
               <a:rPr lang="fr-FR" sz="2000" dirty="0" smtClean="0"/>
-              <a:t>- </a:t>
-            </a:r>
-            <a:r>
-              <a:rPr lang="fr-FR" sz="2000" dirty="0" smtClean="0"/>
-              <a:t>DESeq2</a:t>
+              <a:t>- DESeq2</a:t>
             </a:r>
           </a:p>
           <a:p>
@@ -22213,16 +22321,7 @@
                 </a:solidFill>
                 <a:latin typeface="Calibri" panose="020F0502020204030204" pitchFamily="34" charset="0"/>
               </a:rPr>
-              <a:t>Comprendre l'outil </a:t>
-            </a:r>
-            <a:r>
-              <a:rPr lang="fr-FR" sz="1100" b="1" dirty="0" smtClean="0">
-                <a:solidFill>
-                  <a:schemeClr val="dk1"/>
-                </a:solidFill>
-                <a:latin typeface="Calibri" panose="020F0502020204030204" pitchFamily="34" charset="0"/>
-              </a:rPr>
-              <a:t>DESeq2</a:t>
+              <a:t>Comprendre l'outil DESeq2</a:t>
             </a:r>
             <a:endParaRPr lang="fr-FR" sz="1100" b="1" dirty="0">
               <a:solidFill>
@@ -24221,29 +24320,61 @@
             <a:pPr algn="just"/>
             <a:r>
               <a:rPr lang="fr-FR" sz="2000" dirty="0"/>
-              <a:t>L’interface web a été débutée</a:t>
+              <a:t>L’interface web a été </a:t>
             </a:r>
-          </a:p>
-          <a:p>
-            <a:pPr algn="just"/>
-            <a:endParaRPr lang="fr-FR" sz="2000" dirty="0"/>
-          </a:p>
-          <a:p>
-            <a:pPr algn="just"/>
+            <a:r>
+              <a:rPr lang="fr-FR" sz="2000" dirty="0" smtClean="0"/>
+              <a:t>débutée</a:t>
+            </a:r>
             <a:endParaRPr lang="fr-FR" sz="2000" dirty="0"/>
           </a:p>
           <a:p>
             <a:pPr algn="just"/>
             <a:r>
               <a:rPr lang="fr-FR" sz="2000" dirty="0"/>
-              <a:t>Convertir les 4 scripts R en un seul script et tester</a:t>
+              <a:t>Convertir les 4 scripts R en un seul script et </a:t>
             </a:r>
+            <a:r>
+              <a:rPr lang="fr-FR" sz="2000" dirty="0" smtClean="0"/>
+              <a:t>tester</a:t>
+            </a:r>
+          </a:p>
+          <a:p>
+            <a:pPr algn="just"/>
+            <a:r>
+              <a:rPr lang="fr-FR" sz="2000" dirty="0" smtClean="0"/>
+              <a:t>Base de données en local</a:t>
+            </a:r>
+            <a:endParaRPr lang="fr-FR" sz="2000" dirty="0"/>
+          </a:p>
+          <a:p>
+            <a:pPr algn="just"/>
+            <a:endParaRPr lang="fr-FR" sz="2000" dirty="0" smtClean="0"/>
+          </a:p>
+          <a:p>
+            <a:pPr algn="just"/>
+            <a:endParaRPr lang="fr-FR" sz="2000" dirty="0"/>
           </a:p>
           <a:p>
             <a:pPr algn="just"/>
             <a:r>
               <a:rPr lang="fr-FR" sz="2000" dirty="0"/>
-              <a:t>Finir l’interface web</a:t>
+              <a:t>Finir l’interface </a:t>
+            </a:r>
+            <a:r>
+              <a:rPr lang="fr-FR" sz="2000" dirty="0" smtClean="0"/>
+              <a:t>web</a:t>
+            </a:r>
+          </a:p>
+          <a:p>
+            <a:pPr algn="just"/>
+            <a:r>
+              <a:rPr lang="fr-FR" sz="2000" dirty="0" smtClean="0"/>
+              <a:t>Finir l’application </a:t>
+            </a:r>
+            <a:r>
+              <a:rPr lang="fr-FR" sz="2000" dirty="0" err="1" smtClean="0"/>
+              <a:t>Rshiny</a:t>
             </a:r>
             <a:endParaRPr lang="fr-FR" sz="1600" dirty="0"/>
           </a:p>
@@ -24306,7 +24437,7 @@
         </p:blipFill>
         <p:spPr>
           <a:xfrm>
-            <a:off x="3667740" y="5259897"/>
+            <a:off x="3731240" y="5685932"/>
             <a:ext cx="299307" cy="310393"/>
           </a:xfrm>
           <a:prstGeom prst="rect">
@@ -24366,35 +24497,6 @@
           <a:xfrm>
             <a:off x="4670585" y="3692906"/>
             <a:ext cx="304695" cy="293615"/>
-          </a:xfrm>
-          <a:prstGeom prst="rect">
-            <a:avLst/>
-          </a:prstGeom>
-        </p:spPr>
-      </p:pic>
-      <p:pic>
-        <p:nvPicPr>
-          <p:cNvPr id="24" name="Picture 23"/>
-          <p:cNvPicPr>
-            <a:picLocks noChangeAspect="1"/>
-          </p:cNvPicPr>
-          <p:nvPr/>
-        </p:nvPicPr>
-        <p:blipFill rotWithShape="1">
-          <a:blip r:embed="rId3" cstate="print">
-            <a:extLst>
-              <a:ext uri="{28A0092B-C50C-407E-A947-70E740481C1C}">
-                <a14:useLocalDpi xmlns:a14="http://schemas.microsoft.com/office/drawing/2010/main" val="0"/>
-              </a:ext>
-            </a:extLst>
-          </a:blip>
-          <a:srcRect l="19168" t="30789" r="68942" b="44551"/>
-          <a:stretch/>
-        </p:blipFill>
-        <p:spPr>
-          <a:xfrm>
-            <a:off x="6838778" y="4875402"/>
-            <a:ext cx="299307" cy="310393"/>
           </a:xfrm>
           <a:prstGeom prst="rect">
             <a:avLst/>
@@ -24440,6 +24542,93 @@
               </a14:hiddenFill>
             </a:ext>
           </a:extLst>
+        </p:spPr>
+      </p:pic>
+      <p:pic>
+        <p:nvPicPr>
+          <p:cNvPr id="11" name="Picture 21"/>
+          <p:cNvPicPr>
+            <a:picLocks noChangeAspect="1"/>
+          </p:cNvPicPr>
+          <p:nvPr/>
+        </p:nvPicPr>
+        <p:blipFill rotWithShape="1">
+          <a:blip r:embed="rId2" cstate="print">
+            <a:extLst>
+              <a:ext uri="{28A0092B-C50C-407E-A947-70E740481C1C}">
+                <a14:useLocalDpi xmlns:a14="http://schemas.microsoft.com/office/drawing/2010/main" val="0"/>
+              </a:ext>
+            </a:extLst>
+          </a:blip>
+          <a:srcRect l="69156" t="31820" r="18734" b="44840"/>
+          <a:stretch/>
+        </p:blipFill>
+        <p:spPr>
+          <a:xfrm>
+            <a:off x="6720484" y="4095837"/>
+            <a:ext cx="304695" cy="293615"/>
+          </a:xfrm>
+          <a:prstGeom prst="rect">
+            <a:avLst/>
+          </a:prstGeom>
+        </p:spPr>
+      </p:pic>
+      <p:pic>
+        <p:nvPicPr>
+          <p:cNvPr id="12" name="Picture 19"/>
+          <p:cNvPicPr>
+            <a:picLocks noChangeAspect="1"/>
+          </p:cNvPicPr>
+          <p:nvPr/>
+        </p:nvPicPr>
+        <p:blipFill rotWithShape="1">
+          <a:blip r:embed="rId3" cstate="print">
+            <a:extLst>
+              <a:ext uri="{28A0092B-C50C-407E-A947-70E740481C1C}">
+                <a14:useLocalDpi xmlns:a14="http://schemas.microsoft.com/office/drawing/2010/main" val="0"/>
+              </a:ext>
+            </a:extLst>
+          </a:blip>
+          <a:srcRect l="19168" t="30789" r="68942" b="44551"/>
+          <a:stretch/>
+        </p:blipFill>
+        <p:spPr>
+          <a:xfrm>
+            <a:off x="4199328" y="6110625"/>
+            <a:ext cx="299307" cy="310393"/>
+          </a:xfrm>
+          <a:prstGeom prst="rect">
+            <a:avLst/>
+          </a:prstGeom>
+        </p:spPr>
+      </p:pic>
+      <p:pic>
+        <p:nvPicPr>
+          <p:cNvPr id="13" name="Picture 21"/>
+          <p:cNvPicPr>
+            <a:picLocks noChangeAspect="1"/>
+          </p:cNvPicPr>
+          <p:nvPr/>
+        </p:nvPicPr>
+        <p:blipFill rotWithShape="1">
+          <a:blip r:embed="rId2" cstate="print">
+            <a:extLst>
+              <a:ext uri="{28A0092B-C50C-407E-A947-70E740481C1C}">
+                <a14:useLocalDpi xmlns:a14="http://schemas.microsoft.com/office/drawing/2010/main" val="0"/>
+              </a:ext>
+            </a:extLst>
+          </a:blip>
+          <a:srcRect l="69156" t="31820" r="18734" b="44840"/>
+          <a:stretch/>
+        </p:blipFill>
+        <p:spPr>
+          <a:xfrm>
+            <a:off x="4219372" y="4474046"/>
+            <a:ext cx="304695" cy="293615"/>
+          </a:xfrm>
+          <a:prstGeom prst="rect">
+            <a:avLst/>
+          </a:prstGeom>
         </p:spPr>
       </p:pic>
     </p:spTree>

--- a/Slides/Diapos_Suivit_projet.pptx
+++ b/Slides/Diapos_Suivit_projet.pptx
@@ -3652,989 +3652,6 @@
       <dsp:cNvGrpSpPr/>
     </dsp:nvGrpSpPr>
     <dsp:grpSpPr/>
-    <dsp:sp modelId="{68AC0C8C-6683-4490-8F38-983C8CB47C3F}">
-      <dsp:nvSpPr>
-        <dsp:cNvPr id="0" name=""/>
-        <dsp:cNvSpPr/>
-      </dsp:nvSpPr>
-      <dsp:spPr>
-        <a:xfrm>
-          <a:off x="3454528" y="2411770"/>
-          <a:ext cx="1752080" cy="1134951"/>
-        </a:xfrm>
-        <a:prstGeom prst="roundRect">
-          <a:avLst>
-            <a:gd name="adj" fmla="val 10000"/>
-          </a:avLst>
-        </a:prstGeom>
-        <a:solidFill>
-          <a:schemeClr val="lt1">
-            <a:alpha val="90000"/>
-            <a:hueOff val="0"/>
-            <a:satOff val="0"/>
-            <a:lumOff val="0"/>
-            <a:alphaOff val="0"/>
-          </a:schemeClr>
-        </a:solidFill>
-        <a:ln w="6350" cap="flat" cmpd="sng" algn="ctr">
-          <a:solidFill>
-            <a:schemeClr val="accent4">
-              <a:hueOff val="0"/>
-              <a:satOff val="0"/>
-              <a:lumOff val="0"/>
-              <a:alphaOff val="0"/>
-            </a:schemeClr>
-          </a:solidFill>
-          <a:prstDash val="solid"/>
-          <a:miter lim="800000"/>
-        </a:ln>
-        <a:effectLst/>
-        <a:scene3d>
-          <a:camera prst="orthographicFront"/>
-          <a:lightRig rig="flat" dir="t"/>
-        </a:scene3d>
-        <a:sp3d z="-190500" extrusionH="12700" prstMaterial="plastic">
-          <a:bevelT w="50800" h="50800"/>
-        </a:sp3d>
-      </dsp:spPr>
-      <dsp:style>
-        <a:lnRef idx="1">
-          <a:scrgbClr r="0" g="0" b="0"/>
-        </a:lnRef>
-        <a:fillRef idx="1">
-          <a:scrgbClr r="0" g="0" b="0"/>
-        </a:fillRef>
-        <a:effectRef idx="2">
-          <a:scrgbClr r="0" g="0" b="0"/>
-        </a:effectRef>
-        <a:fontRef idx="minor"/>
-      </dsp:style>
-      <dsp:txBody>
-        <a:bodyPr spcFirstLastPara="0" vert="horz" wrap="square" lIns="45720" tIns="45720" rIns="45720" bIns="45720" numCol="1" spcCol="1270" anchor="t" anchorCtr="0">
-          <a:noAutofit/>
-        </a:bodyPr>
-        <a:lstStyle/>
-        <a:p>
-          <a:pPr marL="57150" lvl="1" indent="-57150" algn="l" defTabSz="400050">
-            <a:lnSpc>
-              <a:spcPct val="90000"/>
-            </a:lnSpc>
-            <a:spcBef>
-              <a:spcPct val="0"/>
-            </a:spcBef>
-            <a:spcAft>
-              <a:spcPct val="15000"/>
-            </a:spcAft>
-            <a:buChar char="••"/>
-          </a:pPr>
-          <a:r>
-            <a:rPr lang="fr-FR" sz="900" kern="1200" dirty="0" smtClean="0"/>
-            <a:t>Risque de forte demande (serveur)</a:t>
-          </a:r>
-          <a:endParaRPr lang="fr-FR" sz="900" kern="1200" dirty="0"/>
-        </a:p>
-        <a:p>
-          <a:pPr marL="57150" lvl="1" indent="-57150" algn="l" defTabSz="400050">
-            <a:lnSpc>
-              <a:spcPct val="90000"/>
-            </a:lnSpc>
-            <a:spcBef>
-              <a:spcPct val="0"/>
-            </a:spcBef>
-            <a:spcAft>
-              <a:spcPct val="15000"/>
-            </a:spcAft>
-            <a:buChar char="••"/>
-          </a:pPr>
-          <a:r>
-            <a:rPr lang="fr-FR" sz="900" kern="1200" dirty="0" smtClean="0"/>
-            <a:t>Protection des données (temporaires)</a:t>
-          </a:r>
-          <a:endParaRPr lang="fr-FR" sz="900" kern="1200" dirty="0"/>
-        </a:p>
-      </dsp:txBody>
-      <dsp:txXfrm>
-        <a:off x="4005083" y="2720439"/>
-        <a:ext cx="1176594" cy="801351"/>
-      </dsp:txXfrm>
-    </dsp:sp>
-    <dsp:sp modelId="{431C4C2F-7F42-4D62-8EEF-918E7AD22EA0}">
-      <dsp:nvSpPr>
-        <dsp:cNvPr id="0" name=""/>
-        <dsp:cNvSpPr/>
-      </dsp:nvSpPr>
-      <dsp:spPr>
-        <a:xfrm>
-          <a:off x="565296" y="2411770"/>
-          <a:ext cx="1752080" cy="1134951"/>
-        </a:xfrm>
-        <a:prstGeom prst="roundRect">
-          <a:avLst>
-            <a:gd name="adj" fmla="val 10000"/>
-          </a:avLst>
-        </a:prstGeom>
-        <a:solidFill>
-          <a:schemeClr val="lt1">
-            <a:alpha val="90000"/>
-            <a:hueOff val="0"/>
-            <a:satOff val="0"/>
-            <a:lumOff val="0"/>
-            <a:alphaOff val="0"/>
-          </a:schemeClr>
-        </a:solidFill>
-        <a:ln w="6350" cap="flat" cmpd="sng" algn="ctr">
-          <a:solidFill>
-            <a:schemeClr val="accent5">
-              <a:hueOff val="0"/>
-              <a:satOff val="0"/>
-              <a:lumOff val="0"/>
-              <a:alphaOff val="0"/>
-            </a:schemeClr>
-          </a:solidFill>
-          <a:prstDash val="solid"/>
-          <a:miter lim="800000"/>
-        </a:ln>
-        <a:effectLst/>
-        <a:scene3d>
-          <a:camera prst="orthographicFront"/>
-          <a:lightRig rig="flat" dir="t"/>
-        </a:scene3d>
-        <a:sp3d z="-190500" extrusionH="12700" prstMaterial="plastic">
-          <a:bevelT w="50800" h="50800"/>
-        </a:sp3d>
-      </dsp:spPr>
-      <dsp:style>
-        <a:lnRef idx="1">
-          <a:scrgbClr r="0" g="0" b="0"/>
-        </a:lnRef>
-        <a:fillRef idx="1">
-          <a:scrgbClr r="0" g="0" b="0"/>
-        </a:fillRef>
-        <a:effectRef idx="2">
-          <a:scrgbClr r="0" g="0" b="0"/>
-        </a:effectRef>
-        <a:fontRef idx="minor"/>
-      </dsp:style>
-      <dsp:txBody>
-        <a:bodyPr spcFirstLastPara="0" vert="horz" wrap="square" lIns="45720" tIns="45720" rIns="45720" bIns="45720" numCol="1" spcCol="1270" anchor="t" anchorCtr="0">
-          <a:noAutofit/>
-        </a:bodyPr>
-        <a:lstStyle/>
-        <a:p>
-          <a:pPr marL="57150" lvl="1" indent="-57150" algn="l" defTabSz="400050">
-            <a:lnSpc>
-              <a:spcPct val="90000"/>
-            </a:lnSpc>
-            <a:spcBef>
-              <a:spcPct val="0"/>
-            </a:spcBef>
-            <a:spcAft>
-              <a:spcPct val="15000"/>
-            </a:spcAft>
-            <a:buChar char="••"/>
-          </a:pPr>
-          <a:r>
-            <a:rPr lang="fr-FR" sz="900" kern="1200" dirty="0" smtClean="0"/>
-            <a:t>Pas de concurrents</a:t>
-          </a:r>
-          <a:endParaRPr lang="fr-FR" sz="900" kern="1200" dirty="0"/>
-        </a:p>
-        <a:p>
-          <a:pPr marL="57150" lvl="1" indent="-57150" algn="l" defTabSz="400050">
-            <a:lnSpc>
-              <a:spcPct val="90000"/>
-            </a:lnSpc>
-            <a:spcBef>
-              <a:spcPct val="0"/>
-            </a:spcBef>
-            <a:spcAft>
-              <a:spcPct val="15000"/>
-            </a:spcAft>
-            <a:buChar char="••"/>
-          </a:pPr>
-          <a:r>
-            <a:rPr lang="fr-FR" sz="900" kern="1200" dirty="0" smtClean="0"/>
-            <a:t>Grande utilité</a:t>
-          </a:r>
-          <a:endParaRPr lang="fr-FR" sz="900" kern="1200" dirty="0"/>
-        </a:p>
-      </dsp:txBody>
-      <dsp:txXfrm>
-        <a:off x="590227" y="2720439"/>
-        <a:ext cx="1176594" cy="801351"/>
-      </dsp:txXfrm>
-    </dsp:sp>
-    <dsp:sp modelId="{05478942-E273-4856-8553-F0FD8F015AA2}">
-      <dsp:nvSpPr>
-        <dsp:cNvPr id="0" name=""/>
-        <dsp:cNvSpPr/>
-      </dsp:nvSpPr>
-      <dsp:spPr>
-        <a:xfrm>
-          <a:off x="3454528" y="0"/>
-          <a:ext cx="1752080" cy="1134951"/>
-        </a:xfrm>
-        <a:prstGeom prst="roundRect">
-          <a:avLst>
-            <a:gd name="adj" fmla="val 10000"/>
-          </a:avLst>
-        </a:prstGeom>
-        <a:solidFill>
-          <a:schemeClr val="lt1">
-            <a:alpha val="90000"/>
-            <a:hueOff val="0"/>
-            <a:satOff val="0"/>
-            <a:lumOff val="0"/>
-            <a:alphaOff val="0"/>
-          </a:schemeClr>
-        </a:solidFill>
-        <a:ln w="6350" cap="flat" cmpd="sng" algn="ctr">
-          <a:solidFill>
-            <a:schemeClr val="accent3">
-              <a:hueOff val="0"/>
-              <a:satOff val="0"/>
-              <a:lumOff val="0"/>
-              <a:alphaOff val="0"/>
-            </a:schemeClr>
-          </a:solidFill>
-          <a:prstDash val="solid"/>
-          <a:miter lim="800000"/>
-        </a:ln>
-        <a:effectLst/>
-        <a:scene3d>
-          <a:camera prst="orthographicFront"/>
-          <a:lightRig rig="flat" dir="t"/>
-        </a:scene3d>
-        <a:sp3d z="-190500" extrusionH="12700" prstMaterial="plastic">
-          <a:bevelT w="50800" h="50800"/>
-        </a:sp3d>
-      </dsp:spPr>
-      <dsp:style>
-        <a:lnRef idx="1">
-          <a:scrgbClr r="0" g="0" b="0"/>
-        </a:lnRef>
-        <a:fillRef idx="1">
-          <a:scrgbClr r="0" g="0" b="0"/>
-        </a:fillRef>
-        <a:effectRef idx="2">
-          <a:scrgbClr r="0" g="0" b="0"/>
-        </a:effectRef>
-        <a:fontRef idx="minor"/>
-      </dsp:style>
-      <dsp:txBody>
-        <a:bodyPr spcFirstLastPara="0" vert="horz" wrap="square" lIns="45720" tIns="45720" rIns="45720" bIns="45720" numCol="1" spcCol="1270" anchor="t" anchorCtr="0">
-          <a:noAutofit/>
-        </a:bodyPr>
-        <a:lstStyle/>
-        <a:p>
-          <a:pPr marL="57150" lvl="1" indent="-57150" algn="l" defTabSz="400050">
-            <a:lnSpc>
-              <a:spcPct val="90000"/>
-            </a:lnSpc>
-            <a:spcBef>
-              <a:spcPct val="0"/>
-            </a:spcBef>
-            <a:spcAft>
-              <a:spcPct val="15000"/>
-            </a:spcAft>
-            <a:buChar char="••"/>
-          </a:pPr>
-          <a:r>
-            <a:rPr lang="fr-FR" sz="900" kern="1200" dirty="0" smtClean="0"/>
-            <a:t>Deadlines courtes</a:t>
-          </a:r>
-          <a:endParaRPr lang="fr-FR" sz="900" kern="1200" dirty="0"/>
-        </a:p>
-        <a:p>
-          <a:pPr marL="57150" lvl="1" indent="-57150" algn="l" defTabSz="400050">
-            <a:lnSpc>
-              <a:spcPct val="90000"/>
-            </a:lnSpc>
-            <a:spcBef>
-              <a:spcPct val="0"/>
-            </a:spcBef>
-            <a:spcAft>
-              <a:spcPct val="15000"/>
-            </a:spcAft>
-            <a:buChar char="••"/>
-          </a:pPr>
-          <a:r>
-            <a:rPr lang="fr-FR" sz="900" kern="1200" dirty="0" smtClean="0"/>
-            <a:t>Faible documentation</a:t>
-          </a:r>
-          <a:endParaRPr lang="fr-FR" sz="900" kern="1200" dirty="0"/>
-        </a:p>
-      </dsp:txBody>
-      <dsp:txXfrm>
-        <a:off x="4005083" y="24931"/>
-        <a:ext cx="1176594" cy="801351"/>
-      </dsp:txXfrm>
-    </dsp:sp>
-    <dsp:sp modelId="{BC6F0824-1351-49BA-BADB-F02B71A91728}">
-      <dsp:nvSpPr>
-        <dsp:cNvPr id="0" name=""/>
-        <dsp:cNvSpPr/>
-      </dsp:nvSpPr>
-      <dsp:spPr>
-        <a:xfrm>
-          <a:off x="565296" y="0"/>
-          <a:ext cx="1752080" cy="1134951"/>
-        </a:xfrm>
-        <a:prstGeom prst="roundRect">
-          <a:avLst>
-            <a:gd name="adj" fmla="val 10000"/>
-          </a:avLst>
-        </a:prstGeom>
-        <a:solidFill>
-          <a:schemeClr val="lt1">
-            <a:alpha val="90000"/>
-            <a:hueOff val="0"/>
-            <a:satOff val="0"/>
-            <a:lumOff val="0"/>
-            <a:alphaOff val="0"/>
-          </a:schemeClr>
-        </a:solidFill>
-        <a:ln w="6350" cap="flat" cmpd="sng" algn="ctr">
-          <a:solidFill>
-            <a:schemeClr val="accent2">
-              <a:hueOff val="0"/>
-              <a:satOff val="0"/>
-              <a:lumOff val="0"/>
-              <a:alphaOff val="0"/>
-            </a:schemeClr>
-          </a:solidFill>
-          <a:prstDash val="solid"/>
-          <a:miter lim="800000"/>
-        </a:ln>
-        <a:effectLst/>
-        <a:scene3d>
-          <a:camera prst="orthographicFront"/>
-          <a:lightRig rig="flat" dir="t"/>
-        </a:scene3d>
-        <a:sp3d z="-190500" extrusionH="12700" prstMaterial="plastic">
-          <a:bevelT w="50800" h="50800"/>
-        </a:sp3d>
-      </dsp:spPr>
-      <dsp:style>
-        <a:lnRef idx="1">
-          <a:scrgbClr r="0" g="0" b="0"/>
-        </a:lnRef>
-        <a:fillRef idx="1">
-          <a:scrgbClr r="0" g="0" b="0"/>
-        </a:fillRef>
-        <a:effectRef idx="2">
-          <a:scrgbClr r="0" g="0" b="0"/>
-        </a:effectRef>
-        <a:fontRef idx="minor"/>
-      </dsp:style>
-      <dsp:txBody>
-        <a:bodyPr spcFirstLastPara="0" vert="horz" wrap="square" lIns="34290" tIns="34290" rIns="34290" bIns="34290" numCol="1" spcCol="1270" anchor="t" anchorCtr="0">
-          <a:noAutofit/>
-        </a:bodyPr>
-        <a:lstStyle/>
-        <a:p>
-          <a:pPr marL="57150" lvl="1" indent="-57150" algn="l" defTabSz="400050">
-            <a:lnSpc>
-              <a:spcPct val="90000"/>
-            </a:lnSpc>
-            <a:spcBef>
-              <a:spcPct val="0"/>
-            </a:spcBef>
-            <a:spcAft>
-              <a:spcPct val="15000"/>
-            </a:spcAft>
-            <a:buChar char="••"/>
-          </a:pPr>
-          <a:r>
-            <a:rPr lang="fr-FR" sz="900" kern="1200" dirty="0" smtClean="0"/>
-            <a:t>Différentes compétences</a:t>
-          </a:r>
-          <a:endParaRPr lang="fr-FR" sz="900" kern="1200" dirty="0"/>
-        </a:p>
-        <a:p>
-          <a:pPr marL="57150" lvl="1" indent="-57150" algn="l" defTabSz="400050">
-            <a:lnSpc>
-              <a:spcPct val="90000"/>
-            </a:lnSpc>
-            <a:spcBef>
-              <a:spcPct val="0"/>
-            </a:spcBef>
-            <a:spcAft>
-              <a:spcPct val="15000"/>
-            </a:spcAft>
-            <a:buChar char="••"/>
-          </a:pPr>
-          <a:r>
-            <a:rPr lang="fr-FR" sz="900" kern="1200" dirty="0" smtClean="0"/>
-            <a:t>Contact avec un expert</a:t>
-          </a:r>
-          <a:endParaRPr lang="fr-FR" sz="900" kern="1200" dirty="0"/>
-        </a:p>
-        <a:p>
-          <a:pPr marL="57150" lvl="1" indent="-57150" algn="l" defTabSz="400050">
-            <a:lnSpc>
-              <a:spcPct val="90000"/>
-            </a:lnSpc>
-            <a:spcBef>
-              <a:spcPct val="0"/>
-            </a:spcBef>
-            <a:spcAft>
-              <a:spcPct val="15000"/>
-            </a:spcAft>
-            <a:buChar char="••"/>
-          </a:pPr>
-          <a:r>
-            <a:rPr lang="fr-FR" sz="900" kern="1200" dirty="0" smtClean="0"/>
-            <a:t>Utilisation de package ‘open source ’</a:t>
-          </a:r>
-          <a:endParaRPr lang="fr-FR" sz="900" kern="1200" dirty="0"/>
-        </a:p>
-      </dsp:txBody>
-      <dsp:txXfrm>
-        <a:off x="590227" y="24931"/>
-        <a:ext cx="1176594" cy="801351"/>
-      </dsp:txXfrm>
-    </dsp:sp>
-    <dsp:sp modelId="{E72BDFA6-376E-4614-9D7C-A68241E884D9}">
-      <dsp:nvSpPr>
-        <dsp:cNvPr id="0" name=""/>
-        <dsp:cNvSpPr/>
-      </dsp:nvSpPr>
-      <dsp:spPr>
-        <a:xfrm>
-          <a:off x="1299468" y="202163"/>
-          <a:ext cx="1535730" cy="1535730"/>
-        </a:xfrm>
-        <a:prstGeom prst="pieWedge">
-          <a:avLst/>
-        </a:prstGeom>
-        <a:gradFill rotWithShape="0">
-          <a:gsLst>
-            <a:gs pos="0">
-              <a:schemeClr val="accent2">
-                <a:hueOff val="0"/>
-                <a:satOff val="0"/>
-                <a:lumOff val="0"/>
-                <a:alphaOff val="0"/>
-                <a:satMod val="103000"/>
-                <a:lumMod val="102000"/>
-                <a:tint val="94000"/>
-              </a:schemeClr>
-            </a:gs>
-            <a:gs pos="50000">
-              <a:schemeClr val="accent2">
-                <a:hueOff val="0"/>
-                <a:satOff val="0"/>
-                <a:lumOff val="0"/>
-                <a:alphaOff val="0"/>
-                <a:satMod val="110000"/>
-                <a:lumMod val="100000"/>
-                <a:shade val="100000"/>
-              </a:schemeClr>
-            </a:gs>
-            <a:gs pos="100000">
-              <a:schemeClr val="accent2">
-                <a:hueOff val="0"/>
-                <a:satOff val="0"/>
-                <a:lumOff val="0"/>
-                <a:alphaOff val="0"/>
-                <a:lumMod val="99000"/>
-                <a:satMod val="120000"/>
-                <a:shade val="78000"/>
-              </a:schemeClr>
-            </a:gs>
-          </a:gsLst>
-          <a:lin ang="5400000" scaled="0"/>
-        </a:gradFill>
-        <a:ln>
-          <a:noFill/>
-        </a:ln>
-        <a:effectLst/>
-        <a:scene3d>
-          <a:camera prst="orthographicFront"/>
-          <a:lightRig rig="flat" dir="t"/>
-        </a:scene3d>
-        <a:sp3d prstMaterial="plastic">
-          <a:bevelT w="120900" h="88900"/>
-          <a:bevelB w="88900" h="31750" prst="angle"/>
-        </a:sp3d>
-      </dsp:spPr>
-      <dsp:style>
-        <a:lnRef idx="0">
-          <a:scrgbClr r="0" g="0" b="0"/>
-        </a:lnRef>
-        <a:fillRef idx="3">
-          <a:scrgbClr r="0" g="0" b="0"/>
-        </a:fillRef>
-        <a:effectRef idx="2">
-          <a:scrgbClr r="0" g="0" b="0"/>
-        </a:effectRef>
-        <a:fontRef idx="minor">
-          <a:schemeClr val="lt1"/>
-        </a:fontRef>
-      </dsp:style>
-      <dsp:txBody>
-        <a:bodyPr spcFirstLastPara="0" vert="horz" wrap="square" lIns="270256" tIns="270256" rIns="270256" bIns="270256" numCol="1" spcCol="1270" anchor="ctr" anchorCtr="0">
-          <a:noAutofit/>
-        </a:bodyPr>
-        <a:lstStyle/>
-        <a:p>
-          <a:pPr lvl="0" algn="ctr" defTabSz="1689100">
-            <a:lnSpc>
-              <a:spcPct val="90000"/>
-            </a:lnSpc>
-            <a:spcBef>
-              <a:spcPct val="0"/>
-            </a:spcBef>
-            <a:spcAft>
-              <a:spcPct val="35000"/>
-            </a:spcAft>
-          </a:pPr>
-          <a:r>
-            <a:rPr lang="fr-FR" sz="3800" kern="1200" dirty="0" smtClean="0"/>
-            <a:t>S</a:t>
-          </a:r>
-          <a:endParaRPr lang="fr-FR" sz="3800" kern="1200" dirty="0"/>
-        </a:p>
-      </dsp:txBody>
-      <dsp:txXfrm>
-        <a:off x="1749273" y="651968"/>
-        <a:ext cx="1085925" cy="1085925"/>
-      </dsp:txXfrm>
-    </dsp:sp>
-    <dsp:sp modelId="{A67A60E5-5291-49E4-B3E5-53A58B528285}">
-      <dsp:nvSpPr>
-        <dsp:cNvPr id="0" name=""/>
-        <dsp:cNvSpPr/>
-      </dsp:nvSpPr>
-      <dsp:spPr>
-        <a:xfrm rot="5400000">
-          <a:off x="2906133" y="202163"/>
-          <a:ext cx="1535730" cy="1535730"/>
-        </a:xfrm>
-        <a:prstGeom prst="pieWedge">
-          <a:avLst/>
-        </a:prstGeom>
-        <a:gradFill rotWithShape="0">
-          <a:gsLst>
-            <a:gs pos="0">
-              <a:schemeClr val="accent3">
-                <a:hueOff val="0"/>
-                <a:satOff val="0"/>
-                <a:lumOff val="0"/>
-                <a:alphaOff val="0"/>
-                <a:satMod val="103000"/>
-                <a:lumMod val="102000"/>
-                <a:tint val="94000"/>
-              </a:schemeClr>
-            </a:gs>
-            <a:gs pos="50000">
-              <a:schemeClr val="accent3">
-                <a:hueOff val="0"/>
-                <a:satOff val="0"/>
-                <a:lumOff val="0"/>
-                <a:alphaOff val="0"/>
-                <a:satMod val="110000"/>
-                <a:lumMod val="100000"/>
-                <a:shade val="100000"/>
-              </a:schemeClr>
-            </a:gs>
-            <a:gs pos="100000">
-              <a:schemeClr val="accent3">
-                <a:hueOff val="0"/>
-                <a:satOff val="0"/>
-                <a:lumOff val="0"/>
-                <a:alphaOff val="0"/>
-                <a:lumMod val="99000"/>
-                <a:satMod val="120000"/>
-                <a:shade val="78000"/>
-              </a:schemeClr>
-            </a:gs>
-          </a:gsLst>
-          <a:lin ang="5400000" scaled="0"/>
-        </a:gradFill>
-        <a:ln>
-          <a:noFill/>
-        </a:ln>
-        <a:effectLst/>
-        <a:scene3d>
-          <a:camera prst="orthographicFront"/>
-          <a:lightRig rig="flat" dir="t"/>
-        </a:scene3d>
-        <a:sp3d prstMaterial="plastic">
-          <a:bevelT w="120900" h="88900"/>
-          <a:bevelB w="88900" h="31750" prst="angle"/>
-        </a:sp3d>
-      </dsp:spPr>
-      <dsp:style>
-        <a:lnRef idx="0">
-          <a:scrgbClr r="0" g="0" b="0"/>
-        </a:lnRef>
-        <a:fillRef idx="3">
-          <a:scrgbClr r="0" g="0" b="0"/>
-        </a:fillRef>
-        <a:effectRef idx="2">
-          <a:scrgbClr r="0" g="0" b="0"/>
-        </a:effectRef>
-        <a:fontRef idx="minor">
-          <a:schemeClr val="lt1"/>
-        </a:fontRef>
-      </dsp:style>
-      <dsp:txBody>
-        <a:bodyPr spcFirstLastPara="0" vert="horz" wrap="square" lIns="270256" tIns="270256" rIns="270256" bIns="270256" numCol="1" spcCol="1270" anchor="ctr" anchorCtr="0">
-          <a:noAutofit/>
-        </a:bodyPr>
-        <a:lstStyle/>
-        <a:p>
-          <a:pPr lvl="0" algn="ctr" defTabSz="1689100">
-            <a:lnSpc>
-              <a:spcPct val="90000"/>
-            </a:lnSpc>
-            <a:spcBef>
-              <a:spcPct val="0"/>
-            </a:spcBef>
-            <a:spcAft>
-              <a:spcPct val="35000"/>
-            </a:spcAft>
-          </a:pPr>
-          <a:r>
-            <a:rPr lang="fr-FR" sz="3800" kern="1200" dirty="0" smtClean="0"/>
-            <a:t>W</a:t>
-          </a:r>
-          <a:endParaRPr lang="fr-FR" sz="3800" kern="1200" dirty="0"/>
-        </a:p>
-      </dsp:txBody>
-      <dsp:txXfrm rot="-5400000">
-        <a:off x="2906133" y="651968"/>
-        <a:ext cx="1085925" cy="1085925"/>
-      </dsp:txXfrm>
-    </dsp:sp>
-    <dsp:sp modelId="{CF4FC7F6-A89C-4633-A10E-BFE92B369DCD}">
-      <dsp:nvSpPr>
-        <dsp:cNvPr id="0" name=""/>
-        <dsp:cNvSpPr/>
-      </dsp:nvSpPr>
-      <dsp:spPr>
-        <a:xfrm rot="10800000">
-          <a:off x="2906133" y="1808828"/>
-          <a:ext cx="1535730" cy="1535730"/>
-        </a:xfrm>
-        <a:prstGeom prst="pieWedge">
-          <a:avLst/>
-        </a:prstGeom>
-        <a:gradFill rotWithShape="0">
-          <a:gsLst>
-            <a:gs pos="0">
-              <a:schemeClr val="accent4">
-                <a:hueOff val="0"/>
-                <a:satOff val="0"/>
-                <a:lumOff val="0"/>
-                <a:alphaOff val="0"/>
-                <a:satMod val="103000"/>
-                <a:lumMod val="102000"/>
-                <a:tint val="94000"/>
-              </a:schemeClr>
-            </a:gs>
-            <a:gs pos="50000">
-              <a:schemeClr val="accent4">
-                <a:hueOff val="0"/>
-                <a:satOff val="0"/>
-                <a:lumOff val="0"/>
-                <a:alphaOff val="0"/>
-                <a:satMod val="110000"/>
-                <a:lumMod val="100000"/>
-                <a:shade val="100000"/>
-              </a:schemeClr>
-            </a:gs>
-            <a:gs pos="100000">
-              <a:schemeClr val="accent4">
-                <a:hueOff val="0"/>
-                <a:satOff val="0"/>
-                <a:lumOff val="0"/>
-                <a:alphaOff val="0"/>
-                <a:lumMod val="99000"/>
-                <a:satMod val="120000"/>
-                <a:shade val="78000"/>
-              </a:schemeClr>
-            </a:gs>
-          </a:gsLst>
-          <a:lin ang="5400000" scaled="0"/>
-        </a:gradFill>
-        <a:ln>
-          <a:noFill/>
-        </a:ln>
-        <a:effectLst/>
-        <a:scene3d>
-          <a:camera prst="orthographicFront"/>
-          <a:lightRig rig="flat" dir="t"/>
-        </a:scene3d>
-        <a:sp3d prstMaterial="plastic">
-          <a:bevelT w="120900" h="88900"/>
-          <a:bevelB w="88900" h="31750" prst="angle"/>
-        </a:sp3d>
-      </dsp:spPr>
-      <dsp:style>
-        <a:lnRef idx="0">
-          <a:scrgbClr r="0" g="0" b="0"/>
-        </a:lnRef>
-        <a:fillRef idx="3">
-          <a:scrgbClr r="0" g="0" b="0"/>
-        </a:fillRef>
-        <a:effectRef idx="2">
-          <a:scrgbClr r="0" g="0" b="0"/>
-        </a:effectRef>
-        <a:fontRef idx="minor">
-          <a:schemeClr val="lt1"/>
-        </a:fontRef>
-      </dsp:style>
-      <dsp:txBody>
-        <a:bodyPr spcFirstLastPara="0" vert="horz" wrap="square" lIns="270256" tIns="270256" rIns="270256" bIns="270256" numCol="1" spcCol="1270" anchor="ctr" anchorCtr="0">
-          <a:noAutofit/>
-        </a:bodyPr>
-        <a:lstStyle/>
-        <a:p>
-          <a:pPr lvl="0" algn="ctr" defTabSz="1689100">
-            <a:lnSpc>
-              <a:spcPct val="90000"/>
-            </a:lnSpc>
-            <a:spcBef>
-              <a:spcPct val="0"/>
-            </a:spcBef>
-            <a:spcAft>
-              <a:spcPct val="35000"/>
-            </a:spcAft>
-          </a:pPr>
-          <a:r>
-            <a:rPr lang="fr-FR" sz="3800" kern="1200" dirty="0" smtClean="0"/>
-            <a:t>T</a:t>
-          </a:r>
-          <a:endParaRPr lang="fr-FR" sz="3800" kern="1200" dirty="0"/>
-        </a:p>
-      </dsp:txBody>
-      <dsp:txXfrm rot="10800000">
-        <a:off x="2906133" y="1808828"/>
-        <a:ext cx="1085925" cy="1085925"/>
-      </dsp:txXfrm>
-    </dsp:sp>
-    <dsp:sp modelId="{C0852406-3DC0-4222-A1F8-184593FC4596}">
-      <dsp:nvSpPr>
-        <dsp:cNvPr id="0" name=""/>
-        <dsp:cNvSpPr/>
-      </dsp:nvSpPr>
-      <dsp:spPr>
-        <a:xfrm rot="16200000">
-          <a:off x="1299468" y="1808828"/>
-          <a:ext cx="1535730" cy="1535730"/>
-        </a:xfrm>
-        <a:prstGeom prst="pieWedge">
-          <a:avLst/>
-        </a:prstGeom>
-        <a:gradFill rotWithShape="0">
-          <a:gsLst>
-            <a:gs pos="0">
-              <a:schemeClr val="accent5">
-                <a:hueOff val="0"/>
-                <a:satOff val="0"/>
-                <a:lumOff val="0"/>
-                <a:alphaOff val="0"/>
-                <a:satMod val="103000"/>
-                <a:lumMod val="102000"/>
-                <a:tint val="94000"/>
-              </a:schemeClr>
-            </a:gs>
-            <a:gs pos="50000">
-              <a:schemeClr val="accent5">
-                <a:hueOff val="0"/>
-                <a:satOff val="0"/>
-                <a:lumOff val="0"/>
-                <a:alphaOff val="0"/>
-                <a:satMod val="110000"/>
-                <a:lumMod val="100000"/>
-                <a:shade val="100000"/>
-              </a:schemeClr>
-            </a:gs>
-            <a:gs pos="100000">
-              <a:schemeClr val="accent5">
-                <a:hueOff val="0"/>
-                <a:satOff val="0"/>
-                <a:lumOff val="0"/>
-                <a:alphaOff val="0"/>
-                <a:lumMod val="99000"/>
-                <a:satMod val="120000"/>
-                <a:shade val="78000"/>
-              </a:schemeClr>
-            </a:gs>
-          </a:gsLst>
-          <a:lin ang="5400000" scaled="0"/>
-        </a:gradFill>
-        <a:ln>
-          <a:noFill/>
-        </a:ln>
-        <a:effectLst/>
-        <a:scene3d>
-          <a:camera prst="orthographicFront"/>
-          <a:lightRig rig="flat" dir="t"/>
-        </a:scene3d>
-        <a:sp3d prstMaterial="plastic">
-          <a:bevelT w="120900" h="88900"/>
-          <a:bevelB w="88900" h="31750" prst="angle"/>
-        </a:sp3d>
-      </dsp:spPr>
-      <dsp:style>
-        <a:lnRef idx="0">
-          <a:scrgbClr r="0" g="0" b="0"/>
-        </a:lnRef>
-        <a:fillRef idx="3">
-          <a:scrgbClr r="0" g="0" b="0"/>
-        </a:fillRef>
-        <a:effectRef idx="2">
-          <a:scrgbClr r="0" g="0" b="0"/>
-        </a:effectRef>
-        <a:fontRef idx="minor">
-          <a:schemeClr val="lt1"/>
-        </a:fontRef>
-      </dsp:style>
-      <dsp:txBody>
-        <a:bodyPr spcFirstLastPara="0" vert="horz" wrap="square" lIns="270256" tIns="270256" rIns="270256" bIns="270256" numCol="1" spcCol="1270" anchor="ctr" anchorCtr="0">
-          <a:noAutofit/>
-        </a:bodyPr>
-        <a:lstStyle/>
-        <a:p>
-          <a:pPr lvl="0" algn="ctr" defTabSz="1689100">
-            <a:lnSpc>
-              <a:spcPct val="90000"/>
-            </a:lnSpc>
-            <a:spcBef>
-              <a:spcPct val="0"/>
-            </a:spcBef>
-            <a:spcAft>
-              <a:spcPct val="35000"/>
-            </a:spcAft>
-          </a:pPr>
-          <a:r>
-            <a:rPr lang="fr-FR" sz="3800" kern="1200" dirty="0" smtClean="0"/>
-            <a:t>O</a:t>
-          </a:r>
-          <a:endParaRPr lang="fr-FR" sz="3800" kern="1200" dirty="0"/>
-        </a:p>
-      </dsp:txBody>
-      <dsp:txXfrm rot="5400000">
-        <a:off x="1749273" y="1808828"/>
-        <a:ext cx="1085925" cy="1085925"/>
-      </dsp:txXfrm>
-    </dsp:sp>
-    <dsp:sp modelId="{3B6382B4-DDDF-482E-9E6A-38E6F7DB930C}">
-      <dsp:nvSpPr>
-        <dsp:cNvPr id="0" name=""/>
-        <dsp:cNvSpPr/>
-      </dsp:nvSpPr>
-      <dsp:spPr>
-        <a:xfrm>
-          <a:off x="4795333" y="1466369"/>
-          <a:ext cx="530234" cy="461073"/>
-        </a:xfrm>
-        <a:prstGeom prst="circularArrow">
-          <a:avLst/>
-        </a:prstGeom>
-        <a:solidFill>
-          <a:schemeClr val="accent2">
-            <a:tint val="40000"/>
-            <a:hueOff val="0"/>
-            <a:satOff val="0"/>
-            <a:lumOff val="0"/>
-            <a:alpha val="0"/>
-          </a:schemeClr>
-        </a:solidFill>
-        <a:ln>
-          <a:noFill/>
-        </a:ln>
-        <a:effectLst>
-          <a:outerShdw blurRad="57150" dist="19050" dir="5400000" algn="ctr" rotWithShape="0">
-            <a:srgbClr val="000000">
-              <a:alpha val="63000"/>
-            </a:srgbClr>
-          </a:outerShdw>
-        </a:effectLst>
-        <a:scene3d>
-          <a:camera prst="orthographicFront"/>
-          <a:lightRig rig="flat" dir="t"/>
-        </a:scene3d>
-        <a:sp3d z="190500" prstMaterial="plastic">
-          <a:bevelT w="120900" h="88900"/>
-          <a:bevelB w="88900" h="31750" prst="angle"/>
-        </a:sp3d>
-      </dsp:spPr>
-      <dsp:style>
-        <a:lnRef idx="0">
-          <a:scrgbClr r="0" g="0" b="0"/>
-        </a:lnRef>
-        <a:fillRef idx="1">
-          <a:scrgbClr r="0" g="0" b="0"/>
-        </a:fillRef>
-        <a:effectRef idx="3">
-          <a:scrgbClr r="0" g="0" b="0"/>
-        </a:effectRef>
-        <a:fontRef idx="minor">
-          <a:schemeClr val="lt1"/>
-        </a:fontRef>
-      </dsp:style>
-    </dsp:sp>
-    <dsp:sp modelId="{72B333DC-EBE8-4650-A713-61338E0F2C2D}">
-      <dsp:nvSpPr>
-        <dsp:cNvPr id="0" name=""/>
-        <dsp:cNvSpPr/>
-      </dsp:nvSpPr>
-      <dsp:spPr>
-        <a:xfrm rot="10800000">
-          <a:off x="4795333" y="1533776"/>
-          <a:ext cx="530234" cy="461073"/>
-        </a:xfrm>
-        <a:prstGeom prst="circularArrow">
-          <a:avLst/>
-        </a:prstGeom>
-        <a:solidFill>
-          <a:schemeClr val="accent2">
-            <a:tint val="40000"/>
-            <a:hueOff val="0"/>
-            <a:satOff val="0"/>
-            <a:lumOff val="0"/>
-            <a:alpha val="0"/>
-          </a:schemeClr>
-        </a:solidFill>
-        <a:ln>
-          <a:noFill/>
-        </a:ln>
-        <a:effectLst>
-          <a:outerShdw blurRad="57150" dist="19050" dir="5400000" algn="ctr" rotWithShape="0">
-            <a:srgbClr val="000000">
-              <a:alpha val="63000"/>
-            </a:srgbClr>
-          </a:outerShdw>
-        </a:effectLst>
-        <a:scene3d>
-          <a:camera prst="orthographicFront"/>
-          <a:lightRig rig="flat" dir="t"/>
-        </a:scene3d>
-        <a:sp3d z="190500" prstMaterial="plastic">
-          <a:bevelT w="120900" h="88900"/>
-          <a:bevelB w="88900" h="31750" prst="angle"/>
-        </a:sp3d>
-      </dsp:spPr>
-      <dsp:style>
-        <a:lnRef idx="0">
-          <a:scrgbClr r="0" g="0" b="0"/>
-        </a:lnRef>
-        <a:fillRef idx="1">
-          <a:scrgbClr r="0" g="0" b="0"/>
-        </a:fillRef>
-        <a:effectRef idx="3">
-          <a:scrgbClr r="0" g="0" b="0"/>
-        </a:effectRef>
-        <a:fontRef idx="minor">
-          <a:schemeClr val="lt1"/>
-        </a:fontRef>
-      </dsp:style>
-    </dsp:sp>
   </dsp:spTree>
 </dsp:drawing>
 </file>
@@ -9514,7 +8531,7 @@
           <a:p>
             <a:fld id="{38717F5D-9B99-41E9-AAF0-B73531F5A10E}" type="slidenum">
               <a:rPr lang="fr-FR" smtClean="0"/>
-              <a:t>‹N°›</a:t>
+              <a:t>‹#›</a:t>
             </a:fld>
             <a:endParaRPr lang="fr-FR"/>
           </a:p>
@@ -9772,7 +8789,7 @@
           <a:p>
             <a:fld id="{049843D5-FBCC-450E-8A81-920AD1F49A83}" type="slidenum">
               <a:rPr lang="fr-FR" smtClean="0"/>
-              <a:t>‹N°›</a:t>
+              <a:t>‹#›</a:t>
             </a:fld>
             <a:endParaRPr lang="fr-FR"/>
           </a:p>
@@ -10832,7 +9849,7 @@
             <a:fld id="{813506F1-DB5F-4FC9-88BA-B486F30FE4BF}" type="slidenum">
               <a:rPr lang="fr-FR" smtClean="0"/>
               <a:pPr/>
-              <a:t>‹N°›</a:t>
+              <a:t>‹#›</a:t>
             </a:fld>
             <a:endParaRPr lang="fr-FR" dirty="0"/>
           </a:p>
@@ -14971,7 +13988,7 @@
         <p:spPr>
           <a:xfrm>
             <a:off x="1535457" y="2884763"/>
-            <a:ext cx="558800" cy="279400"/>
+            <a:ext cx="824460" cy="279400"/>
           </a:xfrm>
           <a:prstGeom prst="rect">
             <a:avLst/>
@@ -15375,8 +14392,8 @@
         </p:nvSpPr>
         <p:spPr>
           <a:xfrm>
-            <a:off x="364051" y="2480225"/>
-            <a:ext cx="1130300" cy="341037"/>
+            <a:off x="364051" y="2481467"/>
+            <a:ext cx="1130300" cy="338554"/>
           </a:xfrm>
           <a:prstGeom prst="rect">
             <a:avLst/>
@@ -15390,6 +14407,15 @@
           <a:lstStyle/>
           <a:p>
             <a:pPr algn="r"/>
+            <a:r>
+              <a:rPr lang="fr-FR" sz="1100" b="1" dirty="0" err="1" smtClean="0">
+                <a:solidFill>
+                  <a:schemeClr val="dk1"/>
+                </a:solidFill>
+                <a:latin typeface="Calibri" panose="020F0502020204030204" pitchFamily="34" charset="0"/>
+              </a:rPr>
+              <a:t>Understand</a:t>
+            </a:r>
             <a:r>
               <a:rPr lang="fr-FR" sz="1100" b="1" dirty="0" smtClean="0">
                 <a:solidFill>
@@ -15397,7 +14423,16 @@
                 </a:solidFill>
                 <a:latin typeface="Calibri" panose="020F0502020204030204" pitchFamily="34" charset="0"/>
               </a:rPr>
-              <a:t>Comprendre l'outil DESeq2</a:t>
+              <a:t> the DESeq2 </a:t>
+            </a:r>
+            <a:r>
+              <a:rPr lang="fr-FR" sz="1100" b="1" dirty="0" err="1" smtClean="0">
+                <a:solidFill>
+                  <a:schemeClr val="dk1"/>
+                </a:solidFill>
+                <a:latin typeface="Calibri" panose="020F0502020204030204" pitchFamily="34" charset="0"/>
+              </a:rPr>
+              <a:t>tool</a:t>
             </a:r>
             <a:endParaRPr lang="fr-FR" sz="1100" b="1" dirty="0">
               <a:solidFill>
@@ -15627,8 +14662,8 @@
         </p:nvSpPr>
         <p:spPr>
           <a:xfrm>
-            <a:off x="2314907" y="2939203"/>
-            <a:ext cx="1206500" cy="170519"/>
+            <a:off x="304715" y="2855186"/>
+            <a:ext cx="1206500" cy="338554"/>
           </a:xfrm>
           <a:prstGeom prst="rect">
             <a:avLst/>
@@ -15643,13 +14678,22 @@
           <a:p>
             <a:pPr algn="ctr"/>
             <a:r>
-              <a:rPr lang="fr-FR" sz="1100" b="1" spc="-6" smtClean="0">
+              <a:rPr lang="fr-FR" sz="1100" b="1" spc="-6" dirty="0" err="1" smtClean="0">
                 <a:solidFill>
                   <a:schemeClr val="dk1"/>
                 </a:solidFill>
                 <a:latin typeface="Calibri" panose="020F0502020204030204" pitchFamily="34" charset="0"/>
               </a:rPr>
-              <a:t>Créer l'interface web</a:t>
+              <a:t>Create</a:t>
+            </a:r>
+            <a:r>
+              <a:rPr lang="fr-FR" sz="1100" b="1" spc="-6" dirty="0" smtClean="0">
+                <a:solidFill>
+                  <a:schemeClr val="dk1"/>
+                </a:solidFill>
+                <a:latin typeface="Calibri" panose="020F0502020204030204" pitchFamily="34" charset="0"/>
+              </a:rPr>
+              <a:t> the web interface</a:t>
             </a:r>
             <a:endParaRPr lang="fr-FR" sz="1100" b="1" spc="-6" dirty="0">
               <a:solidFill>
@@ -15796,8 +14840,8 @@
         </p:nvSpPr>
         <p:spPr>
           <a:xfrm>
-            <a:off x="-7424" y="3227663"/>
-            <a:ext cx="1498600" cy="341037"/>
+            <a:off x="-7424" y="3228905"/>
+            <a:ext cx="1498600" cy="338554"/>
           </a:xfrm>
           <a:prstGeom prst="rect">
             <a:avLst/>
@@ -15812,13 +14856,31 @@
           <a:p>
             <a:pPr algn="r"/>
             <a:r>
-              <a:rPr lang="fr-FR" sz="1100" b="1" spc="-6" smtClean="0">
+              <a:rPr lang="fr-FR" sz="1100" b="1" spc="-6" dirty="0" smtClean="0">
                 <a:solidFill>
                   <a:schemeClr val="dk1"/>
                 </a:solidFill>
                 <a:latin typeface="Calibri" panose="020F0502020204030204" pitchFamily="34" charset="0"/>
               </a:rPr>
-              <a:t>Écrire les différents script fonctionnels </a:t>
+              <a:t>Write the </a:t>
+            </a:r>
+            <a:r>
+              <a:rPr lang="fr-FR" sz="1100" b="1" spc="-6" dirty="0" err="1" smtClean="0">
+                <a:solidFill>
+                  <a:schemeClr val="dk1"/>
+                </a:solidFill>
+                <a:latin typeface="Calibri" panose="020F0502020204030204" pitchFamily="34" charset="0"/>
+              </a:rPr>
+              <a:t>various</a:t>
+            </a:r>
+            <a:r>
+              <a:rPr lang="fr-FR" sz="1100" b="1" spc="-6" dirty="0" smtClean="0">
+                <a:solidFill>
+                  <a:schemeClr val="dk1"/>
+                </a:solidFill>
+                <a:latin typeface="Calibri" panose="020F0502020204030204" pitchFamily="34" charset="0"/>
+              </a:rPr>
+              <a:t> R scripts</a:t>
             </a:r>
             <a:endParaRPr lang="fr-FR" sz="1100" b="1" spc="-6" dirty="0">
               <a:solidFill>
@@ -16057,13 +15119,22 @@
           <a:p>
             <a:pPr algn="r"/>
             <a:r>
-              <a:rPr lang="fr-FR" sz="1100" b="1" spc="-4" smtClean="0">
+              <a:rPr lang="fr-FR" sz="1100" b="1" spc="-4" dirty="0" err="1" smtClean="0">
                 <a:solidFill>
                   <a:schemeClr val="dk1"/>
                 </a:solidFill>
                 <a:latin typeface="Calibri" panose="020F0502020204030204" pitchFamily="34" charset="0"/>
               </a:rPr>
-              <a:t>Réunir les scripts en un seul </a:t>
+              <a:t>Unify</a:t>
+            </a:r>
+            <a:r>
+              <a:rPr lang="fr-FR" sz="1100" b="1" spc="-4" dirty="0" smtClean="0">
+                <a:solidFill>
+                  <a:schemeClr val="dk1"/>
+                </a:solidFill>
+                <a:latin typeface="Calibri" panose="020F0502020204030204" pitchFamily="34" charset="0"/>
+              </a:rPr>
+              <a:t> all of the script</a:t>
             </a:r>
             <a:endParaRPr lang="fr-FR" sz="1100" b="1" spc="-4" dirty="0">
               <a:solidFill>
@@ -16264,13 +15335,13 @@
           <a:p>
             <a:pPr algn="r"/>
             <a:r>
-              <a:rPr lang="fr-FR" sz="1100" b="1" spc="-4" smtClean="0">
+              <a:rPr lang="fr-FR" sz="1100" b="1" spc="-4" dirty="0" smtClean="0">
                 <a:solidFill>
                   <a:schemeClr val="dk1"/>
                 </a:solidFill>
                 <a:latin typeface="Calibri" panose="020F0502020204030204" pitchFamily="34" charset="0"/>
               </a:rPr>
-              <a:t>Faire le lien entre l'interface web et les scripts R </a:t>
+              <a:t>Link the web interface and the scripts</a:t>
             </a:r>
             <a:endParaRPr lang="fr-FR" sz="1100" b="1" spc="-4" dirty="0">
               <a:solidFill>
@@ -16617,8 +15688,8 @@
         </p:nvSpPr>
         <p:spPr>
           <a:xfrm>
-            <a:off x="7364982" y="4715340"/>
-            <a:ext cx="2349500" cy="170519"/>
+            <a:off x="7364982" y="4631323"/>
+            <a:ext cx="2349500" cy="338554"/>
           </a:xfrm>
           <a:prstGeom prst="rect">
             <a:avLst/>
@@ -16633,13 +15704,58 @@
           <a:p>
             <a:pPr algn="r"/>
             <a:r>
-              <a:rPr lang="fr-FR" sz="1100" b="1" spc="-4" smtClean="0">
+              <a:rPr lang="fr-FR" sz="1100" b="1" spc="-4" dirty="0" err="1" smtClean="0">
                 <a:solidFill>
                   <a:schemeClr val="dk1"/>
                 </a:solidFill>
                 <a:latin typeface="Calibri" panose="020F0502020204030204" pitchFamily="34" charset="0"/>
               </a:rPr>
-              <a:t>Implémenter l'outils sur le serveur client</a:t>
+              <a:t>Implement</a:t>
+            </a:r>
+            <a:r>
+              <a:rPr lang="fr-FR" sz="1100" b="1" spc="-4" dirty="0" smtClean="0">
+                <a:solidFill>
+                  <a:schemeClr val="dk1"/>
+                </a:solidFill>
+                <a:latin typeface="Calibri" panose="020F0502020204030204" pitchFamily="34" charset="0"/>
+              </a:rPr>
+              <a:t> the </a:t>
+            </a:r>
+            <a:r>
+              <a:rPr lang="fr-FR" sz="1100" b="1" spc="-4" dirty="0" err="1" smtClean="0">
+                <a:solidFill>
+                  <a:schemeClr val="dk1"/>
+                </a:solidFill>
+                <a:latin typeface="Calibri" panose="020F0502020204030204" pitchFamily="34" charset="0"/>
+              </a:rPr>
+              <a:t>tool</a:t>
+            </a:r>
+            <a:r>
+              <a:rPr lang="fr-FR" sz="1100" b="1" spc="-4" dirty="0" smtClean="0">
+                <a:solidFill>
+                  <a:schemeClr val="dk1"/>
+                </a:solidFill>
+                <a:latin typeface="Calibri" panose="020F0502020204030204" pitchFamily="34" charset="0"/>
+              </a:rPr>
+              <a:t> on the </a:t>
+            </a:r>
+            <a:r>
+              <a:rPr lang="fr-FR" sz="1100" b="1" spc="-4" dirty="0" err="1" smtClean="0">
+                <a:solidFill>
+                  <a:schemeClr val="dk1"/>
+                </a:solidFill>
+                <a:latin typeface="Calibri" panose="020F0502020204030204" pitchFamily="34" charset="0"/>
+              </a:rPr>
+              <a:t>client’s</a:t>
+            </a:r>
+            <a:r>
+              <a:rPr lang="fr-FR" sz="1100" b="1" spc="-4" dirty="0" smtClean="0">
+                <a:solidFill>
+                  <a:schemeClr val="dk1"/>
+                </a:solidFill>
+                <a:latin typeface="Calibri" panose="020F0502020204030204" pitchFamily="34" charset="0"/>
+              </a:rPr>
+              <a:t> server</a:t>
             </a:r>
             <a:endParaRPr lang="fr-FR" sz="1100" b="1" spc="-4" dirty="0">
               <a:solidFill>
@@ -16796,7 +15912,7 @@
         </p:nvSpPr>
         <p:spPr>
           <a:xfrm>
-            <a:off x="6273458" y="4372440"/>
+            <a:off x="3868085" y="4363381"/>
             <a:ext cx="2006600" cy="170519"/>
           </a:xfrm>
           <a:prstGeom prst="rect">
@@ -16812,13 +15928,31 @@
           <a:p>
             <a:pPr algn="ctr"/>
             <a:r>
-              <a:rPr lang="fr-FR" sz="1100" b="1" spc="-2" smtClean="0">
+              <a:rPr lang="fr-FR" sz="1100" b="1" spc="-2" dirty="0" err="1" smtClean="0">
                 <a:solidFill>
                   <a:schemeClr val="dk1"/>
                 </a:solidFill>
                 <a:latin typeface="Calibri" panose="020F0502020204030204" pitchFamily="34" charset="0"/>
               </a:rPr>
-              <a:t>Ajouter des voies non-canoniques </a:t>
+              <a:t>Add</a:t>
+            </a:r>
+            <a:r>
+              <a:rPr lang="fr-FR" sz="1100" b="1" spc="-2" dirty="0" smtClean="0">
+                <a:solidFill>
+                  <a:schemeClr val="dk1"/>
+                </a:solidFill>
+                <a:latin typeface="Calibri" panose="020F0502020204030204" pitchFamily="34" charset="0"/>
+              </a:rPr>
+              <a:t> non-canonical </a:t>
+            </a:r>
+            <a:r>
+              <a:rPr lang="fr-FR" sz="1100" b="1" spc="-2" dirty="0" err="1" smtClean="0">
+                <a:solidFill>
+                  <a:schemeClr val="dk1"/>
+                </a:solidFill>
+                <a:latin typeface="Calibri" panose="020F0502020204030204" pitchFamily="34" charset="0"/>
+              </a:rPr>
+              <a:t>pathways</a:t>
             </a:r>
             <a:endParaRPr lang="fr-FR" sz="1100" b="1" spc="-2" dirty="0">
               <a:solidFill>
@@ -16920,6 +16054,74 @@
               <a:rPr lang="fr-FR" dirty="0"/>
               <a:t>Gantt</a:t>
             </a:r>
+          </a:p>
+        </p:txBody>
+      </p:sp>
+      <p:sp>
+        <p:nvSpPr>
+          <p:cNvPr id="102" name="OTLSHAPE_T_16842f32ebd3413ea0be9a10be3e7ee9_ShapePercentage"/>
+          <p:cNvSpPr/>
+          <p:nvPr>
+            <p:custDataLst>
+              <p:tags r:id="rId98"/>
+            </p:custDataLst>
+          </p:nvPr>
+        </p:nvSpPr>
+        <p:spPr>
+          <a:xfrm>
+            <a:off x="3277368" y="2881189"/>
+            <a:ext cx="234097" cy="279400"/>
+          </a:xfrm>
+          <a:prstGeom prst="rect">
+            <a:avLst/>
+          </a:prstGeom>
+          <a:solidFill>
+            <a:schemeClr val="dk1">
+              <a:alpha val="34902"/>
+            </a:schemeClr>
+          </a:solidFill>
+          <a:ln w="12700" cap="flat" cmpd="sng" algn="ctr">
+            <a:noFill/>
+            <a:prstDash val="solid"/>
+            <a:miter lim="800000"/>
+          </a:ln>
+          <a:effectLst/>
+          <a:extLst>
+            <a:ext uri="{91240B29-F687-4F45-9708-019B960494DF}">
+              <a14:hiddenLine xmlns:a14="http://schemas.microsoft.com/office/drawing/2010/main" w="12700" cap="flat" cmpd="sng" algn="ctr">
+                <a:solidFill>
+                  <a:schemeClr val="accent1">
+                    <a:shade val="50000"/>
+                  </a:schemeClr>
+                </a:solidFill>
+                <a:prstDash val="solid"/>
+                <a:miter lim="800000"/>
+              </a14:hiddenLine>
+            </a:ext>
+          </a:extLst>
+        </p:spPr>
+        <p:style>
+          <a:lnRef idx="2">
+            <a:schemeClr val="accent1">
+              <a:shade val="50000"/>
+            </a:schemeClr>
+          </a:lnRef>
+          <a:fillRef idx="1">
+            <a:schemeClr val="accent1"/>
+          </a:fillRef>
+          <a:effectRef idx="0">
+            <a:schemeClr val="accent1"/>
+          </a:effectRef>
+          <a:fontRef idx="minor">
+            <a:schemeClr val="lt1"/>
+          </a:fontRef>
+        </p:style>
+        <p:txBody>
+          <a:bodyPr rtlCol="0" anchor="ctr"/>
+          <a:lstStyle/>
+          <a:p>
+            <a:pPr algn="ctr"/>
+            <a:endParaRPr lang="fr-FR"/>
           </a:p>
         </p:txBody>
       </p:sp>
@@ -21895,7 +21097,7 @@
         <p:spPr>
           <a:xfrm>
             <a:off x="1535457" y="2884763"/>
-            <a:ext cx="558800" cy="279400"/>
+            <a:ext cx="829140" cy="279400"/>
           </a:xfrm>
           <a:prstGeom prst="rect">
             <a:avLst/>
@@ -22547,50 +21749,11 @@
       </p:sp>
       <p:sp>
         <p:nvSpPr>
-          <p:cNvPr id="56" name="OTLSHAPE_T_16842f32ebd3413ea0be9a10be3e7ee9_Title"/>
+          <p:cNvPr id="57" name="OTLSHAPE_T_16842f32ebd3413ea0be9a10be3e7ee9_TextPercentage" hidden="1"/>
           <p:cNvSpPr txBox="1"/>
           <p:nvPr>
             <p:custDataLst>
               <p:tags r:id="rId66"/>
-            </p:custDataLst>
-          </p:nvPr>
-        </p:nvSpPr>
-        <p:spPr>
-          <a:xfrm>
-            <a:off x="2314907" y="2939203"/>
-            <a:ext cx="1206500" cy="170519"/>
-          </a:xfrm>
-          <a:prstGeom prst="rect">
-            <a:avLst/>
-          </a:prstGeom>
-          <a:noFill/>
-        </p:spPr>
-        <p:txBody>
-          <a:bodyPr vert="horz" wrap="square" lIns="0" tIns="0" rIns="0" bIns="0" rtlCol="0" anchor="ctr" anchorCtr="0">
-            <a:spAutoFit/>
-          </a:bodyPr>
-          <a:lstStyle/>
-          <a:p>
-            <a:pPr algn="ctr"/>
-            <a:r>
-              <a:rPr lang="fr-FR" sz="1100" b="1" spc="-6" dirty="0">
-                <a:solidFill>
-                  <a:schemeClr val="dk1"/>
-                </a:solidFill>
-                <a:latin typeface="Calibri" panose="020F0502020204030204" pitchFamily="34" charset="0"/>
-              </a:rPr>
-              <a:t>Créer l'interface web</a:t>
-            </a:r>
-          </a:p>
-        </p:txBody>
-      </p:sp>
-      <p:sp>
-        <p:nvSpPr>
-          <p:cNvPr id="57" name="OTLSHAPE_T_16842f32ebd3413ea0be9a10be3e7ee9_TextPercentage" hidden="1"/>
-          <p:cNvSpPr txBox="1"/>
-          <p:nvPr>
-            <p:custDataLst>
-              <p:tags r:id="rId67"/>
             </p:custDataLst>
           </p:nvPr>
         </p:nvSpPr>
@@ -22621,7 +21784,7 @@
           <p:cNvSpPr txBox="1"/>
           <p:nvPr>
             <p:custDataLst>
-              <p:tags r:id="rId68"/>
+              <p:tags r:id="rId67"/>
             </p:custDataLst>
           </p:nvPr>
         </p:nvSpPr>
@@ -22652,7 +21815,7 @@
           <p:cNvSpPr txBox="1"/>
           <p:nvPr>
             <p:custDataLst>
-              <p:tags r:id="rId69"/>
+              <p:tags r:id="rId68"/>
             </p:custDataLst>
           </p:nvPr>
         </p:nvSpPr>
@@ -22683,7 +21846,7 @@
           <p:cNvSpPr txBox="1"/>
           <p:nvPr>
             <p:custDataLst>
-              <p:tags r:id="rId70"/>
+              <p:tags r:id="rId69"/>
             </p:custDataLst>
           </p:nvPr>
         </p:nvSpPr>
@@ -22714,7 +21877,7 @@
           <p:cNvSpPr txBox="1"/>
           <p:nvPr>
             <p:custDataLst>
-              <p:tags r:id="rId71"/>
+              <p:tags r:id="rId70"/>
             </p:custDataLst>
           </p:nvPr>
         </p:nvSpPr>
@@ -22759,7 +21922,7 @@
           <p:cNvSpPr txBox="1"/>
           <p:nvPr>
             <p:custDataLst>
-              <p:tags r:id="rId72"/>
+              <p:tags r:id="rId71"/>
             </p:custDataLst>
           </p:nvPr>
         </p:nvSpPr>
@@ -22797,7 +21960,7 @@
           <p:cNvSpPr txBox="1"/>
           <p:nvPr>
             <p:custDataLst>
-              <p:tags r:id="rId73"/>
+              <p:tags r:id="rId72"/>
             </p:custDataLst>
           </p:nvPr>
         </p:nvSpPr>
@@ -22835,7 +21998,7 @@
           <p:cNvSpPr txBox="1"/>
           <p:nvPr>
             <p:custDataLst>
-              <p:tags r:id="rId74"/>
+              <p:tags r:id="rId73"/>
             </p:custDataLst>
           </p:nvPr>
         </p:nvSpPr>
@@ -22866,7 +22029,7 @@
           <p:cNvSpPr txBox="1"/>
           <p:nvPr>
             <p:custDataLst>
-              <p:tags r:id="rId75"/>
+              <p:tags r:id="rId74"/>
             </p:custDataLst>
           </p:nvPr>
         </p:nvSpPr>
@@ -22897,7 +22060,7 @@
           <p:cNvSpPr txBox="1"/>
           <p:nvPr>
             <p:custDataLst>
-              <p:tags r:id="rId76"/>
+              <p:tags r:id="rId75"/>
             </p:custDataLst>
           </p:nvPr>
         </p:nvSpPr>
@@ -22928,7 +22091,7 @@
           <p:cNvSpPr txBox="1"/>
           <p:nvPr>
             <p:custDataLst>
-              <p:tags r:id="rId77"/>
+              <p:tags r:id="rId76"/>
             </p:custDataLst>
           </p:nvPr>
         </p:nvSpPr>
@@ -22959,7 +22122,7 @@
           <p:cNvSpPr txBox="1"/>
           <p:nvPr>
             <p:custDataLst>
-              <p:tags r:id="rId78"/>
+              <p:tags r:id="rId77"/>
             </p:custDataLst>
           </p:nvPr>
         </p:nvSpPr>
@@ -22998,7 +22161,7 @@
           <p:cNvSpPr txBox="1"/>
           <p:nvPr>
             <p:custDataLst>
-              <p:tags r:id="rId79"/>
+              <p:tags r:id="rId78"/>
             </p:custDataLst>
           </p:nvPr>
         </p:nvSpPr>
@@ -23042,7 +22205,7 @@
           <p:cNvSpPr txBox="1"/>
           <p:nvPr>
             <p:custDataLst>
-              <p:tags r:id="rId80"/>
+              <p:tags r:id="rId79"/>
             </p:custDataLst>
           </p:nvPr>
         </p:nvSpPr>
@@ -23073,7 +22236,7 @@
           <p:cNvSpPr txBox="1"/>
           <p:nvPr>
             <p:custDataLst>
-              <p:tags r:id="rId81"/>
+              <p:tags r:id="rId80"/>
             </p:custDataLst>
           </p:nvPr>
         </p:nvSpPr>
@@ -23104,7 +22267,7 @@
           <p:cNvSpPr txBox="1"/>
           <p:nvPr>
             <p:custDataLst>
-              <p:tags r:id="rId82"/>
+              <p:tags r:id="rId81"/>
             </p:custDataLst>
           </p:nvPr>
         </p:nvSpPr>
@@ -23135,7 +22298,7 @@
           <p:cNvSpPr txBox="1"/>
           <p:nvPr>
             <p:custDataLst>
-              <p:tags r:id="rId83"/>
+              <p:tags r:id="rId82"/>
             </p:custDataLst>
           </p:nvPr>
         </p:nvSpPr>
@@ -23166,7 +22329,7 @@
           <p:cNvSpPr txBox="1"/>
           <p:nvPr>
             <p:custDataLst>
-              <p:tags r:id="rId84"/>
+              <p:tags r:id="rId83"/>
             </p:custDataLst>
           </p:nvPr>
         </p:nvSpPr>
@@ -23205,7 +22368,7 @@
           <p:cNvSpPr txBox="1"/>
           <p:nvPr>
             <p:custDataLst>
-              <p:tags r:id="rId85"/>
+              <p:tags r:id="rId84"/>
             </p:custDataLst>
           </p:nvPr>
         </p:nvSpPr>
@@ -23249,7 +22412,7 @@
           <p:cNvSpPr txBox="1"/>
           <p:nvPr>
             <p:custDataLst>
-              <p:tags r:id="rId86"/>
+              <p:tags r:id="rId85"/>
             </p:custDataLst>
           </p:nvPr>
         </p:nvSpPr>
@@ -23280,7 +22443,7 @@
           <p:cNvSpPr txBox="1"/>
           <p:nvPr>
             <p:custDataLst>
-              <p:tags r:id="rId87"/>
+              <p:tags r:id="rId86"/>
             </p:custDataLst>
           </p:nvPr>
         </p:nvSpPr>
@@ -23311,7 +22474,7 @@
           <p:cNvSpPr txBox="1"/>
           <p:nvPr>
             <p:custDataLst>
-              <p:tags r:id="rId88"/>
+              <p:tags r:id="rId87"/>
             </p:custDataLst>
           </p:nvPr>
         </p:nvSpPr>
@@ -23342,7 +22505,7 @@
           <p:cNvSpPr txBox="1"/>
           <p:nvPr>
             <p:custDataLst>
-              <p:tags r:id="rId89"/>
+              <p:tags r:id="rId88"/>
             </p:custDataLst>
           </p:nvPr>
         </p:nvSpPr>
@@ -23373,7 +22536,7 @@
           <p:cNvSpPr txBox="1"/>
           <p:nvPr>
             <p:custDataLst>
-              <p:tags r:id="rId90"/>
+              <p:tags r:id="rId89"/>
             </p:custDataLst>
           </p:nvPr>
         </p:nvSpPr>
@@ -23417,7 +22580,7 @@
           <p:cNvSpPr txBox="1"/>
           <p:nvPr>
             <p:custDataLst>
-              <p:tags r:id="rId91"/>
+              <p:tags r:id="rId90"/>
             </p:custDataLst>
           </p:nvPr>
         </p:nvSpPr>
@@ -23448,7 +22611,7 @@
           <p:cNvSpPr txBox="1"/>
           <p:nvPr>
             <p:custDataLst>
-              <p:tags r:id="rId92"/>
+              <p:tags r:id="rId91"/>
             </p:custDataLst>
           </p:nvPr>
         </p:nvSpPr>
@@ -23479,7 +22642,7 @@
           <p:cNvSpPr txBox="1"/>
           <p:nvPr>
             <p:custDataLst>
-              <p:tags r:id="rId93"/>
+              <p:tags r:id="rId92"/>
             </p:custDataLst>
           </p:nvPr>
         </p:nvSpPr>
@@ -23510,7 +22673,7 @@
           <p:cNvSpPr txBox="1"/>
           <p:nvPr>
             <p:custDataLst>
-              <p:tags r:id="rId94"/>
+              <p:tags r:id="rId93"/>
             </p:custDataLst>
           </p:nvPr>
         </p:nvSpPr>
@@ -23541,7 +22704,7 @@
           <p:cNvSpPr txBox="1"/>
           <p:nvPr>
             <p:custDataLst>
-              <p:tags r:id="rId95"/>
+              <p:tags r:id="rId94"/>
             </p:custDataLst>
           </p:nvPr>
         </p:nvSpPr>
@@ -23586,7 +22749,7 @@
           <p:cNvSpPr txBox="1"/>
           <p:nvPr>
             <p:custDataLst>
-              <p:tags r:id="rId96"/>
+              <p:tags r:id="rId95"/>
             </p:custDataLst>
           </p:nvPr>
         </p:nvSpPr>
@@ -23720,13 +22883,13 @@
           <p:cNvSpPr txBox="1"/>
           <p:nvPr>
             <p:custDataLst>
-              <p:tags r:id="rId97"/>
+              <p:tags r:id="rId96"/>
             </p:custDataLst>
           </p:nvPr>
         </p:nvSpPr>
         <p:spPr>
           <a:xfrm>
-            <a:off x="6273458" y="4372440"/>
+            <a:off x="3856175" y="4364694"/>
             <a:ext cx="2006600" cy="170519"/>
           </a:xfrm>
           <a:prstGeom prst="rect">
@@ -23844,6 +23007,113 @@
               <a:rPr lang="fr-FR" dirty="0"/>
               <a:t>Gantt</a:t>
             </a:r>
+          </a:p>
+        </p:txBody>
+      </p:sp>
+      <p:sp>
+        <p:nvSpPr>
+          <p:cNvPr id="56" name="OTLSHAPE_T_16842f32ebd3413ea0be9a10be3e7ee9_Title"/>
+          <p:cNvSpPr txBox="1"/>
+          <p:nvPr>
+            <p:custDataLst>
+              <p:tags r:id="rId97"/>
+            </p:custDataLst>
+          </p:nvPr>
+        </p:nvSpPr>
+        <p:spPr>
+          <a:xfrm>
+            <a:off x="282839" y="2939203"/>
+            <a:ext cx="1206500" cy="170519"/>
+          </a:xfrm>
+          <a:prstGeom prst="rect">
+            <a:avLst/>
+          </a:prstGeom>
+          <a:noFill/>
+        </p:spPr>
+        <p:txBody>
+          <a:bodyPr vert="horz" wrap="square" lIns="0" tIns="0" rIns="0" bIns="0" rtlCol="0" anchor="ctr" anchorCtr="0">
+            <a:spAutoFit/>
+          </a:bodyPr>
+          <a:lstStyle/>
+          <a:p>
+            <a:pPr algn="ctr"/>
+            <a:r>
+              <a:rPr lang="fr-FR" sz="1100" b="1" spc="-6" dirty="0">
+                <a:solidFill>
+                  <a:schemeClr val="dk1"/>
+                </a:solidFill>
+                <a:latin typeface="Calibri" panose="020F0502020204030204" pitchFamily="34" charset="0"/>
+              </a:rPr>
+              <a:t>Créer l'interface web</a:t>
+            </a:r>
+          </a:p>
+        </p:txBody>
+      </p:sp>
+      <p:sp>
+        <p:nvSpPr>
+          <p:cNvPr id="102" name="OTLSHAPE_T_16842f32ebd3413ea0be9a10be3e7ee9_ShapePercentage"/>
+          <p:cNvSpPr/>
+          <p:nvPr>
+            <p:custDataLst>
+              <p:tags r:id="rId98"/>
+            </p:custDataLst>
+          </p:nvPr>
+        </p:nvSpPr>
+        <p:spPr>
+          <a:xfrm>
+            <a:off x="3276293" y="2880712"/>
+            <a:ext cx="245331" cy="279400"/>
+          </a:xfrm>
+          <a:prstGeom prst="rect">
+            <a:avLst/>
+          </a:prstGeom>
+          <a:solidFill>
+            <a:schemeClr val="dk1">
+              <a:alpha val="34902"/>
+            </a:schemeClr>
+          </a:solidFill>
+          <a:ln w="12700" cap="flat" cmpd="sng" algn="ctr">
+            <a:noFill/>
+            <a:prstDash val="solid"/>
+            <a:miter lim="800000"/>
+          </a:ln>
+          <a:effectLst/>
+          <a:extLst>
+            <a:ext uri="{91240B29-F687-4F45-9708-019B960494DF}">
+              <a14:hiddenLine xmlns:a14="http://schemas.microsoft.com/office/drawing/2010/main" w="12700" cap="flat" cmpd="sng" algn="ctr">
+                <a:solidFill>
+                  <a:schemeClr val="accent1">
+                    <a:shade val="50000"/>
+                  </a:schemeClr>
+                </a:solidFill>
+                <a:prstDash val="solid"/>
+                <a:miter lim="800000"/>
+              </a14:hiddenLine>
+            </a:ext>
+          </a:extLst>
+        </p:spPr>
+        <p:style>
+          <a:lnRef idx="2">
+            <a:schemeClr val="accent1">
+              <a:shade val="50000"/>
+            </a:schemeClr>
+          </a:lnRef>
+          <a:fillRef idx="1">
+            <a:schemeClr val="accent1"/>
+          </a:fillRef>
+          <a:effectRef idx="0">
+            <a:schemeClr val="accent1"/>
+          </a:effectRef>
+          <a:fontRef idx="minor">
+            <a:schemeClr val="lt1"/>
+          </a:fontRef>
+        </p:style>
+        <p:txBody>
+          <a:bodyPr rtlCol="0" anchor="ctr"/>
+          <a:lstStyle/>
+          <a:p>
+            <a:pPr algn="ctr"/>
+            <a:endParaRPr lang="fr-FR"/>
           </a:p>
         </p:txBody>
       </p:sp>
@@ -26238,6 +25508,18 @@
 </p:tagLst>
 </file>
 
+<file path=ppt/tags/tag195.xml><?xml version="1.0" encoding="utf-8"?>
+<p:tagLst xmlns:a="http://schemas.openxmlformats.org/drawingml/2006/main" xmlns:r="http://schemas.openxmlformats.org/officeDocument/2006/relationships" xmlns:p="http://schemas.openxmlformats.org/presentationml/2006/main">
+  <p:tag name="OTLMARKERSHAPE" val="OTL"/>
+</p:tagLst>
+</file>
+
+<file path=ppt/tags/tag196.xml><?xml version="1.0" encoding="utf-8"?>
+<p:tagLst xmlns:a="http://schemas.openxmlformats.org/drawingml/2006/main" xmlns:r="http://schemas.openxmlformats.org/officeDocument/2006/relationships" xmlns:p="http://schemas.openxmlformats.org/presentationml/2006/main">
+  <p:tag name="OTLMARKERSHAPE" val="OTL"/>
+</p:tagLst>
+</file>
+
 <file path=ppt/tags/tag2.xml><?xml version="1.0" encoding="utf-8"?>
 <p:tagLst xmlns:a="http://schemas.openxmlformats.org/drawingml/2006/main" xmlns:r="http://schemas.openxmlformats.org/officeDocument/2006/relationships" xmlns:p="http://schemas.openxmlformats.org/presentationml/2006/main">
   <p:tag name="OTLMARKERSHAPE" val="OTL"/>
@@ -26756,14 +26038,14 @@
 
 <file path=ppt/tags/tag98.xml><?xml version="1.0" encoding="utf-8"?>
 <p:tagLst xmlns:a="http://schemas.openxmlformats.org/drawingml/2006/main" xmlns:r="http://schemas.openxmlformats.org/officeDocument/2006/relationships" xmlns:p="http://schemas.openxmlformats.org/presentationml/2006/main">
-  <p:tag name="__PART_0" val="eyIkaWQiOiIxIiwiQ3VsdHVyZUluZm9OYW1lIjoiZW4tVVMiLCJTdHlsZU5hbWUiOm51bGwsIlZlcnNpb24iOnsiJGlkIjoiMiIsIlZlcnNpb24iOiIzLjIuMCIsIk9yaWdpbmFsQXNzZW1ibHlWZXJzaW9uIjoiNC4wMS4wMC4wMCIsIkVkaXRpb24iOiJGcmVlIiwiSXNQbHVzRWRpdGlvbiI6ZmFsc2UsIklzUHJvRWRpdGlvbiI6ZmFsc2V9LCJFZmZlY3QiOjEsIlN0eWxlIjp7IiRpZCI6IjMiLCJUaW1lYmFuZFN0eWxlIjp7IiRpZCI6IjQiLCJTY2FsZU1hcmtpbmciOjAsIlNoYXBlIjozLCJTaGFwZVN0eWxlIjp7IiRpZCI6IjUiLCJNYXJnaW4iOnsiJGlkIjoiNiIsIlRvcCI6MCwiTGVmdCI6MTAsIlJpZ2h0IjoxMCwiQm90dG9tIjowfSwiUGFkZGluZyI6eyIkaWQiOiI3IiwiVG9wIjozLCJMZWZ0IjowLCJSaWdodCI6MCwiQm90dG9tIjozfSwiQmFja2dyb3VuZCI6eyIkaWQiOiI4IiwiQ29sb3IiOnsiJGlkIjoiOSIsIkEiOjI1NSwiUiI6MTc4LCJHIjoxNzgsIkIiOjE3OH19LCJJc1Zpc2libGUiOnRydWUsIldpZHRoIjowLjAsIkhlaWdodCI6MzAuMCwiQm9yZGVyU3R5bGUiOnsiJGlkIjoiMTAiLCJMaW5lQ29sb3IiOnsiJGlkIjoiMTEiLCIkdHlwZSI6Ik5MUkUuQ29tbW9uLkRvbS5Tb2xpZENvbG9yQnJ1c2gsIE5MUkUuQ29tbW9uIiwiQ29sb3IiOnsiJGlkIjoiMTIiLCJBIjoyNTUsIlIiOjI1NSwiRyI6MCwiQiI6MH19LCJMaW5lV2VpZ2h0IjowLjAsIkxpbmVUeXBlIjowLCJQYXJlbnRTdHlsZSI6bnVsbH0sIlBhcmVudFN0eWxlIjpudWxsfSwiUmlnaHRFbmRDYXBzU3R5bGUiOnsiJGlkIjoiMTMiLCJGb250U2V0dGluZ3MiOnsiJGlkIjoiMTQiLCJGb250U2l6ZSI6MTgsIkZvbnROYW1lIjoiQ2FsaWJyaSIsIklzQm9sZCI6dHJ1ZSwiSXNJdGFsaWMiOmZhbHNlLCJJc1VuZGVybGluZWQiOmZhbHNlLCJQYXJlbnRTdHlsZSI6bnVsbH0sIkF1dG9TaXplIjowLCJGb3JlZ3JvdW5kIjp7IiRpZCI6IjE1IiwiQ29sb3IiOnsiJGlkIjoiMTYiLCJBIjoyNTUsIlIiOjIzNywiRyI6MTI1LCJCIjo0OX19LCJNYXhXaWR0aCI6IkluZmluaXR5IiwiTWF4SGVpZ2h0IjoiSW5maW5pdHkiLCJTbWFydEZvcmVncm91bmRJc0FjdGl2ZSI6ZmFsc2UsIkhvcml6b250YWxBbGlnbm1lbnQiOjAsIlZlcnRpY2FsQWxpZ25tZW50IjowLCJTbWFydEZvcmVncm91bmQiOm51bGwsIkJhY2tncm91bmRGaWxsVHlwZSI6MCwiTWFyZ2luIjp7IiRpZCI6IjE3IiwiVG9wIjowLCJMZWZ0IjowLCJSaWdodCI6MjAsIkJvdHRvbSI6MH0sIlBhZGRpbmciOnsiJGlkIjoiMTgiLCJUb3AiOjAsIkxlZnQiOjAsIlJpZ2h0IjowLCJCb3R0b20iOjB9LCJCYWNrZ3JvdW5kIjp7IiRpZCI6IjE5IiwiQ29sb3IiOnsiJGlkIjoiMjAiLCJBIjo4OSwiUiI6MCwiRyI6MCwiQiI6MH19LCJJc1Zpc2libGUiOnRydWUsIldpZHRoIjowLjAsIkhlaWdodCI6MC4wLCJCb3JkZXJTdHlsZSI6bnVsbCwiUGFyZW50U3R5bGUiOm51bGx9LCJMZWZ0RW5kQ2Fwc1N0eWxlIjp7IiRpZCI6IjIxIiwiRm9udFNldHRpbmdzIjp7IiRpZCI6IjIyIiwiRm9udFNpemUiOjE4LCJGb250TmFtZSI6IkNhbGlicmkiLCJJc0JvbGQiOnRydWUsIklzSXRhbGljIjpmYWxzZSwiSXNVbmRlcmxpbmVkIjpmYWxzZSwiUGFyZW50U3R5bGUiOm51bGx9LCJBdXRvU2l6ZSI6MCwiRm9yZWdyb3VuZCI6eyIkaWQiOiIyMyIsIkNvbG9yIjp7IiRpZCI6IjI0IiwiQSI6MjU1LCJSIjoyMzcsIkciOjEyNSwiQiI6NDl9fSwiTWF4V2lkdGgiOiJJbmZpbml0eSIsIk1heEhlaWdodCI6IkluZmluaXR5IiwiU21hcnRGb3JlZ3JvdW5kSXNBY3RpdmUiOmZhbHNlLCJIb3Jpem9udGFsQWxpZ25tZW50IjowLCJWZXJ0aWNhbEFsaWdubWVudCI6MCwiU21hcnRGb3JlZ3JvdW5kIjpudWxsLCJCYWNrZ3JvdW5kRmlsbFR5cGUiOjAsIk1hcmdpbiI6eyIkaWQiOiIyNSIsIlRvcCI6MCwiTGVmdCI6MjAsIlJpZ2h0IjowLCJCb3R0b20iOjB9LCJQYWRkaW5nIjp7IiRpZCI6IjI2IiwiVG9wIjowLCJMZWZ0IjowLCJSaWdodCI6MCwiQm90dG9tIjowfSwiQmFja2dyb3VuZCI6eyIkaWQiOiIyNyIsIkNvbG9yIjp7IiRyZWYiOiIyMCJ9fSwiSXNWaXNpYmxlIjpmYWxzZSwiV2lkdGgiOjAuMCwiSGVpZ2h0IjowLjAsIkJvcmRlclN0eWxlIjpudWxsLCJQYXJlbnRTdHlsZSI6bnVsbH0sIlRvZGF5VGV4dFN0eWxlIjp7IiRpZCI6IjI4IiwiRm9udFNldHRpbmdzIjp7IiRpZCI6IjI5IiwiRm9udFNpemUiOjEyLCJGb250TmFtZSI6IkNhbGlicmkiLCJJc0JvbGQiOmZhbHNlLCJJc0l0YWxpYyI6ZmFsc2UsIklzVW5kZXJsaW5lZCI6ZmFsc2UsIlBhcmVudFN0eWxlIjpudWxsfSwiQXV0b1NpemUiOjAsIkZvcmVncm91bmQiOnsiJGlkIjoiMzAiLCJDb2xvciI6eyIkaWQiOiIzMSIsIkEiOjI1NSwiUiI6MCwiRyI6MCwiQiI6MH19LCJNYXhXaWR0aCI6MjAwLjAsIk1heEhlaWdodCI6IkluZmluaXR5IiwiU21hcnRGb3JlZ3JvdW5kSXNBY3RpdmUiOmZhbHNlLCJIb3Jpem9udGFsQWxpZ25tZW50IjowLCJWZXJ0aWNhbEFsaWdubWVudCI6MCwiU21hcnRGb3JlZ3JvdW5kIjpudWxsLCJCYWNrZ3JvdW5kRmlsbFR5cGUiOjAsIk1hcmdpbiI6eyIkaWQiOiIzMiIsIlRvcCI6MCwiTGVmdCI6MCwiUmlnaHQiOjAsIkJvdHRvbSI6MH0sIlBhZGRpbmciOnsiJGlkIjoiMzMiLCJUb3AiOjAsIkxlZnQiOjAsIlJpZ2h0IjowLCJCb3R0b20iOjB9LCJCYWNrZ3JvdW5kIjp7IiRpZCI6IjM0IiwiQ29sb3IiOnsiJHJlZiI6IjIwIn19LCJJc1Zpc2libGUiOnRydWUsIldpZHRoIjowLjAsIkhlaWdodCI6MC4wLCJCb3JkZXJTdHlsZSI6bnVsbCwiUGFyZW50U3R5bGUiOm51bGx9LCJUb2RheU1hcmtlclN0eWxlIjp7IiRpZCI6IjM1IiwiTWFyZ2luIjp7IiRpZCI6IjM2IiwiVG9wIjowLCJMZWZ0IjowLCJSaWdodCI6MCwiQm90dG9tIjowfSwiUGFkZGluZyI6eyIkaWQiOiIzNyIsIlRvcCI6MCwiTGVmdCI6MCwiUmlnaHQiOjAsIkJvdHRvbSI6MH0sIkJhY2tncm91bmQiOnsiJGlkIjoiMzgiLCJDb2xvciI6eyIkaWQiOiIzOSIsIkEiOjI1NSwiUiI6MjU1LCJHIjowLCJCIjowfX0sIklzVmlzaWJsZSI6dHJ1ZSwiV2lkdGgiOjAuMCwiSGVpZ2h0IjowLjAsIkJvcmRlclN0eWxlIjpudWxsLCJQYXJlbnRTdHlsZSI6bnVsbH0sIlNjYWxlU3R5bGUiOnsiJGlkIjoiNDAiLCJTaG93U2VnbWVudFNlcGFyYXRvcnMiOmZhbHNlLCJTZWdtZW50U2VwYXJhdG9yT3BhY2l0eSI6MzAsIkZvbnRTZXR0aW5ncyI6eyIkaWQiOiI0MSIsIkZvbnRTaXplIjoxMiwiRm9udE5hbWUiOiJDYWxpYnJpIiwiSXNCb2xkIjpmYWxzZSwiSXNJdGFsaWMiOmZhbHNlLCJJc1VuZGVybGluZWQiOmZhbHNlLCJQYXJlbnRTdHlsZSI6bnVsbH0sIkF1dG9TaXplIjowLCJGb3JlZ3JvdW5kIjp7IiRpZCI6IjQyIiwiQ29sb3IiOnsiJGlkIjoiNDMiLCJBIjoyNTUsIlIiOjAsIkciOjAsIkIiOjB9fSwiTWF4V2lkdGgiOjIwMC4wLCJNYXhIZWlnaHQiOiJJbmZpbml0eSIsIlNtYXJ0Rm9yZWdyb3VuZElzQWN0aXZlIjpmYWxzZSwiSG9yaXpvbnRhbEFsaWdubWVudCI6MCwiVmVydGljYWxBbGlnbm1lbnQiOjEsIlNtYXJ0Rm9yZWdyb3VuZCI6bnVsbCwiQmFja2dyb3VuZEZpbGxUeXBlIjowLCJNYXJnaW4iOnsiJGlkIjoiNDQiLCJUb3AiOjAsIkxlZnQiOjUsIlJpZ2h0IjowLCJCb3R0b20iOjB9LCJQYWRkaW5nIjp7IiRpZCI6IjQ1IiwiVG9wIjowLCJMZWZ0IjowLCJSaWdodCI6MCwiQm90dG9tIjowfSwiQmFja2dyb3VuZCI6eyIkaWQiOiI0NiIsIkNvbG9yIjp7IiRyZWYiOiIyMCJ9fSwiSXNWaXNpYmxlIjp0cnVlLCJXaWR0aCI6MC4wLCJIZWlnaHQiOjAuMCwiQm9yZGVyU3R5bGUiOm51bGwsIlBhcmVudFN0eWxlIjpudWxsfSwiRWxhcHNlZFRpbWVCYWNrZ3JvdW5kIjp7IiRpZCI6IjQ3IiwiQ29sb3IiOnsiJGlkIjoiNDgiLCJBIjo3NywiUiI6MjU1LCJHIjoxOTIsIkIiOjB9fSwiQXBwZW5kWWVhck9uWWVhckNoYW5nZSI6dHJ1ZSwiRWxhcHNlZFRpbWVGb3JtYXQiOjEsIlRvZGF5TWFya2VyUG9zaXRpb24iOjMsIlF1aWNrUG9zaXRpb24iOjIsIkFic29sdXRlUG9zaXRpb24iOjQwNS4wLCJNYXJnaW4iOnsiJGlkIjoiNDkiLCJUb3AiOjAsIkxlZnQiOjEwLCJSaWdodCI6MTAsIkJvdHRvbSI6MH0sIlBhZGRpbmciOnsiJGlkIjoiNTAiLCJUb3AiOjAsIkxlZnQiOjAsIlJpZ2h0IjowLCJCb3R0b20iOjB9LCJCYWNrZ3JvdW5kIjp7IiRpZCI6IjUxIiwiQ29sb3IiOnsiJGlkIjoiNTIiLCJBIjoyNTUsIlIiOjE3OCwiRyI6MTc4LCJCIjoxNzh9fSwiSXNWaXNpYmxlIjp0cnVlLCJXaWR0aCI6MC4wLCJIZWlnaHQiOjAuMCwiQm9yZGVyU3R5bGUiOm51bGwsIlBhcmVudFN0eWxlIjpudWxsfSwiRGVmYXVsdE1pbGVzdG9uZVN0eWxlIjp7IiRpZCI6IjUzIiwiU2hhcGUiOjcsIkNvbm5lY3Rvck1hcmdpbiI6eyIkaWQiOiI1NCIsIlRvcCI6MCwiTGVmdCI6MiwiUmlnaHQiOjIsIkJvdHRvbSI6MH0sIkNvbm5lY3RvclN0eWxlIjp7IiRpZCI6IjU1IiwiTGluZUNvbG9yIjp7IiRpZCI6IjU2IiwiJHR5cGUiOiJOTFJFLkNvbW1vbi5Eb20uU29saWRDb2xvckJydXNoLCBOTFJFLkNvbW1vbiIsIkNvbG9yIjp7IiRpZCI6IjU3IiwiQSI6MTI3LCJSIjozMSwiRyI6NzMsIkIiOjEyNn19LCJMaW5lV2VpZ2h0IjoxLjAsIkxpbmVUeXBlIjowLCJQYXJlbnRTdHlsZSI6bnVsbH0sIklzQmVsb3dUaW1lYmFuZCI6ZmFsc2UsIlBvc2l0aW9uT25UYXNrIjowLCJIaWRlRGF0ZSI6ZmFsc2UsIlNoYXBlU2l6ZSI6MSwiU3BhY2luZyI6Mi4wLCJQYWRkaW5nIjp7IiRpZCI6IjU4IiwiVG9wIjo3LCJMZWZ0IjozLCJSaWdodCI6MCwiQm90dG9tIjoyfSwiU2hhcGVTdHlsZSI6eyIkaWQiOiI1OSIsIk1hcmdpbiI6eyIkaWQiOiI2MCIsIlRvcCI6MCwiTGVmdCI6MCwiUmlnaHQiOjAsIkJvdHRvbSI6MH0sIlBhZGRpbmciOnsiJGlkIjoiNjEiLCJUb3AiOjAsIkxlZnQiOjAsIlJpZ2h0IjowLCJCb3R0b20iOjB9LCJCYWNrZ3JvdW5kIjp7IiRpZCI6IjYyIiwiQ29sb3IiOnsiJGlkIjoiNjMiLCJBIjoyNTUsIlIiOjAsIkciOjExNCwiQiI6MTg4fX0sIklzVmlzaWJsZSI6dHJ1ZSwiV2lkdGgiOjE4LjAsIkhlaWdodCI6MjAuMCwiQm9yZGVyU3R5bGUiOnsiJGlkIjoiNjQiLCJMaW5lQ29sb3IiOnsiJGlkIjoiNjUiLCIkdHlwZSI6Ik5MUkUuQ29tbW9uLkRvbS5Tb2xpZENvbG9yQnJ1c2gsIE5MUkUuQ29tbW9uIiwiQ29sb3IiOnsiJGlkIjoiNjYiLCJBIjoyNTUsIlIiOjI1NSwiRyI6MCwiQiI6MH19LCJMaW5lV2VpZ2h0IjowLjAsIkxpbmVUeXBlIjowLCJQYXJlbnRTdHlsZSI6bnVsbH0sIlBhcmVudFN0eWxlIjpudWxsfSwiVGl0bGVTdHlsZSI6eyIkaWQiOiI2NyIsIkZvbnRTZXR0aW5ncyI6eyIkaWQiOiI2OCIsIkZvbnRTaXplIjoxMSwiRm9udE5hbWUiOiJDYWxpYnJpIiwiSXNCb2xkIjp0cnVlLCJJc0l0YWxpYyI6ZmFsc2UsIklzVW5kZXJsaW5lZCI6ZmFsc2UsIlBhcmVudFN0eWxlIjpudWxsfSwiQXV0b1NpemUiOjAsIkZvcmVncm91bmQiOnsiJGlkIjoiNjkiLCJDb2xvciI6eyIkaWQiOiI3MCIsIkEiOjI1NSwiUiI6MCwiRyI6MCwiQiI6MH19LCJNYXhXaWR0aCI6MjAwLjAsIk1heEhlaWdodCI6IkluZmluaXR5IiwiU21hcnRGb3JlZ3JvdW5kSXNBY3RpdmUiOmZhbHNlLCJIb3Jpem9udGFsQWxpZ25tZW50IjoxLCJWZXJ0aWNhbEFsaWdubWVudCI6MCwiU21hcnRGb3JlZ3JvdW5kIjpudWxsLCJCYWNrZ3JvdW5kRmlsbFR5cGUiOjAsIk1hcmdpbiI6eyIkaWQiOiI3MSIsIlRvcCI6MCwiTGVmdCI6MCwiUmlnaHQiOjAsIkJvdHRvbSI6MH0sIlBhZGRpbmciOnsiJGlkIjoiNzIiLCJUb3AiOjAsIkxlZnQiOjAsIlJpZ2h0IjowLCJCb3R0b20iOjB9LCJCYWNrZ3JvdW5kIjp7IiRpZCI6IjczIiwiQ29sb3IiOnsiJHJlZiI6IjIwIn19LCJJc1Zpc2libGUiOnRydWUsIldpZHRoIjowLjAsIkhlaWdodCI6MC4wLCJCb3JkZXJTdHlsZSI6bnVsbCwiUGFyZW50U3R5bGUiOm51bGx9LCJEYXRlU3R5bGUiOnsiJGlkIjoiNzQiLCJGb250U2V0dGluZ3MiOnsiJGlkIjoiNzUiLCJGb250U2l6ZSI6MTAsIkZvbnROYW1lIjoiQ2FsaWJyaSIsIklzQm9sZCI6ZmFsc2UsIklzSXRhbGljIjpmYWxzZSwiSXNVbmRlcmxpbmVkIjpmYWxzZSwiUGFyZW50U3R5bGUiOm51bGx9LCJBdXRvU2l6ZSI6MCwiRm9yZWdyb3VuZCI6eyIkaWQiOiI3NiIsIkNvbG9yIjp7IiRpZCI6Ijc3IiwiQSI6MjU1LCJSIjo2OCwiRyI6ODQsIkIiOjEwNn19LCJNYXhXaWR0aCI6MjAwLjAsIk1heEhlaWdodCI6IkluZmluaXR5IiwiU21hcnRGb3JlZ3JvdW5kSXNBY3RpdmUiOmZhbHNlLCJIb3Jpem9udGFsQWxpZ25tZW50IjowLCJWZXJ0aWNhbEFsaWdubWVudCI6MCwiU21hcnRGb3JlZ3JvdW5kIjpudWxsLCJCYWNrZ3JvdW5kRmlsbFR5cGUiOjAsIk1hcmdpbiI6eyIkaWQiOiI3OCIsIlRvcCI6MCwiTGVmdCI6MCwiUmlnaHQiOjAsIkJvdHRvbSI6MH0sIlBhZGRpbmciOnsiJGlkIjoiNzkiLCJUb3AiOjAsIkxlZnQiOjAsIlJpZ2h0IjowLCJCb3R0b20iOjB9LCJCYWNrZ3JvdW5kIjp7IiRpZCI6IjgwIiwiQ29sb3IiOnsiJHJlZiI6IjIwIn19LCJJc1Zpc2libGUiOnRydWUsIldpZHRoIjowLjAsIkhlaWdodCI6MC4wLCJCb3JkZXJTdHlsZSI6bnVsbCwiUGFyZW50U3R5bGUiOm51bGx9LCJEYXRlRm9ybWF0Ijp7IiRpZCI6IjgxIiwiRm9ybWF0U3RyaW5nIjoiTU1NIGQiLCJTZXBhcmF0b3IiOiIvIiwiVXNlSW50ZXJuYXRpb25hbERhdGVGb3JtYXQiOmZhbHNlLCJEYXRlSXNWaXNpYmxlIjp0cnVlLCJUaW1lSXNWaXNpYmxlIjpmYWxzZSwiSG91ckRpZ2l0cyI6MSwiQW1QbURlc2lnbmF0b3IiOjIsIlRyaW0wME1pbnV0ZXMiOmZhbHNlLCJMYXN0S25vd25WaXNpYmlsaXR5U3RhdGUiOm51bGx9LCJJc1Zpc2libGUiOnRydWUsIlBhcmVudFN0eWxlIjpudWxsfSwiRGVmYXVsdFRhc2tTdHlsZSI6eyIkaWQiOiI4MiIsIlNoYXBlIjowLCJTaGFwZVRoaWNrbmVzcyI6MiwiRHVyYXRpb25Gb3JtYXQiOjAsIkluY2x1ZGVOb25Xb3JraW5nRGF5c0luRHVyYXRpb24iOmZhbHNlLCJQZXJjZW50YWdlQ29tcGxldGVTdHlsZSI6eyIkaWQiOiI4MyIsIkZvbnRTZXR0aW5ncyI6eyIkaWQiOiI4NCIsIkZvbnRTaXplIjoxMCwiRm9udE5hbWUiOiJDYWxpYnJpIiwiSXNCb2xkIjpmYWxzZSwiSXNJdGFsaWMiOmZhbHNlLCJJc1VuZGVybGluZWQiOmZhbHNlLCJQYXJlbnRTdHlsZSI6bnVsbH0sIkF1dG9TaXplIjowLCJGb3JlZ3JvdW5kIjp7IiRpZCI6Ijg1IiwiQ29sb3IiOnsiJGlkIjoiODYiLCJBIjoyNTUsIlIiOjIzOCwiRyI6MjM2LCJCIjoyMjV9fSwiTWF4V2lkdGgiOjIwMC4wLCJNYXhIZWlnaHQiOiJJbmZpbml0eSIsIlNtYXJ0Rm9yZWdyb3VuZElzQWN0aXZlIjpmYWxzZSwiSG9yaXpvbnRhbEFsaWdubWVudCI6MSwiVmVydGljYWxBbGlnbm1lbnQiOjAsIlNtYXJ0Rm9yZWdyb3VuZCI6bnVsbCwiQmFja2dyb3VuZEZpbGxUeXBlIjowLCJNYXJnaW4iOnsiJGlkIjoiODciLCJUb3AiOjAsIkxlZnQiOjAsIlJpZ2h0IjowLCJCb3R0b20iOjB9LCJQYWRkaW5nIjp7IiRpZCI6Ijg4IiwiVG9wIjowLCJMZWZ0IjowLCJSaWdodCI6MCwiQm90dG9tIjowfSwiQmFja2dyb3VuZCI6eyIkaWQiOiI4OSIsIkNvbG9yIjp7IiRyZWYiOiIyMCJ9fSwiSXNWaXNpYmxlIjp0cnVlLCJXaWR0aCI6MC4wLCJIZWlnaHQiOjAuMCwiQm9yZGVyU3R5bGUiOm51bGwsIlBhcmVudFN0eWxlIjpudWxsfSwiRHVyYXRpb25TdHlsZSI6eyIkaWQiOiI5MCIsIkZvbnRTZXR0aW5ncyI6eyIkaWQiOiI5MSIsIkZvbnRTaXplIjoxMCwiRm9udE5hbWUiOiJDYWxpYnJpIiwiSXNCb2xkIjpmYWxzZSwiSXNJdGFsaWMiOmZhbHNlLCJJc1VuZGVybGluZWQiOmZhbHNlLCJQYXJlbnRTdHlsZSI6bnVsbH0sIkF1dG9TaXplIjowLCJGb3JlZ3JvdW5kIjp7IiRpZCI6IjkyIiwiQ29sb3IiOnsiJGlkIjoiOTMiLCJBIjoyNTUsIlIiOjIzNywiRyI6MTI1LCJCIjo0OX19LCJNYXhXaWR0aCI6MjAwLjAsIk1heEhlaWdodCI6IkluZmluaXR5IiwiU21hcnRGb3JlZ3JvdW5kSXNBY3RpdmUiOmZhbHNlLCJIb3Jpem9udGFsQWxpZ25tZW50IjowLCJWZXJ0aWNhbEFsaWdubWVudCI6MCwiU21hcnRGb3JlZ3JvdW5kIjpudWxsLCJCYWNrZ3JvdW5kRmlsbFR5cGUiOjAsIk1hcmdpbiI6eyIkaWQiOiI5NCIsIlRvcCI6MCwiTGVmdCI6MCwiUmlnaHQiOjAsIkJvdHRvbSI6MH0sIlBhZGRpbmciOnsiJGlkIjoiOTUiLCJUb3AiOjAsIkxlZnQiOjAsIlJpZ2h0IjowLCJCb3R0b20iOjB9LCJCYWNrZ3JvdW5kIjp7IiRpZCI6Ijk2IiwiQ29sb3IiOnsiJHJlZiI6IjIwIn19LCJJc1Zpc2libGUiOnRydWUsIldpZHRoIjowLjAsIkhlaWdodCI6MC4wLCJCb3JkZXJTdHlsZSI6bnVsbCwiUGFyZW50U3R5bGUiOm51bGx9LCJIb3Jpem9udGFsQ29ubmVjdG9yU3R5bGUiOnsiJGlkIjoiOTciLCJMaW5lQ29sb3IiOnsiJGlkIjoiOTgiLCIkdHlwZSI6Ik5MUkUuQ29tbW9uLkRvbS5Tb2xpZENvbG9yQnJ1c2gsIE5MUkUuQ29tbW9uIiwiQ29sb3IiOnsiJGlkIjoiOTkiLCJBIjoyNTUsIlIiOjIwNCwiRyI6MjA0LCJCIjoyMDR9fSwiTGluZVdlaWdodCI6MS4wLCJMaW5lVHlwZSI6MCwiUGFyZW50U3R5bGUiOm51bGx9LCJWZXJ0aWNhbENvbm5lY3RvclN0eWxlIjp7IiRpZCI6IjEwMCIsIkxpbmVDb2xvciI6eyIkaWQiOiIxMDEiLCIkdHlwZSI6Ik5MUkUuQ29tbW9uLkRvbS5Tb2xpZENvbG9yQnJ1c2gsIE5MUkUuQ29tbW9uIiwiQ29sb3IiOnsiJGlkIjoiMTAyIiwiQSI6MjU1LCJSIjoyMDQsIkciOjIwNCwiQiI6MjA0fX0sIkxpbmVXZWlnaHQiOjEuMCwiTGluZVR5cGUiOjAsIlBhcmVudFN0eWxlIjpudWxsfSwiTWFyZ2luIjpudWxsLCJTdGFydERhdGVQb3NpdGlvbiI6NCwiRW5kRGF0ZVBvc2l0aW9uIjo0LCJEYXRlSXNWaXNpYmxlIjp0cnVlLCJUaXRsZVBvc2l0aW9uIjoyLCJEdXJhdGlvblBvc2l0aW9uIjo2LCJQZXJjZW50YWdlQ29tcGxldGVkUG9zaXRpb24iOjIsIlNwYWNpbmciOjUsIklzQmVsb3dUaW1lYmFuZCI6ZmFsc2UsIlBlcmNlbnRhZ2VDb21wbGV0ZVNoYXBlT3BhY2l0eSI6MzUsIlNoYXBlU3R5bGUiOnsiJGlkIjoiMTAzIiwiTWFyZ2luIjp7IiRpZCI6IjEwNCIsIlRvcCI6MCwiTGVmdCI6NCwiUmlnaHQiOjQsIkJvdHRvbSI6MH0sIlBhZGRpbmciOnsiJGlkIjoiMTA1IiwiVG9wIjowLCJMZWZ0IjowLCJSaWdodCI6MCwiQm90dG9tIjowfSwiQmFja2dyb3VuZCI6eyIkaWQiOiIxMDYiLCJDb2xvciI6eyIkaWQiOiIxMDciLCJBIjoyNTUsIlIiOjAsIkciOjExNCwiQiI6MTg4fX0sIklzVmlzaWJsZSI6dHJ1ZSwiV2lkdGgiOjAuMCwiSGVpZ2h0IjoyMi4wLCJCb3JkZXJTdHlsZSI6eyIkaWQiOiIxMDgiLCJMaW5lQ29sb3IiOnsiJGlkIjoiMTA5IiwiJHR5cGUiOiJOTFJFLkNvbW1vbi5Eb20uU29saWRDb2xvckJydXNoLCBOTFJFLkNvbW1vbiIsIkNvbG9yIjp7IiRpZCI6IjExMCIsIkEiOjI1NSwiUiI6MjU1LCJHIjowLCJCIjowfX0sIkxpbmVXZWlnaHQiOjAuMCwiTGluZVR5cGUiOjAsIlBhcmVudFN0eWxlIjpudWxsfSwiUGFyZW50U3R5bGUiOm51bGx9LCJUaXRsZVN0eWxlIjp7IiRpZCI6IjExMSIsIkZvbnRTZXR0aW5ncyI6eyIkaWQiOiIxMTIiLCJGb250U2l6ZSI6MTEsIkZvbnROYW1lIjoiQ2FsaWJyaSIsIklzQm9sZCI6dHJ1ZSwiSXNJdGFsaWMiOmZhbHNlLCJJc1VuZGVybGluZWQiOmZhbHNlLCJQYXJlbnRTdHlsZSI6bnVsbH0sIkF1dG9TaXplIjowLCJGb3JlZ3JvdW5kIjp7IiRpZCI6IjExMyIsIkNvbG9yIjp7IiRpZCI6IjExNCIsIkEiOjI1NSwiUiI6MCwiRyI6MCwiQiI6MH19LCJNYXhXaWR0aCI6OTYwLjAsIk1heEhlaWdodCI6IkluZmluaXR5IiwiU21hcnRGb3JlZ3JvdW5kSXNBY3RpdmUiOmZhbHNlLCJIb3Jpem9udGFsQWxpZ25tZW50IjoxLCJWZXJ0aWNhbEFsaWdubWVudCI6MCwiU21hcnRGb3JlZ3JvdW5kIjpudWxsLCJCYWNrZ3JvdW5kRmlsbFR5cGUiOjAsIk1hcmdpbiI6eyIkaWQiOiIxMTUiLCJUb3AiOjAsIkxlZnQiOjAsIlJpZ2h0IjowLCJCb3R0b20iOjB9LCJQYWRkaW5nIjp7IiRpZCI6IjExNiIsIlRvcCI6MCwiTGVmdCI6MCwiUmlnaHQiOjAsIkJvdHRvbSI6MH0sIkJhY2tncm91bmQiOnsiJGlkIjoiMTE3IiwiQ29sb3IiOnsiJHJlZiI6IjIwIn19LCJJc1Zpc2libGUiOnRydWUsIldpZHRoIjowLjAsIkhlaWdodCI6MC4wLCJCb3JkZXJTdHlsZSI6bnVsbCwiUGFyZW50U3R5bGUiOm51bGx9LCJEYXRlU3R5bGUiOnsiJGlkIjoiMTE4IiwiRm9udFNldHRpbmdzIjp7IiRpZCI6IjExOSIsIkZvbnRTaXplIjoxMCwiRm9udE5hbWUiOiJDYWxpYnJpIiwiSXNCb2xkIjpmYWxzZSwiSXNJdGFsaWMiOmZhbHNlLCJJc1VuZGVybGluZWQiOmZhbHNlLCJQYXJlbnRTdHlsZSI6bnVsbH0sIkF1dG9TaXplIjowLCJGb3JlZ3JvdW5kIjp7IiRpZCI6IjEyMCIsIkNvbG9yIjp7IiRpZCI6IjEyMSIsIkEiOjI1NSwiUiI6NjgsIkciOjg0LCJCIjoxMDZ9fSwiTWF4V2lkdGgiOjIwMC4wLCJNYXhIZWlnaHQiOiJJbmZpbml0eSIsIlNtYXJ0Rm9yZWdyb3VuZElzQWN0aXZlIjpmYWxzZSwiSG9yaXpvbnRhbEFsaWdubWVudCI6MCwiVmVydGljYWxBbGlnbm1lbnQiOjAsIlNtYXJ0Rm9yZWdyb3VuZCI6bnVsbCwiQmFja2dyb3VuZEZpbGxUeXBlIjowLCJNYXJnaW4iOnsiJGlkIjoiMTIyIiwiVG9wIjowLCJMZWZ0IjowLCJSaWdodCI6MCwiQm90dG9tIjowfSwiUGFkZGluZyI6eyIkaWQiOiIxMjMiLCJUb3AiOjAsIkxlZnQiOjAsIlJpZ2h0IjowLCJCb3R0b20iOjB9LCJCYWNrZ3JvdW5kIjp7IiRpZCI6IjEyNCIsIkNvbG9yIjp7IiRyZWYiOiIyMCJ9fSwiSXNWaXNpYmxlIjp0cnVlLCJXaWR0aCI6MC4wLCJIZWlnaHQiOjAuMCwiQm9yZGVyU3R5bGUiOm51bGwsIlBhcmVudFN0eWxlIjpudWxsfSwiRGF0ZUZvcm1hdCI6eyIkaWQiOiIxMjUiLCJGb3JtYXRTdHJpbmciOiJNTU0gZCIsIlNlcGFyYXRvciI6Ii8iLCJVc2VJbnRlcm5hdGlvbmFsRGF0ZUZvcm1hdCI6ZmFsc2UsIkRhdGVJc1Zpc2libGUiOnRydWUsIlRpbWVJc1Zpc2libGUiOmZhbHNlLCJIb3VyRGlnaXRzIjoxLCJBbVBtRGVzaWduYXRvciI6MiwiVHJpbTAwTWludXRlcyI6ZmFsc2UsIkxhc3RLbm93blZpc2liaWxpdHlTdGF0ZSI6bnVsbH0sIklzVmlzaWJsZSI6dHJ1ZSwiUGFyZW50U3R5bGUiOm51bGwsIl9leHBsaWNpdGx5U2V0Ijp7IiRpZCI6IjEyNiIsIlNoYXBlU3R5bGUiOmZhbHNlLCJUaXRsZVN0eWxlIjpmYWxzZSwiRGF0ZVN0eWxlIjpmYWxzZSwiSG9yaXpvbnRhbENvbm5lY3RvclN0eWxlIjpmYWxzZSwiVmVydGljYWxDb25uZWN0b3JTdHlsZSI6ZmFsc2UsIlBlcmNlbnRhZ2VDb21wbGV0ZVNoYXBlT3BhY2l0eSI6ZmFsc2UsIlNoYXBlIjpmYWxzZSwiU2hhcGVUaGlja25lc3MiOmZhbHNlLCJEdXJhdGlvbkZvcm1hdCI6ZmFsc2UsIkluY2x1ZGVOb25Xb3JraW5nRGF5c0luRHVyYXRpb24iOmZhbHNlLCJNYXJnaW4iOmZhbHNlLCJTdGFydERhdGVQb3NpdGlvbiI6ZmFsc2UsIkVuZERhdGVQb3NpdGlvbiI6ZmFsc2UsIlRpdGxlUG9zaXRpb24iOmZhbHNlLCJEdXJhdGlvblBvc2l0aW9uIjpmYWxzZSwiUGVyY2VudGFnZUNvbXBsZXRlZFBvc2l0aW9uIjpmYWxzZSwiU3BhY2luZyI6ZmFsc2UsIklzQmVsb3dUaW1lYmFuZCI6ZmFsc2UsIkRhdGVGb3JtYXQiOmZhbHNlLCJJc1Zpc2libGUiOmZhbHNlfX0sIkdyaWRsaW5lUGFuZWxTdHlsZSI6eyIkaWQiOiIxMjciLCJHcmlkbGluZVN0eWxlIjp7IiRpZCI6IjEyOCIsIkxpbmVDb2xvciI6eyIkaWQiOiIxMjkiLCIkdHlwZSI6Ik5MUkUuQ29tbW9uLkRvbS5Tb2xpZENvbG9yQnJ1c2gsIE5MUkUuQ29tbW9uIiwiQ29sb3IiOnsiJGlkIjoiMTMwIiwiQSI6MzgsIlIiOjkxLCJHIjoxNTUsIkIiOjIxM319LCJMaW5lV2VpZ2h0IjoxLjAsIkxpbmVUeXBlIjowLCJQYXJlbnRTdHlsZSI6bnVsbH0sIk1hcmdpbiI6eyIkaWQiOiIxMzEiLCJUb3AiOjAsIkxlZnQiOjAsIlJpZ2h0IjowLCJCb3R0b20iOjB9LCJQYWRkaW5nIjp7IiRpZCI6IjEzMiIsIlRvcCI6MCwiTGVmdCI6MCwiUmlnaHQiOjAsIkJvdHRvbSI6MH0sIkJhY2tncm91bmQiOm51bGwsIklzVmlzaWJsZSI6dHJ1ZSwiV2lkdGgiOjAuMCwiSGVpZ2h0IjowLjAsIkJvcmRlclN0eWxlIjp7IiRpZCI6IjEzMyIsIkxpbmVDb2xvciI6bnVsbCwiTGluZVdlaWdodCI6MC4wLCJMaW5lVHlwZSI6MCwiUGFyZW50U3R5bGUiOm51bGx9LCJQYXJlbnRTdHlsZSI6bnVsbH0sIlNob3dFbGFwc2VkVGltZUdyYWRpZW50U3R5bGUiOnRydWUsIkRlZmF1bHRTd2ltbGFuZVN0eWxlIjp7IiRpZCI6IjEzNCIsIkhlYWRlclN0eWxlIjp7IiRpZCI6IjEzNSIsIlRleHRTdHlsZSI6eyIkaWQiOiIxMzYiLCJGb250U2V0dGluZ3MiOnsiJGlkIjoiMTM3IiwiRm9udFNpemUiOjEyLCJGb250TmFtZSI6IkNhbGlicmkiLCJJc0JvbGQiOmZhbHNlLCJJc0l0YWxpYyI6ZmFsc2UsIklzVW5kZXJsaW5lZCI6ZmFsc2UsIlBhcmVudFN0eWxlIjpudWxsfSwiQXV0b1NpemUiOjAsIkZvcmVncm91bmQiOnsiJGlkIjoiMTM4IiwiQ29sb3IiOnsiJGlkIjoiMTM5IiwiQSI6MjU1LCJSIjozMiwiRyI6NTYsIkIiOjEwMH19LCJNYXhXaWR0aCI6MC4wLCJNYXhIZWlnaHQiOjAuMCwiU21hcnRGb3JlZ3JvdW5kSXNBY3RpdmUiOmZhbHNlLCJIb3Jpem9udGFsQWxpZ25tZW50IjowLCJWZXJ0aWNhbEFsaWdubWVudCI6MCwiU21hcnRGb3JlZ3JvdW5kIjpudWxsLCJCYWNrZ3JvdW5kRmlsbFR5cGUiOjAsIk1hcmdpbiI6eyIkaWQiOiIxNDAiLCJUb3AiOjAsIkxlZnQiOjAsIlJpZ2h0IjowLCJCb3R0b20iOjB9LCJQYWRkaW5nIjp7IiRpZCI6IjE0MSIsIlRvcCI6MCwiTGVmdCI6MCwiUmlnaHQiOjAsIkJvdHRvbSI6MH0sIkJhY2tncm91bmQiOm51bGwsIklzVmlzaWJsZSI6ZmFsc2UsIldpZHRoIjowLjAsIkhlaWdodCI6MC4wLCJCb3JkZXJTdHlsZSI6bnVsbCwiUGFyZW50U3R5bGUiOm51bGx9LCJSZWN0YW5nbGVTdHlsZSI6eyIkaWQiOiIxNDIiLCJNYXJnaW4iOnsiJGlkIjoiMTQzIiwiVG9wIjowLCJMZWZ0IjowLCJSaWdodCI6MCwiQm90dG9tIjowfSwiUGFkZGluZyI6eyIkaWQiOiIxNDQiLCJUb3AiOjAsIkxlZnQiOjAsIlJpZ2h0IjowLCJCb3R0b20iOjB9LCJCYWNrZ3JvdW5kIjp7IiRpZCI6IjE0NSIsIkNvbG9yIjp7IiRpZCI6IjE0NiIsIkEiOjEyNywiUiI6OTEsIkciOjE1NSwiQiI6MjEzfX0sIklzVmlzaWJsZSI6ZmFsc2UsIldpZHRoIjowLjAsIkhlaWdodCI6MC4wLCJCb3JkZXJTdHlsZSI6eyIkaWQiOiIxNDciLCJMaW5lQ29sb3IiOnsiJGlkIjoiMTQ4IiwiJHR5cGUiOiJOTFJFLkNvbW1vbi5Eb20uU29saWRDb2xvckJydXNoLCBOTFJFLkNvbW1vbiIsIkNvbG9yIjp7IiRpZCI6IjE0OSIsIkEiOjI1NSwiUiI6MjU1LCJHIjowLCJCIjowfX0sIkxpbmVXZWlnaHQiOjAuMCwiTGluZVR5cGUiOjAsIlBhcmVudFN0eWxlIjpudWxsfSwiUGFyZW50U3R5bGUiOm51bGx9LCJNYXJnaW4iOnsiJGlkIjoiMTUwIiwiVG9wIjowLCJMZWZ0IjowLCJSaWdodCI6MCwiQm90dG9tIjowfSwiUGFkZGluZyI6eyIkaWQiOiIxNTEiLCJUb3AiOjAsIkxlZnQiOjAsIlJpZ2h0IjowLCJCb3R0b20iOjB9LCJCYWNrZ3JvdW5kIjpudWxsLCJJc1Zpc2libGUiOnRydWUsIldpZHRoIjowLjAsIkhlaWdodCI6MC4wLCJCb3JkZXJTdHlsZSI6bnVsbCwiUGFyZW50U3R5bGUiOm51bGx9LCJCYWNrZ3JvdW5kU3R5bGUiOnsiJGlkIjoiMTUyIiwiTWFyZ2luIjp7IiRpZCI6IjE1MyIsIlRvcCI6MCwiTGVmdCI6MCwiUmlnaHQiOjAsIkJvdHRvbSI6MH0sIlBhZGRpbmciOnsiJGlkIjoiMTU0IiwiVG9wIjowLCJMZWZ0IjowLCJSaWdodCI6MCwiQm90dG9tIjowfSwiQmFja2dyb3VuZCI6eyIkaWQiOiIxNTUiLCJDb2xvciI6eyIkaWQiOiIxNTYiLCJBIjozOCwiUiI6OTEsIkciOjE1NSwiQiI6MjEzfX0sIklzVmlzaWJsZSI6dHJ1ZSwiV2lkdGgiOjAuMCwiSGVpZ2h0IjowLjAsIkJvcmRlclN0eWxlIjp7IiRpZCI6IjE1NyIsIkxpbmVDb2xvciI6eyIkaWQiOiIxNTgiLCIkdHlwZSI6Ik5MUkUuQ29tbW9uLkRvbS5Tb2xpZENvbG9yQnJ1c2gsIE5MUkUuQ29tbW9uIiwiQ29sb3IiOnsiJGlkIjoiMTU5IiwiQSI6MjU1LCJSIjoyNTUsIkciOjAsIkIiOjB9fSwiTGluZVdlaWdodCI6MC4wLCJMaW5lVHlwZSI6MCwiUGFyZW50U3R5bGUiOm51bGx9LCJQYXJlbnRTdHlsZSI6bnVsbH0sIklzQWJvdmVUaW1lYmFuZCI6ZmFsc2UsIk1hcmdpbiI6eyIkaWQiOiIxNjAiLCJUb3AiOjAsIkxlZnQiOjAsIlJpZ2h0IjowLCJCb3R0b20iOjB9LCJQYWRkaW5nIjp7IiRpZCI6IjE2MSIsIlRvcCI6MCwiTGVmdCI6MCwiUmlnaHQiOjAsIkJvdHRvbSI6MH0sIklzVmlzaWJsZSI6dHJ1ZSwiV2lkdGgiOjAuMCwiSGVpZ2h0IjowLjAsIkJvcmRlclN0eWxlIjpudWxsLCJQYXJlbnRTdHlsZSI6bnVsbH19LCJTY2FsZSI6eyIkaWQiOiIxNjIiLCJTdGFydERhdGUiOiIwMDAxLTAxLTAxVDAwOjAwOjAwIiwiRW5kRGF0ZSI6IjIwMjAtMDMtMjBUMjM6NTk6MDAiLCJGb3JtYXQiOiJNTU0iLCJUeXBlIjoyLCJBdXRvRGF0ZVJhbmdlIjp0cnVlLCJXb3JraW5nRGF5cyI6MzEsIlRvZGF5TWFya2VyVGV4dCI6IlRvZGF5IiwiQXV0b1NjYWxlVHlwZSI6dHJ1ZX0sIk1pbGVzdG9uZXMiOltdLCJUYXNrcyI6W3siJGlkIjoiMTYzIiwiR3JvdXBOYW1lIjpudWxsLCJTdGFydERhdGUiOiIyMDE5LTExLTExVDAwOjAwOjAwIiwiRW5kRGF0ZSI6IjIwMTktMTEtMjJUMjM6NTk6MDAiLCJQZXJjZW50YWdlQ29tcGxldGUiOjEwMC4wLCJTdHlsZSI6eyIkaWQiOiIxNjQiLCJTaGFwZSI6MCwiU2hhcGVUaGlja25lc3MiOjIsIkR1cmF0aW9uRm9ybWF0IjowLCJJbmNsdWRlTm9uV29ya2luZ0RheXNJbkR1cmF0aW9uIjpmYWxzZSwiUGVyY2VudGFnZUNvbXBsZXRlU3R5bGUiOnsiJGlkIjoiMTY1IiwiRm9udFNldHRpbmdzIjp7IiRpZCI6IjE2NiIsIkZvbnRTaXplIjoxMCwiRm9udE5hbWUiOiJDYWxpYnJpIiwiSXNCb2xkIjpmYWxzZSwiSXNJdGFsaWMiOmZhbHNlLCJJc1VuZGVybGluZWQiOmZhbHNlLCJQYXJlbnRTdHlsZSI6bnVsbH0sIkF1dG9TaXplIjowLCJGb3JlZ3JvdW5kIjp7IiRyZWYiOiI4NSJ9LCJNYXhXaWR0aCI6MjAwLjAsIk1heEhlaWdodCI6IkluZmluaXR5IiwiU21hcnRGb3JlZ3JvdW5kSXNBY3RpdmUiOmZhbHNlLCJIb3Jpem9udGFsQWxpZ25tZW50IjowLCJWZXJ0aWNhbEFsaWdubWVudCI6MCwiU21hcnRGb3JlZ3JvdW5kIjpudWxsLCJCYWNrZ3JvdW5kRmlsbFR5cGUiOjAsIk1hcmdpbiI6eyIkaWQiOiIxNjciLCJUb3AiOjAsIkxlZnQiOjAsIlJpZ2h0IjowLCJCb3R0b20iOjB9LCJQYWRkaW5nIjp7IiRpZCI6IjE2OCIsIlRvcCI6MCwiTGVmdCI6MCwiUmlnaHQiOjAsIkJvdHRvbSI6MH0sIkJhY2tncm91bmQiOnsiJHJlZiI6Ijg5In0sIklzVmlzaWJsZSI6dHJ1ZSwiV2lkdGgiOjAuMCwiSGVpZ2h0IjowLjAsIkJvcmRlclN0eWxlIjp7IiRpZCI6IjE2OSIsIkxpbmVDb2xvciI6bnVsbCwiTGluZVdlaWdodCI6MC4wLCJMaW5lVHlwZSI6MCwiUGFyZW50U3R5bGUiOm51bGx9LCJQYXJlbnRTdHlsZSI6bnVsbH0sIkR1cmF0aW9uU3R5bGUiOnsiJGlkIjoiMTcwIiwiRm9udFNldHRpbmdzIjp7IiRpZCI6IjE3MSIsIkZvbnRTaXplIjoxMCwiRm9udE5hbWUiOiJDYWxpYnJpIiwiSXNCb2xkIjpmYWxzZSwiSXNJdGFsaWMiOmZhbHNlLCJJc1VuZGVybGluZWQiOmZhbHNlLCJQYXJlbnRTdHlsZSI6bnVsbH0sIkF1dG9TaXplIjowLCJGb3JlZ3JvdW5kIjp7IiRpZCI6IjE3MiIsIkNvbG9yIjp7IiRyZWYiOiI5MyJ9fSwiTWF4V2lkdGgiOjIwMC4wLCJNYXhIZWlnaHQiOiJJbmZpbml0eSIsIlNtYXJ0Rm9yZWdyb3VuZElzQWN0aXZlIjpmYWxzZSwiSG9yaXpvbnRhbEFsaWdubWVudCI6MCwiVmVydGljYWxBbGlnbm1lbnQiOjAsIlNtYXJ0Rm9yZWdyb3VuZCI6bnVsbCwiQmFja2dyb3VuZEZpbGxUeXBlIjowLCJNYXJnaW4iOnsiJGlkIjoiMTczIiwiVG9wIjowLCJMZWZ0IjowLCJSaWdodCI6MCwiQm90dG9tIjowfSwiUGFkZGluZyI6eyIkaWQiOiIxNzQiLCJUb3AiOjAsIkxlZnQiOjAsIlJpZ2h0IjowLCJCb3R0b20iOjB9LCJCYWNrZ3JvdW5kIjp7IiRyZWYiOiI5NiJ9LCJJc1Zpc2libGUiOnRydWUsIldpZHRoIjowLjAsIkhlaWdodCI6MC4wLCJCb3JkZXJTdHlsZSI6eyIkaWQiOiIxNzUiLCJMaW5lQ29sb3IiOm51bGwsIkxpbmVXZWlnaHQiOjAuMCwiTGluZVR5cGUiOjAsIlBhcmVudFN0eWxlIjpudWxsfSwiUGFyZW50U3R5bGUiOm51bGx9LCJIb3Jpem9udGFsQ29ubmVjdG9yU3R5bGUiOnsiJGlkIjoiMTc2IiwiTGluZUNvbG9yIjp7IiRyZWYiOiI5OCJ9LCJMaW5lV2VpZ2h0IjoxLjAsIkxpbmVUeXBlIjowLCJQYXJlbnRTdHlsZSI6bnVsbH0sIlZlcnRpY2FsQ29ubmVjdG9yU3R5bGUiOnsiJGlkIjoiMTc3IiwiTGluZUNvbG9yIjp7IiRyZWYiOiIxMDEifSwiTGluZVdlaWdodCI6MS4wLCJMaW5lVHlwZSI6MCwiUGFyZW50U3R5bGUiOm51bGx9LCJNYXJnaW4iOm51bGwsIlN0YXJ0RGF0ZVBvc2l0aW9uIjo0LCJFbmREYXRlUG9zaXRpb24iOjQsIkRhdGVJc1Zpc2libGUiOnRydWUsIlRpdGxlUG9zaXRpb24iOjMsIkR1cmF0aW9uUG9zaXRpb24iOjYsIlBlcmNlbnRhZ2VDb21wbGV0ZWRQb3NpdGlvbiI6MiwiU3BhY2luZyI6NSwiSXNCZWxvd1RpbWViYW5kIjpmYWxzZSwiUGVyY2VudGFnZUNvbXBsZXRlU2hhcGVPcGFjaXR5IjozNSwiU2hhcGVTdHlsZSI6eyIkaWQiOiIxNzgiLCJNYXJnaW4iOnsiJGlkIjoiMTc5IiwiVG9wIjowLCJMZWZ0Ijo0LCJSaWdodCI6NCwiQm90dG9tIjowfSwiUGFkZGluZyI6eyIkaWQiOiIxODAiLCJUb3AiOjAsIkxlZnQiOjAsIlJpZ2h0IjowLCJCb3R0b20iOjB9LCJCYWNrZ3JvdW5kIjp7IiRpZCI6IjE4MSIsIkNvbG9yIjp7IiRpZCI6IjE4MiIsIkEiOjI1NSwiUiI6MjM3LCJHIjoxMjUsIkIiOjQ5fX0sIklzVmlzaWJsZSI6dHJ1ZSwiV2lkdGgiOjAuMCwiSGVpZ2h0IjoyMi4wLCJCb3JkZXJTdHlsZSI6eyIkaWQiOiIxODMiLCJMaW5lQ29sb3IiOnsiJHJlZiI6IjEwOSJ9LCJMaW5lV2VpZ2h0IjowLjAsIkxpbmVUeXBlIjowLCJQYXJlbnRTdHlsZSI6bnVsbH0sIlBhcmVudFN0eWxlIjpudWxsfSwiVGl0bGVTdHlsZSI6eyIkaWQiOiIxODQiLCJGb250U2V0dGluZ3MiOnsiJGlkIjoiMTg1IiwiRm9udFNpemUiOjExLCJGb250TmFtZSI6IkNhbGlicmkiLCJJc0JvbGQiOnRydWUsIklzSXRhbGljIjpmYWxzZSwiSXNVbmRlcmxpbmVkIjpmYWxzZSwiUGFyZW50U3R5bGUiOm51bGx9LCJBdXRvU2l6ZSI6MCwiRm9yZWdyb3VuZCI6eyIkaWQiOiIxODYiLCJDb2xvciI6eyIkcmVmIjoiMTE0In19LCJNYXhXaWR0aCI6NzIwLjAsIk1heEhlaWdodCI6IkluZmluaXR5IiwiU21hcnRGb3JlZ3JvdW5kSXNBY3RpdmUiOmZhbHNlLCJIb3Jpem9udGFsQWxpZ25tZW50IjoyLCJWZXJ0aWNhbEFsaWdubWVudCI6MCwiU21hcnRGb3JlZ3JvdW5kIjpudWxsLCJCYWNrZ3JvdW5kRmlsbFR5cGUiOjAsIk1hcmdpbiI6eyIkaWQiOiIxODciLCJUb3AiOjAsIkxlZnQiOjAsIlJpZ2h0IjowLCJCb3R0b20iOjB9LCJQYWRkaW5nIjp7IiRpZCI6IjE4OCIsIlRvcCI6MCwiTGVmdCI6MCwiUmlnaHQiOjAsIkJvdHRvbSI6MH0sIkJhY2tncm91bmQiOnsiJHJlZiI6IjExNyJ9LCJJc1Zpc2libGUiOnRydWUsIldpZHRoIjowLjAsIkhlaWdodCI6MC4wLCJCb3JkZXJTdHlsZSI6eyIkaWQiOiIxODkiLCJMaW5lQ29sb3IiOm51bGwsIkxpbmVXZWlnaHQiOjAuMCwiTGluZVR5cGUiOjAsIlBhcmVudFN0eWxlIjpudWxsfSwiUGFyZW50U3R5bGUiOm51bGx9LCJEYXRlU3R5bGUiOnsiJGlkIjoiMTkwIiwiRm9udFNldHRpbmdzIjp7IiRpZCI6IjE5MSIsIkZvbnRTaXplIjoxMCwiRm9udE5hbWUiOiJDYWxpYnJpIiwiSXNCb2xkIjpmYWxzZSwiSXNJdGFsaWMiOmZhbHNlLCJJc1VuZGVybGluZWQiOmZhbHNlLCJQYXJlbnRTdHlsZSI6bnVsbH0sIkF1dG9TaXplIjowLCJGb3JlZ3JvdW5kIjp7IiRpZCI6IjE5MiIsIkNvbG9yIjp7IiRyZWYiOiIxMjEifX0sIk1heFdpZHRoIjoyMDAuMCwiTWF4SGVpZ2h0IjoiSW5maW5pdHkiLCJTbWFydEZvcmVncm91bmRJc0FjdGl2ZSI6ZmFsc2UsIkhvcml6b250YWxBbGlnbm1lbnQiOjAsIlZlcnRpY2FsQWxpZ25tZW50IjowLCJTbWFydEZvcmVncm91bmQiOm51bGwsIkJhY2tncm91bmRGaWxsVHlwZSI6MCwiTWFyZ2luIjp7IiRpZCI6IjE5MyIsIlRvcCI6MCwiTGVmdCI6MCwiUmlnaHQiOjAsIkJvdHRvbSI6MH0sIlBhZGRpbmciOnsiJGlkIjoiMTk0IiwiVG9wIjowLCJMZWZ0IjowLCJSaWdodCI6MCwiQm90dG9tIjowfSwiQmFja2dyb3VuZCI6eyIkcmVmIjoiMTI0In0sIklzVmlzaWJsZSI6dHJ1ZSwiV2lkdGgiOjAuMCwiSGVpZ2h0IjowLjAsIkJvcmRlclN0eWxlIjp7IiRpZCI6IjE5NSIsIkxpbmVDb2xvciI6bnVsbCwiTGluZVdlaWdodCI6MC4wLCJMaW5lVHlwZSI6MCwiUGFyZW50U3R5bGUiOm51bGx9LCJQYXJlbnRTdHlsZSI6bnVsbH0sIkRhdGVGb3JtYXQiOnsiJGlkIjoiMTk2IiwiRm9ybWF0U3RyaW5nIjoiTU1NIGQiLCJTZXBhcmF0b3IiOiIvIiwiVXNlSW50ZXJuYXRpb25hbERhdGVGb3JtYXQiOmZhbHNlLCJEYXRlSXNWaXNpYmxlIjp0cnVlLCJUaW1lSXNWaXNpYmxlIjpmYWxzZSwiSG91ckRpZ2l0cyI6MSwiQW1QbURlc2lnbmF0b3IiOjIsIlRyaW0wME1pbnV0ZXMiOmZhbHNlLCJMYXN0S25vd25WaXNpYmlsaXR5U3RhdGUiOm51bGx9LCJJc1Zpc2libGUiOnRydWUsIlBhcmVudFN0eWxlIjpudWxsfSwiSW5kZXgiOjAsIlNtYXJ0RHVyYXRpb25BY3RpdmF0ZWQiOmZhbHNlLCJEYXRlRm9ybWF0Ijp7IiRyZWYiOiIxOTYifSwiSWQiOiJjZTAxOTMzNy1mMjM5LTRjM2MtOTU2ZS05NTQzMWY0ZDExN2QiLCJJbXBvcnRJZCI6bnVsbCwiVGl0bGUiOiJDb21wcmVuZHJlIGwnb3V0aWwgUk9udG9Ub29scyIsIk5vdGUiOm51bGwsIkh5cGVybGluayI6eyIkaWQiOiIxOTciLCJBZGRyZXNzIjoiIiwiU3ViQWRkcmVzcyI6IiJ9LCJJc0NoYW5nZWQiOmZhbHNlLCJJc05ldyI6ZmFsc2V9LHsiJGlkIjoiMTk4IiwiR3JvdXBOYW1lIjpudWxsLCJTdGFydERhdGUiOiIyMDE5LTExLTExVDAwOjAwOjAwIiwiRW5kRGF0ZSI6IjIwMTktMTItMjBUMjM6NTk6MDAiLCJQZXJjZW50YWdlQ29tcGxldGUiOjIwLjAsIlN0eWxlIjp7IiRpZCI6IjE5OSIsIlNoYXBlIjowLCJTaGFwZVRoaWNrbmVzcyI6MiwiRHVyYXRpb25Gb3JtYXQiOjAsIkluY2x1ZGVOb25Xb3JraW5nRGF5c0luRHVyYXRpb24iOmZhbHNlLCJQZXJjZW50YWdlQ29tcGxldGVTdHlsZSI6eyIkaWQiOiIyMDAiLCJGb250U2V0dGluZ3MiOnsiJGlkIjoiMjAxIiwiRm9udFNpemUiOjEwLCJGb250TmFtZSI6IkNhbGlicmkiLCJJc0JvbGQiOmZhbHNlLCJJc0l0YWxpYyI6ZmFsc2UsIklzVW5kZXJsaW5lZCI6ZmFsc2UsIlBhcmVudFN0eWxlIjpudWxsfSwiQXV0b1NpemUiOjAsIkZvcmVncm91bmQiOnsiJHJlZiI6Ijg1In0sIk1heFdpZHRoIjoyMDAuMCwiTWF4SGVpZ2h0IjoiSW5maW5pdHkiLCJTbWFydEZvcmVncm91bmRJc0FjdGl2ZSI6ZmFsc2UsIkhvcml6b250YWxBbGlnbm1lbnQiOjAsIlZlcnRpY2FsQWxpZ25tZW50IjowLCJTbWFydEZvcmVncm91bmQiOm51bGwsIkJhY2tncm91bmRGaWxsVHlwZSI6MCwiTWFyZ2luIjp7IiRpZCI6IjIwMiIsIlRvcCI6MCwiTGVmdCI6MCwiUmlnaHQiOjAsIkJvdHRvbSI6MH0sIlBhZGRpbmciOnsiJGlkIjoiMjAzIiwiVG9wIjowLCJMZWZ0IjowLCJSaWdodCI6MCwiQm90dG9tIjowfSwiQmFja2dyb3VuZCI6eyIkcmVmIjoiODkifSwiSXNWaXNpYmxlIjp0cnVlLCJXaWR0aCI6MC4wLCJIZWlnaHQiOjAuMCwiQm9yZGVyU3R5bGUiOnsiJGlkIjoiMjA0IiwiTGluZUNvbG9yIjpudWxsLCJMaW5lV2VpZ2h0IjowLjAsIkxpbmVUeXBlIjowLCJQYXJlbnRTdHlsZSI6bnVsbH0sIlBhcmVudFN0eWxlIjpudWxsfSwiRHVyYXRpb25TdHlsZSI6eyIkaWQiOiIyMDUiLCJGb250U2V0dGluZ3MiOnsiJGlkIjoiMjA2IiwiRm9udFNpemUiOjEwLCJGb250TmFtZSI6IkNhbGlicmkiLCJJc0JvbGQiOmZhbHNlLCJJc0l0YWxpYyI6ZmFsc2UsIklzVW5kZXJsaW5lZCI6ZmFsc2UsIlBhcmVudFN0eWxlIjpudWxsfSwiQXV0b1NpemUiOjAsIkZvcmVncm91bmQiOnsiJGlkIjoiMjA3IiwiQ29sb3IiOnsiJHJlZiI6IjkzIn19LCJNYXhXaWR0aCI6MjAwLjAsIk1heEhlaWdodCI6IkluZmluaXR5IiwiU21hcnRGb3JlZ3JvdW5kSXNBY3RpdmUiOmZhbHNlLCJIb3Jpem9udGFsQWxpZ25tZW50IjowLCJWZXJ0aWNhbEFsaWdubWVudCI6MCwiU21hcnRGb3JlZ3JvdW5kIjpudWxsLCJCYWNrZ3JvdW5kRmlsbFR5cGUiOjAsIk1hcmdpbiI6eyIkaWQiOiIyMDgiLCJUb3AiOjAsIkxlZnQiOjAsIlJpZ2h0IjowLCJCb3R0b20iOjB9LCJQYWRkaW5nIjp7IiRpZCI6IjIwOSIsIlRvcCI6MCwiTGVmdCI6MCwiUmlnaHQiOjAsIkJvdHRvbSI6MH0sIkJhY2tncm91bmQiOnsiJHJlZiI6Ijk2In0sIklzVmlzaWJsZSI6dHJ1ZSwiV2lkdGgiOjAuMCwiSGVpZ2h0IjowLjAsIkJvcmRlclN0eWxlIjp7IiRpZCI6IjIxMCIsIkxpbmVDb2xvciI6bnVsbCwiTGluZVdlaWdodCI6MC4wLCJMaW5lVHlwZSI6MCwiUGFyZW50U3R5bGUiOm51bGx9LCJQYXJlbnRTdHlsZSI6bnVsbH0sIkhvcml6b250YWxDb25uZWN0b3JTdHlsZSI6eyIkaWQiOiIyMTEiLCJMaW5lQ29sb3IiOnsiJHJlZiI6Ijk4In0sIkxpbmVXZWlnaHQiOjEuMCwiTGluZVR5cGUiOjAsIlBhcmVudFN0eWxlIjpudWxsfSwiVmVydGljYWxDb25uZWN0b3JTdHlsZSI6eyIkaWQiOiIyMTIiLCJMaW5lQ29sb3IiOnsiJHJlZiI6IjEwMSJ9LCJMaW5lV2VpZ2h0IjoxLjAsIkxpbmVUeXBlIjowLCJQYXJlbnRTdHlsZSI6bnVsbH0sIk1hcmdpbiI6bnVsbCwiU3RhcnREYXRlUG9zaXRpb24iOjQsIkVuZERhdGVQb3NpdGlvbiI6NCwiRGF0ZUlzVmlzaWJsZSI6dHJ1ZSwiVGl0bGVQb3NpdGlvbiI6MiwiRHVyYXRpb25Qb3NpdGlvbiI6NiwiUGVyY2VudGFnZUNvbXBsZXRlZFBvc2l0aW9uIjoyLCJTcGFjaW5nIjo1LCJJc0JlbG93VGltZWJhbmQiOmZhbHNlLCJQZXJjZW50YWdlQ29tcGxldGVTaGFwZU9wYWNpdHkiOjM1LCJTaGFwZVN0eWxlIjp7IiRpZCI6IjIxMyIsIk1hcmdpbiI6eyIkaWQiOiIyMTQiLCJUb3AiOjAsIkxlZnQiOjQsIlJpZ2h0Ijo0LCJCb3R0b20iOjB9LCJQYWRkaW5nIjp7IiRpZCI6IjIxNSIsIlRvcCI6MCwiTGVmdCI6MCwiUmlnaHQiOjAsIkJvdHRvbSI6MH0sIkJhY2tncm91bmQiOnsiJGlkIjoiMjE2IiwiQ29sb3IiOnsiJGlkIjoiMjE3IiwiQSI6MjU1LCJSIjo5MSwiRyI6MTU1LCJCIjoyMTN9fSwiSXNWaXNpYmxlIjp0cnVlLCJXaWR0aCI6MC4wLCJIZWlnaHQiOjIyLjAsIkJvcmRlclN0eWxlIjp7IiRpZCI6IjIxOCIsIkxpbmVDb2xvciI6eyIkcmVmIjoiMTA5In0sIkxpbmVXZWlnaHQiOjAuMCwiTGluZVR5cGUiOjAsIlBhcmVudFN0eWxlIjpudWxsfSwiUGFyZW50U3R5bGUiOm51bGx9LCJUaXRsZVN0eWxlIjp7IiRpZCI6IjIxOSIsIkZvbnRTZXR0aW5ncyI6eyIkaWQiOiIyMjAiLCJGb250U2l6ZSI6MTEsIkZvbnROYW1lIjoiQ2FsaWJyaSIsIklzQm9sZCI6dHJ1ZSwiSXNJdGFsaWMiOmZhbHNlLCJJc1VuZGVybGluZWQiOmZhbHNlLCJQYXJlbnRTdHlsZSI6bnVsbH0sIkF1dG9TaXplIjowLCJGb3JlZ3JvdW5kIjp7IiRpZCI6IjIyMSIsIkNvbG9yIjp7IiRyZWYiOiIxMTQifX0sIk1heFdpZHRoIjo3MjAuMCwiTWF4SGVpZ2h0IjoiSW5maW5pdHkiLCJTbWFydEZvcmVncm91bmRJc0FjdGl2ZSI6ZmFsc2UsIkhvcml6b250YWxBbGlnbm1lbnQiOjEsIlZlcnRpY2FsQWxpZ25tZW50IjowLCJTbWFydEZvcmVncm91bmQiOm51bGwsIkJhY2tncm91bmRGaWxsVHlwZSI6MCwiTWFyZ2luIjp7IiRpZCI6IjIyMiIsIlRvcCI6MCwiTGVmdCI6MCwiUmlnaHQiOjAsIkJvdHRvbSI6MH0sIlBhZGRpbmciOnsiJGlkIjoiMjIzIiwiVG9wIjowLCJMZWZ0IjowLCJSaWdodCI6MCwiQm90dG9tIjowfSwiQmFja2dyb3VuZCI6eyIkcmVmIjoiMTE3In0sIklzVmlzaWJsZSI6dHJ1ZSwiV2lkdGgiOjAuMCwiSGVpZ2h0IjowLjAsIkJvcmRlclN0eWxlIjp7IiRpZCI6IjIyNCIsIkxpbmVDb2xvciI6bnVsbCwiTGluZVdlaWdodCI6MC4wLCJMaW5lVHlwZSI6MCwiUGFyZW50U3R5bGUiOm51bGx9LCJQYXJlbnRTdHlsZSI6bnVsbH0sIkRhdGVTdHlsZSI6eyIkaWQiOiIyMjUiLCJGb250U2V0dGluZ3MiOnsiJGlkIjoiMjI2IiwiRm9udFNpemUiOjEwLCJGb250TmFtZSI6IkNhbGlicmkiLCJJc0JvbGQiOmZhbHNlLCJJc0l0YWxpYyI6ZmFsc2UsIklzVW5kZXJsaW5lZCI6ZmFsc2UsIlBhcmVudFN0eWxlIjpudWxsfSwiQXV0b1NpemUiOjAsIkZvcmVncm91bmQiOnsiJGlkIjoiMjI3IiwiQ29sb3IiOnsiJHJlZiI6IjEyMSJ9fSwiTWF4V2lkdGgiOjIwMC4wLCJNYXhIZWlnaHQiOiJJbmZpbml0eSIsIlNtYXJ0Rm9yZWdyb3VuZElzQWN0aXZlIjpmYWxzZSwiSG9yaXpvbnRhbEFsaWdubWVudCI6MCwiVmVydGljYWxBbGlnbm1lbnQiOjAsIlNtYXJ0Rm9yZWdyb3VuZCI6bnVsbCwiQmFja2dyb3VuZEZpbGxUeXBlIjowLCJNYXJnaW4iOnsiJGlkIjoiMjI4IiwiVG9wIjowLCJMZWZ0IjowLCJSaWdodCI6MCwiQm90dG9tIjowfSwiUGFkZGluZyI6eyIkaWQiOiIyMjkiLCJUb3AiOjAsIkxlZnQiOjAsIlJpZ2h0IjowLCJCb3R0b20iOjB9LCJCYWNrZ3JvdW5kIjp7IiRyZWYiOiIxMjQifSwiSXNWaXNpYmxlIjp0cnVlLCJXaWR0aCI6MC4wLCJIZWlnaHQiOjAuMCwiQm9yZGVyU3R5bGUiOnsiJGlkIjoiMjMwIiwiTGluZUNvbG9yIjpudWxsLCJMaW5lV2VpZ2h0IjowLjAsIkxpbmVUeXBlIjowLCJQYXJlbnRTdHlsZSI6bnVsbH0sIlBhcmVudFN0eWxlIjpudWxsfSwiRGF0ZUZvcm1hdCI6eyIkaWQiOiIyMzEiLCJGb3JtYXRTdHJpbmciOiJNTU0gZCIsIlNlcGFyYXRvciI6Ii8iLCJVc2VJbnRlcm5hdGlvbmFsRGF0ZUZvcm1hdCI6ZmFsc2UsIkRhdGVJc1Zpc2libGUiOnRydWUsIlRpbWVJc1Zpc2libGUiOmZhbHNlLCJIb3VyRGlnaXRzIjoxLCJBbVBtRGVzaWduYXRvciI6MiwiVHJpbTAwTWludXRlcyI6ZmFsc2UsIkxhc3RLbm93blZpc2liaWxpdHlTdGF0ZSI6bnVsbH0sIklzVmlzaWJsZSI6dHJ1ZSwiUGFyZW50U3R5bGUiOm51bGx9LCJJbmRleCI6MSwiU21hcnREdXJhdGlvbkFjdGl2YXRlZCI6ZmFsc2UsIkRhdGVGb3JtYXQiOnsiJHJlZiI6IjIzMSJ9LCJJZCI6IjE2ODQyZjMyLWViZDMtNDEzZS1hMGJlLTlhMTBiZTNlN2VlOSIsIkltcG9ydElkIjpudWxsLCJUaXRsZSI6IkNyw6llciBsJ2ludGVyZmFjZSB3ZWIiLCJOb3RlIjpudWxsLCJIeXBlcmxpbmsiOnsiJGlkIjoiMjMyIiwiQWRkcmVzcyI6IiIsIlN1YkFkZHJlc3MiOiIifSwiSXNDaGFuZ2VkIjpmYWxzZSwiSXNOZXciOmZhbHNlfSx7IiRpZCI6IjIzMyIsIkdyb3VwTmFtZSI6bnVsbCwiU3RhcnREYXRlIjoiMjAxOS0xMS0xMVQwMDowMDowMCIsIkVuZERhdGUiOiIyMDE5LTExLTIyVDIzOjU5OjAwIiwiUGVyY2VudGFnZUNvbXBsZXRlIjoxMDAuMCwiU3R5bGUiOnsiJGlkIjoiMjM0IiwiU2hhcGUiOjAsIlNoYXBlVGhpY2tuZXNzIjoyLCJEdXJhdGlvbkZvcm1hdCI6MCwiSW5jbHVkZU5vbldvcmtpbmdEYXlzSW5EdXJhdGlvbiI6ZmFsc2UsIlBlcmNlbnRhZ2VDb21wbGV0ZVN0eWxlIjp7IiRpZCI6IjIzNSIsIkZvbnRTZXR0aW5ncyI6eyIkaWQiOiIyMzYiLCJGb250U2l6ZSI6MTAsIkZvbnROYW1lIjoiQ2FsaWJyaSIsIklzQm9sZCI6ZmFsc2UsIklzSXRhbGljIjpmYWxzZSwiSXNVbmRlcmxpbmVkIjpmYWxzZSwiUGFyZW50U3R5bGUiOm51bGx9LCJBdXRvU2l6ZSI6MCwiRm9yZWdyb3VuZCI6eyIkcmVmIjoiODUifSwiTWF4V2lkdGgiOjIwMC4wLCJNYXhIZWlnaHQiOiJJbmZpbml0eSIsIlNtYXJ0Rm9yZWdyb3VuZElzQWN0aXZlIjpmYWxzZSwiSG9yaXpvbnRhbEFsaWdubWVudCI6MCwiVmVydGljYWxBbGlnbm1lbnQiOjAsIlNtYXJ0Rm9yZWdyb3VuZCI6bnVsbCwiQmFja2dyb3VuZEZpbGxUeXBlIjowLCJNYXJnaW4iOnsiJGlkIjoiMjM3IiwiVG9wIjowLCJMZWZ0IjowLCJSaWdodCI6MCwiQm90dG9tIjowfSwiUGFkZGluZyI6eyIkaWQiOiIyMzgiLCJUb3AiOjAsIkxlZnQiOjAsIlJpZ2h0IjowLCJCb3R0b20iOjB9LCJCYWNrZ3JvdW5kIjp7IiRyZWYiOiI4OSJ9LCJJc1Zpc2libGUiOnRydWUsIldpZHRoIjowLjAsIkhlaWdodCI6MC4wLCJCb3JkZXJTdHlsZSI6eyIkaWQiOiIyMzkiLCJMaW5lQ29sb3IiOm51bGwsIkxpbmVXZWlnaHQiOjAuMCwiTGluZVR5cGUiOjAsIlBhcmVudFN0eWxlIjpudWxsfSwiUGFyZW50U3R5bGUiOm51bGx9LCJEdXJhdGlvblN0eWxlIjp7IiRpZCI6IjI0MCIsIkZvbnRTZXR0aW5ncyI6eyIkaWQiOiIyNDEiLCJGb250U2l6ZSI6MTAsIkZvbnROYW1lIjoiQ2FsaWJyaSIsIklzQm9sZCI6ZmFsc2UsIklzSXRhbGljIjpmYWxzZSwiSXNVbmRlcmxpbmVkIjpmYWxzZSwiUGFyZW50U3R5bGUiOm51bGx9LCJBdXRvU2l6ZSI6MCwiRm9yZWdyb3VuZCI6eyIkaWQiOiIyNDIiLCJDb2xvciI6eyIkcmVmIjoiOTMifX0sIk1heFdpZHRoIjoyMDAuMCwiTWF4SGVpZ2h0IjoiSW5maW5pdHkiLCJTbWFydEZvcmVncm91bmRJc0FjdGl2ZSI6ZmFsc2UsIkhvcml6b250YWxBbGlnbm1lbnQiOjAsIlZlcnRpY2FsQWxpZ25tZW50IjowLCJTbWFydEZvcmVncm91bmQiOm51bGwsIkJhY2tncm91bmRGaWxsVHlwZSI6MCwiTWFyZ2luIjp7IiRpZCI6IjI0MyIsIlRvcCI6MCwiTGVmdCI6MCwiUmlnaHQiOjAsIkJvdHRvbSI6MH0sIlBhZGRpbmciOnsiJGlkIjoiMjQ0IiwiVG9wIjowLCJMZWZ0IjowLCJSaWdodCI6MCwiQm90dG9tIjowfSwiQmFja2dyb3VuZCI6eyIkcmVmIjoiOTYifSwiSXNWaXNpYmxlIjp0cnVlLCJXaWR0aCI6MC4wLCJIZWlnaHQiOjAuMCwiQm9yZGVyU3R5bGUiOnsiJGlkIjoiMjQ1IiwiTGluZUNvbG9yIjpudWxsLCJMaW5lV2VpZ2h0IjowLjAsIkxpbmVUeXBlIjowLCJQYXJlbnRTdHlsZSI6bnVsbH0sIlBhcmVudFN0eWxlIjpudWxsfSwiSG9yaXpvbnRhbENvbm5lY3RvclN0eWxlIjp7IiRpZCI6IjI0NiIsIkxpbmVDb2xvciI6eyIkcmVmIjoiOTgifSwiTGluZVdlaWdodCI6MS4wLCJMaW5lVHlwZSI6MCwiUGFyZW50U3R5bGUiOm51bGx9LCJWZXJ0aWNhbENvbm5lY3RvclN0eWxlIjp7IiRpZCI6IjI0NyIsIkxpbmVDb2xvciI6eyIkcmVmIjoiMTAxIn0sIkxpbmVXZWlnaHQiOjEuMCwiTGluZVR5cGUiOjAsIlBhcmVudFN0eWxlIjpudWxsfSwiTWFyZ2luIjpudWxsLCJTdGFydERhdGVQb3NpdGlvbiI6NCwiRW5kRGF0ZVBvc2l0aW9uIjo0LCJEYXRlSXNWaXNpYmxlIjp0cnVlLCJUaXRsZVBvc2l0aW9uIjozLCJEdXJhdGlvblBvc2l0aW9uIjo2LCJQZXJjZW50YWdlQ29tcGxldGVkUG9zaXRpb24iOjIsIlNwYWNpbmciOjUsIklzQmVsb3dUaW1lYmFuZCI6ZmFsc2UsIlBlcmNlbnRhZ2VDb21wbGV0ZVNoYXBlT3BhY2l0eSI6MzUsIlNoYXBlU3R5bGUiOnsiJGlkIjoiMjQ4IiwiTWFyZ2luIjp7IiRpZCI6IjI0OSIsIlRvcCI6MCwiTGVmdCI6NCwiUmlnaHQiOjQsIkJvdHRvbSI6MH0sIlBhZGRpbmciOnsiJGlkIjoiMjUwIiwiVG9wIjowLCJMZWZ0IjowLCJSaWdodCI6MCwiQm90dG9tIjowfSwiQmFja2dyb3VuZCI6eyIkaWQiOiIyNTEiLCJDb2xvciI6eyIkaWQiOiIyNTIiLCJBIjoyNTUsIlIiOjIzNywiRyI6MTI1LCJCIjo0OX19LCJJc1Zpc2libGUiOnRydWUsIldpZHRoIjowLjAsIkhlaWdodCI6MjIuMCwiQm9yZGVyU3R5bGUiOnsiJGlkIjoiMjUzIiwiTGluZUNvbG9yIjp7IiRyZWYiOiIxMDkifSwiTGluZVdlaWdodCI6MC4wLCJMaW5lVHlwZSI6MCwiUGFyZW50U3R5bGUiOm51bGx9LCJQYXJlbnRTdHlsZSI6bnVsbH0sIlRpdGxlU3R5bGUiOnsiJGlkIjoiMjU0IiwiRm9udFNldHRpbmdzIjp7IiRpZCI6IjI1NSIsIkZvbnRTaXplIjoxMSwiRm9udE5hbWUiOiJDYWxpYnJpIiwiSXNCb2xkIjp0cnVlLCJJc0l0YWxpYyI6ZmFsc2UsIklzVW5kZXJsaW5lZCI6ZmFsc2UsIlBhcmVudFN0eWxlIjpudWxsfSwiQXV0b1NpemUiOjAsIkZvcmVncm91bmQiOnsiJGlkIjoiMjU2IiwiQ29sb3IiOnsiJHJlZiI6IjExNCJ9fSwiTWF4V2lkdGgiOjcyMC4wLCJNYXhIZWlnaHQiOiJJbmZpbml0eSIsIlNtYXJ0Rm9yZWdyb3VuZElzQWN0aXZlIjpmYWxzZSwiSG9yaXpvbnRhbEFsaWdubWVudCI6MiwiVmVydGljYWxBbGlnbm1lbnQiOjAsIlNtYXJ0Rm9yZWdyb3VuZCI6bnVsbCwiQmFja2dyb3VuZEZpbGxUeXBlIjowLCJNYXJnaW4iOnsiJGlkIjoiMjU3IiwiVG9wIjowLCJMZWZ0IjowLCJSaWdodCI6MCwiQm90dG9tIjowfSwiUGFkZGluZyI6eyIkaWQiOiIyNTgiLCJUb3AiOjAsIkxlZnQiOjAsIlJpZ2h0IjowLCJCb3R0b20iOjB9LCJCYWNrZ3JvdW5kIjp7IiRyZWYiOiIxMTcifSwiSXNWaXNpYmxlIjp0cnVlLCJXaWR0aCI6MC4wLCJIZWlnaHQiOjAuMCwiQm9yZGVyU3R5bGUiOnsiJGlkIjoiMjU5IiwiTGluZUNvbG9yIjpudWxsLCJMaW5lV2VpZ2h0IjowLjAsIkxpbmVUeXBlIjowLCJQYXJlbnRTdHlsZSI6bnVsbH0sIlBhcmVudFN0eWxlIjpudWxsfSwiRGF0ZVN0eWxlIjp7IiRpZCI6IjI2MCIsIkZvbnRTZXR0aW5ncyI6eyIkaWQiOiIyNjEiLCJGb250U2l6ZSI6MTAsIkZvbnROYW1lIjoiQ2FsaWJyaSIsIklzQm9sZCI6ZmFsc2UsIklzSXRhbGljIjpmYWxzZSwiSXNVbmRlcmxpbmVkIjpmYWxzZSwiUGFyZW50U3R5bGUiOm51bGx9LCJBdXRvU2l6ZSI6MCwiRm9yZWdyb3VuZCI6eyIkaWQiOiIyNjIiLCJDb2xvciI6eyIkcmVmIjoiMTIxIn19LCJNYXhXaWR0aCI6MjAwLjAsIk1heEhlaWdodCI6IkluZmluaXR5IiwiU21hcnRGb3JlZ3JvdW5kSXNBY3RpdmUiOmZhbHNlLCJIb3Jpem9udGFsQWxpZ25tZW50IjowLCJWZXJ0aWNhbEFsaWdubWVudCI6MCwiU21hcnRGb3JlZ3JvdW5kIjpudWxsLCJCYWNrZ3JvdW5kRmlsbFR5cGUiOjAsIk1hcmdpbiI6eyIkaWQiOiIyNjMiLCJUb3AiOjAsIkxlZnQiOjAsIlJpZ2h0IjowLCJCb3R0b20iOjB9LCJQYWRkaW5nIjp7IiRpZCI6IjI2NCIsIlRvcCI6MCwiTGVmdCI6MCwiUmlnaHQiOjAsIkJvdHRvbSI6MH0sIkJhY2tncm91bmQiOnsiJHJlZiI6IjEyNCJ9LCJJc1Zpc2libGUiOnRydWUsIldpZHRoIjowLjAsIkhlaWdodCI6MC4wLCJCb3JkZXJTdHlsZSI6eyIkaWQiOiIyNjUiLCJMaW5lQ29sb3IiOm51bGwsIkxpbmVXZWlnaHQiOjAuMCwiTGluZVR5cGUiOjAsIlBhcmVudFN0eWxlIjpudWxsfSwiUGFyZW50U3R5bGUiOm51bGx9LCJEYXRlRm9ybWF0Ijp7IiRpZCI6IjI2NiIsIkZvcm1hdFN0cmluZyI6Ik1NTSBkIiwiU2VwYXJhdG9yIjoiLyIsIlVzZUludGVybmF0aW9uYWxEYXRlRm9ybWF0IjpmYWxzZSwiRGF0ZUlzVmlzaWJsZSI6dHJ1ZSwiVGltZUlzVmlzaWJsZSI6ZmFsc2UsIkhvdXJEaWdpdHMiOjEsIkFtUG1EZXNpZ25hdG9yIjoyLCJUcmltMDBNaW51dGVzIjpmYWxzZSwiTGFzdEtub3duVmlzaWJpbGl0eVN0YXRlIjpudWxsfSwiSXNWaXNpYmxlIjp0cnVlLCJQYXJlbnRTdHlsZSI6bnVsbH0sIkluZGV4IjoyLCJTbWFydER1cmF0aW9uQWN0aXZhdGVkIjpmYWxzZSwiRGF0ZUZvcm1hdCI6eyIkcmVmIjoiMjY2In0sIklkIjoiNDYzNGVmZmQtMTAzZi00NGIwLTg2MjYtNWU5ZDU2MzU2MzQwIiwiSW1wb3J0SWQiOm51bGwsIlRpdGxlIjoiw4ljcmlyZSBsZXMgZGlmZsOpcmVudHMgc2NyaXB0IGZvbmN0aW9ubmVscyAiLCJOb3RlIjoiZTF4eWRHWXhYR0Z1YzJsY1lXNXphV053WnpFeU5USmNkV014WEdoMGJXRjFkSE53WEdSbFptWXllMXhtYjI1MGRHSnNlMXhtTUZ4bVkyaGhjbk5sZERBZ1ZHbHRaWE1nVG1WM0lGSnZiV0Z1TzMxN1hHWXlYR1pqYUdGeWMyVjBNQ0JUWldkdlpTQlZTVHQ5Zlh0Y1kyOXNiM0owWW14Y2NtVmtNRnhuY21WbGJqQmNZbXgxWlRBN1hISmxaREkxTlZ4bmNtVmxiakkxTlZ4aWJIVmxNalUxTzF4eVpXUTFNVnhuY21WbGJqVXhYR0pzZFdVMU1UdDlYR3h2WTJoY2FHbGphRnhrWW1Ob1hIQmhjbVJjY0d4aGFXNWNiSFJ5Y0dGeVhHbDBZWEF3ZTF4c1lXNW5NVEF6TTF4bWN6RTRYR1l5WEdObU1pQmNZMll5WEhGc2UxeG1NaUI3WEd4aGJtY3hNRE0yWEd4MGNtTm9JRElnYzJWdFlXbHVaWE45WEd4cE1GeHlhVEJjYzJFd1hITmlNRnhtYVRCY2NXeGNjR0Z5ZlEwS2ZRMEtmUT09IiwiSHlwZXJsaW5rIjp7IiRpZCI6IjI2NyIsIkFkZHJlc3MiOiIiLCJTdWJBZGRyZXNzIjoiIn0sIklzQ2hhbmdlZCI6ZmFsc2UsIklzTmV3IjpmYWxzZX0seyIkaWQiOiIyNjgiLCJHcm91cE5hbWUiOm51bGwsIlN0YXJ0RGF0ZSI6IjIwMTktMTItMDlUMDA6MDA6MDBaIiwiRW5kRGF0ZSI6IjIwMTktMTItMjBUMjM6NTk6MDAiLCJQZXJjZW50YWdlQ29tcGxldGUiOm51bGwsIlN0eWxlIjp7IiRpZCI6IjI2OSIsIlNoYXBlIjowLCJTaGFwZVRoaWNrbmVzcyI6MiwiRHVyYXRpb25Gb3JtYXQiOjAsIkluY2x1ZGVOb25Xb3JraW5nRGF5c0luRHVyYXRpb24iOmZhbHNlLCJQZXJjZW50YWdlQ29tcGxldGVTdHlsZSI6eyIkaWQiOiIyNzAiLCJGb250U2V0dGluZ3MiOnsiJGlkIjoiMjcxIiwiRm9udFNpemUiOjEwLCJGb250TmFtZSI6IkNhbGlicmkiLCJJc0JvbGQiOmZhbHNlLCJJc0l0YWxpYyI6ZmFsc2UsIklzVW5kZXJsaW5lZCI6ZmFsc2UsIlBhcmVudFN0eWxlIjpudWxsfSwiQXV0b1NpemUiOjAsIkZvcmVncm91bmQiOnsiJHJlZiI6Ijg1In0sIk1heFdpZHRoIjoyMDAuMCwiTWF4SGVpZ2h0IjoiSW5maW5pdHkiLCJTbWFydEZvcmVncm91bmRJc0FjdGl2ZSI6ZmFsc2UsIkhvcml6b250YWxBbGlnbm1lbnQiOjAsIlZlcnRpY2FsQWxpZ25tZW50IjowLCJTbWFydEZvcmVncm91bmQiOm51bGwsIkJhY2tncm91bmRGaWxsVHlwZSI6MCwiTWFyZ2luIjp7IiRpZCI6IjI3MiIsIlRvcCI6MCwiTGVmdCI6MCwiUmlnaHQiOjAsIkJvdHRvbSI6MH0sIlBhZGRpbmciOnsiJGlkIjoiMjczIiwiVG9wIjowLCJMZWZ0IjowLCJSaWdodCI6MCwiQm90dG9tIjowfSwiQmFja2dyb3VuZCI6eyIkcmVmIjoiODkifSwiSXNWaXNpYmxlIjp0cnVlLCJXaWR0aCI6MC4wLCJIZWlnaHQiOjAuMCwiQm9yZGVyU3R5bGUiOnsiJGlkIjoiMjc0IiwiTGluZUNvbG9yIjpudWxsLCJMaW5lV2VpZ2h0IjowLjAsIkxpbmVUeXBlIjowLCJQYXJlbnRTdHlsZSI6bnVsbH0sIlBhcmVudFN0eWxlIjpudWxsfSwiRHVyYXRpb25TdHlsZSI6eyIkaWQiOiIyNzUiLCJGb250U2V0dGluZ3MiOnsiJGlkIjoiMjc2IiwiRm9udFNpemUiOjEwLCJGb250TmFtZSI6IkNhbGlicmkiLCJJc0JvbGQiOmZhbHNlLCJJc0l0YWxpYyI6ZmFsc2UsIklzVW5kZXJsaW5lZCI6ZmFsc2UsIlBhcmVudFN0eWxlIjpudWxsfSwiQXV0b1NpemUiOjAsIkZvcmVncm91bmQiOnsiJGlkIjoiMjc3IiwiQ29sb3IiOnsiJHJlZiI6IjkzIn19LCJNYXhXaWR0aCI6MjAwLjAsIk1heEhlaWdodCI6IkluZmluaXR5IiwiU21hcnRGb3JlZ3JvdW5kSXNBY3RpdmUiOmZhbHNlLCJIb3Jpem9udGFsQWxpZ25tZW50IjowLCJWZXJ0aWNhbEFsaWdubWVudCI6MCwiU21hcnRGb3JlZ3JvdW5kIjpudWxsLCJCYWNrZ3JvdW5kRmlsbFR5cGUiOjAsIk1hcmdpbiI6eyIkaWQiOiIyNzgiLCJUb3AiOjAsIkxlZnQiOjAsIlJpZ2h0IjowLCJCb3R0b20iOjB9LCJQYWRkaW5nIjp7IiRpZCI6IjI3OSIsIlRvcCI6MCwiTGVmdCI6MCwiUmlnaHQiOjAsIkJvdHRvbSI6MH0sIkJhY2tncm91bmQiOnsiJHJlZiI6Ijk2In0sIklzVmlzaWJsZSI6dHJ1ZSwiV2lkdGgiOjAuMCwiSGVpZ2h0IjowLjAsIkJvcmRlclN0eWxlIjp7IiRpZCI6IjI4MCIsIkxpbmVDb2xvciI6bnVsbCwiTGluZVdlaWdodCI6MC4wLCJMaW5lVHlwZSI6MCwiUGFyZW50U3R5bGUiOm51bGx9LCJQYXJlbnRTdHlsZSI6bnVsbH0sIkhvcml6b250YWxDb25uZWN0b3JTdHlsZSI6eyIkaWQiOiIyODEiLCJMaW5lQ29sb3IiOnsiJHJlZiI6Ijk4In0sIkxpbmVXZWlnaHQiOjEuMCwiTGluZVR5cGUiOjAsIlBhcmVudFN0eWxlIjpudWxsfSwiVmVydGljYWxDb25uZWN0b3JTdHlsZSI6eyIkaWQiOiIyODIiLCJMaW5lQ29sb3IiOnsiJHJlZiI6IjEwMSJ9LCJMaW5lV2VpZ2h0IjoxLjAsIkxpbmVUeXBlIjowLCJQYXJlbnRTdHlsZSI6bnVsbH0sIk1hcmdpbiI6bnVsbCwiU3RhcnREYXRlUG9zaXRpb24iOjQsIkVuZERhdGVQb3NpdGlvbiI6NCwiRGF0ZUlzVmlzaWJsZSI6dHJ1ZSwiVGl0bGVQb3NpdGlvbiI6MywiRHVyYXRpb25Qb3NpdGlvbiI6NiwiUGVyY2VudGFnZUNvbXBsZXRlZFBvc2l0aW9uIjo2LCJTcGFjaW5nIjo1LCJJc0JlbG93VGltZWJhbmQiOmZhbHNlLCJQZXJjZW50YWdlQ29tcGxldGVTaGFwZU9wYWNpdHkiOjM1LCJTaGFwZVN0eWxlIjp7IiRpZCI6IjI4MyIsIk1hcmdpbiI6eyIkaWQiOiIyODQiLCJUb3AiOjAsIkxlZnQiOjQsIlJpZ2h0Ijo0LCJCb3R0b20iOjB9LCJQYWRkaW5nIjp7IiRpZCI6IjI4NSIsIlRvcCI6MCwiTGVmdCI6MCwiUmlnaHQiOjAsIkJvdHRvbSI6MH0sIkJhY2tncm91bmQiOnsiJGlkIjoiMjg2IiwiQ29sb3IiOnsiJGlkIjoiMjg3IiwiQSI6MjU1LCJSIjoyMzcsIkciOjEyNSwiQiI6NDl9fSwiSXNWaXNpYmxlIjp0cnVlLCJXaWR0aCI6MC4wLCJIZWlnaHQiOjIyLjAsIkJvcmRlclN0eWxlIjp7IiRpZCI6IjI4OCIsIkxpbmVDb2xvciI6eyIkcmVmIjoiMTA5In0sIkxpbmVXZWlnaHQiOjAuMCwiTGluZVR5cGUiOjAsIlBhcmVudFN0eWxlIjpudWxsfSwiUGFyZW50U3R5bGUiOm51bGx9LCJUaXRsZVN0eWxlIjp7IiRpZCI6IjI4OSIsIkZvbnRTZXR0aW5ncyI6eyIkaWQiOiIyOTAiLCJGb250U2l6ZSI6MTEsIkZvbnROYW1lIjoiQ2FsaWJyaSIsIklzQm9sZCI6dHJ1ZSwiSXNJdGFsaWMiOmZhbHNlLCJJc1VuZGVybGluZWQiOmZhbHNlLCJQYXJlbnRTdHlsZSI6bnVsbH0sIkF1dG9TaXplIjowLCJGb3JlZ3JvdW5kIjp7IiRpZCI6IjI5MSIsIkNvbG9yIjp7IiRyZWYiOiIxMTQifX0sIk1heFdpZHRoIjo3MjAuMCwiTWF4SGVpZ2h0IjoiSW5maW5pdHkiLCJTbWFydEZvcmVncm91bmRJc0FjdGl2ZSI6ZmFsc2UsIkhvcml6b250YWxBbGlnbm1lbnQiOjIsIlZlcnRpY2FsQWxpZ25tZW50IjowLCJTbWFydEZvcmVncm91bmQiOm51bGwsIkJhY2tncm91bmRGaWxsVHlwZSI6MCwiTWFyZ2luIjp7IiRpZCI6IjI5MiIsIlRvcCI6MCwiTGVmdCI6MCwiUmlnaHQiOjAsIkJvdHRvbSI6MH0sIlBhZGRpbmciOnsiJGlkIjoiMjkzIiwiVG9wIjowLCJMZWZ0IjowLCJSaWdodCI6MCwiQm90dG9tIjowfSwiQmFja2dyb3VuZCI6eyIkcmVmIjoiMTE3In0sIklzVmlzaWJsZSI6dHJ1ZSwiV2lkdGgiOjAuMCwiSGVpZ2h0IjowLjAsIkJvcmRlclN0eWxlIjp7IiRpZCI6IjI5NCIsIkxpbmVDb2xvciI6bnVsbCwiTGluZVdlaWdodCI6MC4wLCJMaW5lVHlwZSI6MCwiUGFyZW50U3R5bGUiOm51bGx9LCJQYXJlbnRTdHlsZSI6bnVsbH0sIkRhdGVTdHlsZSI6eyIkaWQiOiIyOTUiLCJGb250U2V0dGluZ3MiOnsiJGlkIjoiMjk2IiwiRm9udFNpemUiOjEwLCJGb250TmFtZSI6IkNhbGlicmkiLCJJc0JvbGQiOmZhbHNlLCJJc0l0YWxpYyI6ZmFsc2UsIklzVW5kZXJsaW5lZCI6ZmFsc2UsIlBhcmVudFN0eWxlIjpudWxsfSwiQXV0b1NpemUiOjAsIkZvcmVncm91bmQiOnsiJGlkIjoiMjk3IiwiQ29sb3IiOnsiJHJlZiI6IjEyMSJ9fSwiTWF4V2lkdGgiOjIwMC4wLCJNYXhIZWlnaHQiOiJJbmZpbml0eSIsIlNtYXJ0Rm9yZWdyb3VuZElzQWN0aXZlIjpmYWxzZSwiSG9yaXpvbnRhbEFsaWdubWVudCI6MCwiVmVydGljYWxBbGlnbm1lbnQiOjAsIlNtYXJ0Rm9yZWdyb3VuZCI6bnVsbCwiQmFja2dyb3VuZEZpbGxUeXBlIjowLCJNYXJnaW4iOnsiJGlkIjoiMjk4IiwiVG9wIjowLCJMZWZ0IjowLCJSaWdodCI6MCwiQm90dG9tIjowfSwiUGFkZGluZyI6eyIkaWQiOiIyOTkiLCJUb3AiOjAsIkxlZnQiOjAsIlJpZ2h0IjowLCJCb3R0b20iOjB9LCJCYWNrZ3JvdW5kIjp7IiRyZWYiOiIxMjQifSwiSXNWaXNpYmxlIjp0cnVlLCJXaWR0aCI6MC4wLCJIZWlnaHQiOjAuMCwiQm9yZGVyU3R5bGUiOnsiJGlkIjoiMzAwIiwiTGluZUNvbG9yIjpudWxsLCJMaW5lV2VpZ2h0IjowLjAsIkxpbmVUeXBlIjowLCJQYXJlbnRTdHlsZSI6bnVsbH0sIlBhcmVudFN0eWxlIjpudWxsfSwiRGF0ZUZvcm1hdCI6eyIkaWQiOiIzMDEiLCJGb3JtYXRTdHJpbmciOiJNTU0gZCIsIlNlcGFyYXRvciI6Ii8iLCJVc2VJbnRlcm5hdGlvbmFsRGF0ZUZvcm1hdCI6ZmFsc2UsIkRhdGVJc1Zpc2libGUiOnRydWUsIlRpbWVJc1Zpc2libGUiOmZhbHNlLCJIb3VyRGlnaXRzIjoxLCJBbVBtRGVzaWduYXRvciI6MiwiVHJpbTAwTWludXRlcyI6ZmFsc2UsIkxhc3RLbm93blZpc2liaWxpdHlTdGF0ZSI6bnVsbH0sIklzVmlzaWJsZSI6dHJ1ZSwiUGFyZW50U3R5bGUiOm51bGx9LCJJbmRleCI6MywiU21hcnREdXJhdGlvbkFjdGl2YXRlZCI6ZmFsc2UsIkRhdGVGb3JtYXQiOnsiJHJlZiI6IjMwMSJ9LCJJZCI6ImVhZWE4YWIzLWQ3YjgtNGVjMC05MzNiLTQ3ODllMGM1ZGNlMyIsIkltcG9ydElkIjpudWxsLCJUaXRsZSI6IlLDqXVuaXIgbGVzIHNjcmlwdHMgZW4gdW4gc2V1bCAiLCJOb3RlIjpudWxsLCJIeXBlcmxpbmsiOnsiJGlkIjoiMzAyIiwiQWRkcmVzcyI6IiIsIlN1YkFkZHJlc3MiOiIifSwiSXNDaGFuZ2VkIjpmYWxzZSwiSXNOZXciOmZhbHNlfSx7IiRpZCI6IjMwMyIsIkdyb3VwTmFtZSI6bnVsbCwiU3RhcnREYXRlIjoiMjAyMC0wMS0xM1QwMDowMDowMFoiLCJFbmREYXRlIjoiMjAyMC0wMi0yMVQyMzo1OTowMCIsIlBlcmNlbnRhZ2VDb21wbGV0ZSI6bnVsbCwiU3R5bGUiOnsiJGlkIjoiMzA0IiwiU2hhcGUiOjAsIlNoYXBlVGhpY2tuZXNzIjoyLCJEdXJhdGlvbkZvcm1hdCI6MCwiSW5jbHVkZU5vbldvcmtpbmdEYXlzSW5EdXJhdGlvbiI6ZmFsc2UsIlBlcmNlbnRhZ2VDb21wbGV0ZVN0eWxlIjp7IiRpZCI6IjMwNSIsIkZvbnRTZXR0aW5ncyI6eyIkaWQiOiIzMDYiLCJGb250U2l6ZSI6MTAsIkZvbnROYW1lIjoiQ2FsaWJyaSIsIklzQm9sZCI6ZmFsc2UsIklzSXRhbGljIjpmYWxzZSwiSXNVbmRlcmxpbmVkIjpmYWxzZSwiUGFyZW50U3R5bGUiOm51bGx9LCJBdXRvU2l6ZSI6MCwiRm9yZWdyb3VuZCI6eyIkcmVmIjoiODUifSwiTWF4V2lkdGgiOjIwMC4wLCJNYXhIZWlnaHQiOiJJbmZpbml0eSIsIlNtYXJ0Rm9yZWdyb3VuZElzQWN0aXZlIjpmYWxzZSwiSG9yaXpvbnRhbEFsaWdubWVudCI6MCwiVmVydGljYWxBbGlnbm1lbnQiOjAsIlNtYXJ0Rm9yZWdyb3VuZCI6bnVsbCwiQmFja2dyb3VuZEZpbGxUeXBlIjowLCJNYXJnaW4iOnsiJGlkIjoiMzA3IiwiVG9wIjowLCJMZWZ0IjowLCJSaWdodCI6MCwiQm90dG9tIjowfSwiUGFkZGluZyI6eyIkaWQiOiIzMDgiLCJUb3AiOjAsIkxlZnQiOjAsIlJpZ2h0IjowLCJCb3R0b20iOjB9LCJCYWNrZ3JvdW5kIjp7IiRyZWYiOiI4OSJ9LCJJc1Zpc2libGUiOnRydWUsIldpZHRoIjowLjAsIkhlaWdodCI6MC4wLCJCb3JkZXJTdHlsZSI6eyIkaWQiOiIzMDkiLCJMaW5lQ29sb3IiOm51bGwsIkxpbmVXZWlnaHQiOjAuMCwiTGluZVR5cGUiOjAsIlBhcmVudFN0eWxlIjpudWxsfSwiUGFyZW50U3R5bGUiOm51bGx9LCJEdXJhdGlvblN0eWxlIjp7IiRpZCI6IjMxMCIsIkZvbnRTZXR0aW5ncyI6eyIkaWQiOiIzMTEiLCJGb250U2l6ZSI6MTAsIkZvbnROYW1lIjoiQ2FsaWJyaSIsIklzQm9sZCI6ZmFsc2UsIklzSXRhbGljIjpmYWxzZSwiSXNVbmRlcmxpbmVkIjpmYWxzZSwiUGFyZW50U3R5bGUiOm51bGx9LCJBdXRvU2l6ZSI6MCwiRm9yZWdyb3VuZCI6eyIkaWQiOiIzMTIiLCJDb2xvciI6eyIkcmVmIjoiOTMifX0sIk1heFdpZHRoIjoyMDAuMCwiTWF4SGVpZ2h0IjoiSW5maW5pdHkiLCJTbWFydEZvcmVncm91bmRJc0FjdGl2ZSI6ZmFsc2UsIkhvcml6b250YWxBbGlnbm1lbnQiOjAsIlZlcnRpY2FsQWxpZ25tZW50IjowLCJTbWFydEZvcmVncm91bmQiOm51bGwsIkJhY2tncm91bmRGaWxsVHlwZSI6MCwiTWFyZ2luIjp7IiRpZCI6IjMxMyIsIlRvcCI6MCwiTGVmdCI6MCwiUmlnaHQiOjAsIkJvdHRvbSI6MH0sIlBhZGRpbmciOnsiJGlkIjoiMzE0IiwiVG9wIjowLCJMZWZ0IjowLCJSaWdodCI6MCwiQm90dG9tIjowfSwiQmFja2dyb3VuZCI6eyIkcmVmIjoiOTYifSwiSXNWaXNpYmxlIjp0cnVlLCJXaWR0aCI6MC4wLCJIZWlnaHQiOjAuMCwiQm9yZGVyU3R5bGUiOnsiJGlkIjoiMzE1IiwiTGluZUNvbG9yIjpudWxsLCJMaW5lV2VpZ2h0IjowLjAsIkxpbmVUeXBlIjowLCJQYXJlbnRTdHlsZSI6bnVsbH0sIlBhcmVudFN0eWxlIjpudWxsfSwiSG9yaXpvbnRhbENvbm5lY3RvclN0eWxlIjp7IiRpZCI6IjMxNiIsIkxpbmVDb2xvciI6eyIkcmVmIjoiOTgifSwiTGluZVdlaWdodCI6MS4wLCJMaW5lVHlwZSI6MCwiUGFyZW50U3R5bGUiOm51bGx9LCJWZXJ0aWNhbENvbm5lY3RvclN0eWxlIjp7IiRpZCI6IjMxNyIsIkxpbmVDb2xvciI6eyIkcmVmIjoiMTAxIn0sIkxpbmVXZWlnaHQiOjEuMCwiTGluZVR5cGUiOjAsIlBhcmVudFN0eWxlIjpudWxsfSwiTWFyZ2luIjpudWxsLCJTdGFydERhdGVQb3NpdGlvbiI6NCwiRW5kRGF0ZVBvc2l0aW9uIjo0LCJEYXRlSXNWaXNpYmxlIjp0cnVlLCJUaXRsZVBvc2l0aW9uIjozLCJEdXJhdGlvblBvc2l0aW9uIjo2LCJQZXJjZW50YWdlQ29tcGxldGVkUG9zaXRpb24iOjYsIlNwYWNpbmciOjUsIklzQmVsb3dUaW1lYmFuZCI6ZmFsc2UsIlBlcmNlbnRhZ2VDb21wbGV0ZVNoYXBlT3BhY2l0eSI6MzUsIlNoYXBlU3R5bGUiOnsiJGlkIjoiMzE4IiwiTWFyZ2luIjp7IiRpZCI6IjMxOSIsIlRvcCI6MCwiTGVmdCI6NCwiUmlnaHQiOjQsIkJvdHRvbSI6MH0sIlBhZGRpbmciOnsiJGlkIjoiMzIwIiwiVG9wIjowLCJMZWZ0IjowLCJSaWdodCI6MCwiQm90dG9tIjowfSwiQmFja2dyb3VuZCI6eyIkaWQiOiIzMjEiLCJDb2xvciI6eyIkaWQiOiIzMjIiLCJBIjoyNTUsIlIiOjExMiwiRyI6MTczLCJCIjo3MX19LCJJc1Zpc2libGUiOnRydWUsIldpZHRoIjowLjAsIkhlaWdodCI6MjIuMCwiQm9yZGVyU3R5bGUiOnsiJGlkIjoiMzIzIiwiTGluZUNvbG9yIjp7IiRyZWYiOiIxMDkifSwiTGluZVdlaWdodCI6MC4wLCJMaW5lVHlwZSI6MCwiUGFyZW50U3R5bGUiOm51bGx9LCJQYXJlbnRTdHlsZSI6bnVsbH0sIlRpdGxlU3R5bGUiOnsiJGlkIjoiMzI0IiwiRm9udFNldHRpbmdzIjp7IiRpZCI6IjMyNSIsIkZvbnRTaXplIjoxMSwiRm9udE5hbWUiOiJDYWxpYnJpIiwiSXNCb2xkIjp0cnVlLCJJc0l0YWxpYyI6ZmFsc2UsIklzVW5kZXJsaW5lZCI6ZmFsc2UsIlBhcmVudFN0eWxlIjpudWxsfSwiQXV0b1NpemUiOjAsIkZvcmVncm91bmQiOnsiJGlkIjoiMzI2IiwiQ29sb3IiOnsiJHJlZiI6IjExNCJ9fSwiTWF4V2lkdGgiOjcyMC4wLCJNYXhIZWlnaHQiOiJJbmZpbml0eSIsIlNtYXJ0Rm9yZWdyb3VuZElzQWN0aXZlIjpmYWxzZSwiSG9yaXpvbnRhbEFsaWdubWVudCI6MiwiVmVydGljYWxBbGlnbm1lbnQiOjAsIlNtYXJ0Rm9yZWdyb3VuZCI6bnVsbCwiQmFja2dyb3VuZEZpbGxUeXBlIjowLCJNYXJnaW4iOnsiJGlkIjoiMzI3IiwiVG9wIjowLCJMZWZ0IjowLCJSaWdodCI6MCwiQm90dG9tIjowfSwiUGFkZGluZyI6eyIkaWQiOiIzMjgiLCJUb3AiOjAsIkxlZnQiOjAsIlJpZ2h0IjowLCJCb3R0b20iOjB9LCJCYWNrZ3JvdW5kIjp7IiRyZWYiOiIxMTcifSwiSXNWaXNpYmxlIjp0cnVlLCJXaWR0aCI6MC4wLCJIZWlnaHQiOjAuMCwiQm9yZGVyU3R5bGUiOnsiJGlkIjoiMzI5IiwiTGluZUNvbG9yIjpudWxsLCJMaW5lV2VpZ2h0IjowLjAsIkxpbmVUeXBlIjowLCJQYXJlbnRTdHlsZSI6bnVsbH0sIlBhcmVudFN0eWxlIjpudWxsfSwiRGF0ZVN0eWxlIjp7IiRpZCI6IjMzMCIsIkZvbnRTZXR0aW5ncyI6eyIkaWQiOiIzMzEiLCJGb250U2l6ZSI6MTAsIkZvbnROYW1lIjoiQ2FsaWJyaSIsIklzQm9sZCI6ZmFsc2UsIklzSXRhbGljIjpmYWxzZSwiSXNVbmRlcmxpbmVkIjpmYWxzZSwiUGFyZW50U3R5bGUiOm51bGx9LCJBdXRvU2l6ZSI6MCwiRm9yZWdyb3VuZCI6eyIkaWQiOiIzMzIiLCJDb2xvciI6eyIkcmVmIjoiMTIxIn19LCJNYXhXaWR0aCI6MjAwLjAsIk1heEhlaWdodCI6IkluZmluaXR5IiwiU21hcnRGb3JlZ3JvdW5kSXNBY3RpdmUiOmZhbHNlLCJIb3Jpem9udGFsQWxpZ25tZW50IjowLCJWZXJ0aWNhbEFsaWdubWVudCI6MCwiU21hcnRGb3JlZ3JvdW5kIjpudWxsLCJCYWNrZ3JvdW5kRmlsbFR5cGUiOjAsIk1hcmdpbiI6eyIkaWQiOiIzMzMiLCJUb3AiOjAsIkxlZnQiOjAsIlJpZ2h0IjowLCJCb3R0b20iOjB9LCJQYWRkaW5nIjp7IiRpZCI6IjMzNCIsIlRvcCI6MCwiTGVmdCI6MCwiUmlnaHQiOjAsIkJvdHRvbSI6MH0sIkJhY2tncm91bmQiOnsiJHJlZiI6IjEyNCJ9LCJJc1Zpc2libGUiOnRydWUsIldpZHRoIjowLjAsIkhlaWdodCI6MC4wLCJCb3JkZXJTdHlsZSI6eyIkaWQiOiIzMzUiLCJMaW5lQ29sb3IiOm51bGwsIkxpbmVXZWlnaHQiOjAuMCwiTGluZVR5cGUiOjAsIlBhcmVudFN0eWxlIjpudWxsfSwiUGFyZW50U3R5bGUiOm51bGx9LCJEYXRlRm9ybWF0Ijp7IiRpZCI6IjMzNiIsIkZvcm1hdFN0cmluZyI6Ik1NTSBkIiwiU2VwYXJhdG9yIjoiLyIsIlVzZUludGVybmF0aW9uYWxEYXRlRm9ybWF0IjpmYWxzZSwiRGF0ZUlzVmlzaWJsZSI6dHJ1ZSwiVGltZUlzVmlzaWJsZSI6ZmFsc2UsIkhvdXJEaWdpdHMiOjEsIkFtUG1EZXNpZ25hdG9yIjoyLCJUcmltMDBNaW51dGVzIjpmYWxzZSwiTGFzdEtub3duVmlzaWJpbGl0eVN0YXRlIjpudWxsfSwiSXNWaXNpYmxlIjp0cnVlLCJQYXJlbnRTdHlsZSI6bnVsbH0sIkluZGV4Ijo0LCJTbWFydER1cmF0aW9uQWN0aXZhdGVkIjpmYWxzZSwiRGF0ZUZvcm1hdCI6eyIkcmVmIjoiMzM2In0sIklkIjoiNjQ0YTVjNzgtYTE4Mi00Y2E1LWJhNzktM2NlNGNmYjdiMzIwIiwiSW1wb3J0SWQiOm51bGwsIlRpdGxlIjoiRmFpcmUgbGUgbGllbiBlbnRyZSBsJ2ludGVyZmFjZSB3ZWIgZXQgbGVzIHNjcmlwdHMgUiAiLCJOb3RlIjpudWxsLCJIeXBlcmxpbmsiOnsiJGlkIjoiMzM3IiwiQWRkcmVzcyI6IiIsIlN1YkFkZHJlc3MiOiIifSwiSXNDaGFuZ2VkIjpmYWxzZSwiSXNOZXciOmZhbHNlfSx7IiRpZCI6IjMzOCIsIkdyb3VwTmFtZSI6bnVsbCwiU3RhcnREYXRlIjoiMjAyMC0wMS0xM1QwMDowMDowMFoiLCJFbmREYXRlIjoiMjAyMC0wMi0yMVQyMzo1OTowMCIsIlBlcmNlbnRhZ2VDb21wbGV0ZSI6bnVsbCwiU3R5bGUiOnsiJGlkIjoiMzM5IiwiU2hhcGUiOjAsIlNoYXBlVGhpY2tuZXNzIjoyLCJEdXJhdGlvbkZvcm1hdCI6MCwiSW5jbHVkZU5vbldvcmtpbmdEYXlzSW5EdXJhdGlvbiI6ZmFsc2UsIlBlcmNlbnRhZ2VDb21wbGV0ZVN0eWxlIjp7IiRpZCI6IjM0MCIsIkZvbnRTZXR0aW5ncyI6eyIkaWQiOiIzNDEiLCJGb250U2l6ZSI6MTAsIkZvbnROYW1lIjoiQ2FsaWJyaSIsIklzQm9sZCI6ZmFsc2UsIklzSXRhbGljIjpmYWxzZSwiSXNVbmRlcmxpbmVkIjpmYWxzZSwiUGFyZW50U3R5bGUiOm51bGx9LCJBdXRvU2l6ZSI6MCwiRm9yZWdyb3VuZCI6eyIkcmVmIjoiODUifSwiTWF4V2lkdGgiOjIwMC4wLCJNYXhIZWlnaHQiOiJJbmZpbml0eSIsIlNtYXJ0Rm9yZWdyb3VuZElzQWN0aXZlIjpmYWxzZSwiSG9yaXpvbnRhbEFsaWdubWVudCI6MCwiVmVydGljYWxBbGlnbm1lbnQiOjAsIlNtYXJ0Rm9yZWdyb3VuZCI6bnVsbCwiQmFja2dyb3VuZEZpbGxUeXBlIjowLCJNYXJnaW4iOnsiJGlkIjoiMzQyIiwiVG9wIjowLCJMZWZ0IjowLCJSaWdodCI6MCwiQm90dG9tIjowfSwiUGFkZGluZyI6eyIkaWQiOiIzNDMiLCJUb3AiOjAsIkxlZnQiOjAsIlJpZ2h0IjowLCJCb3R0b20iOjB9LCJCYWNrZ3JvdW5kIjp7IiRyZWYiOiI4OSJ9LCJJc1Zpc2libGUiOnRydWUsIldpZHRoIjowLjAsIkhlaWdodCI6MC4wLCJCb3JkZXJTdHlsZSI6eyIkaWQiOiIzNDQiLCJMaW5lQ29sb3IiOm51bGwsIkxpbmVXZWlnaHQiOjAuMCwiTGluZVR5cGUiOjAsIlBhcmVudFN0eWxlIjpudWxsfSwiUGFyZW50U3R5bGUiOm51bGx9LCJEdXJhdGlvblN0eWxlIjp7IiRpZCI6IjM0NSIsIkZvbnRTZXR0aW5ncyI6eyIkaWQiOiIzNDYiLCJGb250U2l6ZSI6MTAsIkZvbnROYW1lIjoiQ2FsaWJyaSIsIklzQm9sZCI6ZmFsc2UsIklzSXRhbGljIjpmYWxzZSwiSXNVbmRlcmxpbmVkIjpmYWxzZSwiUGFyZW50U3R5bGUiOm51bGx9LCJBdXRvU2l6ZSI6MCwiRm9yZWdyb3VuZCI6eyIkaWQiOiIzNDciLCJDb2xvciI6eyIkcmVmIjoiOTMifX0sIk1heFdpZHRoIjoyMDAuMCwiTWF4SGVpZ2h0IjoiSW5maW5pdHkiLCJTbWFydEZvcmVncm91bmRJc0FjdGl2ZSI6ZmFsc2UsIkhvcml6b250YWxBbGlnbm1lbnQiOjAsIlZlcnRpY2FsQWxpZ25tZW50IjowLCJTbWFydEZvcmVncm91bmQiOm51bGwsIkJhY2tncm91bmRGaWxsVHlwZSI6MCwiTWFyZ2luIjp7IiRpZCI6IjM0OCIsIlRvcCI6MCwiTGVmdCI6MCwiUmlnaHQiOjAsIkJvdHRvbSI6MH0sIlBhZGRpbmciOnsiJGlkIjoiMzQ5IiwiVG9wIjowLCJMZWZ0IjowLCJSaWdodCI6MCwiQm90dG9tIjowfSwiQmFja2dyb3VuZCI6eyIkcmVmIjoiOTYifSwiSXNWaXNpYmxlIjp0cnVlLCJXaWR0aCI6MC4wLCJIZWlnaHQiOjAuMCwiQm9yZGVyU3R5bGUiOnsiJGlkIjoiMzUwIiwiTGluZUNvbG9yIjpudWxsLCJMaW5lV2VpZ2h0IjowLjAsIkxpbmVUeXBlIjowLCJQYXJlbnRTdHlsZSI6bnVsbH0sIlBhcmVudFN0eWxlIjpudWxsfSwiSG9yaXpvbnRhbENvbm5lY3RvclN0eWxlIjp7IiRpZCI6IjM1MSIsIkxpbmVDb2xvciI6eyIkcmVmIjoiOTgifSwiTGluZVdlaWdodCI6MS4wLCJMaW5lVHlwZSI6MCwiUGFyZW50U3R5bGUiOm51bGx9LCJWZXJ0aWNhbENvbm5lY3RvclN0eWxlIjp7IiRpZCI6IjM1MiIsIkxpbmVDb2xvciI6eyIkcmVmIjoiMTAxIn0sIkxpbmVXZWlnaHQiOjEuMCwiTGluZVR5cGUiOjAsIlBhcmVudFN0eWxlIjpudWxsfSwiTWFyZ2luIjpudWxsLCJTdGFydERhdGVQb3NpdGlvbiI6NCwiRW5kRGF0ZVBvc2l0aW9uIjo0LCJEYXRlSXNWaXNpYmxlIjp0cnVlLCJUaXRsZVBvc2l0aW9uIjoyLCJEdXJhdGlvblBvc2l0aW9uIjo2LCJQZXJjZW50YWdlQ29tcGxldGVkUG9zaXRpb24iOjYsIlNwYWNpbmciOjUsIklzQmVsb3dUaW1lYmFuZCI6ZmFsc2UsIlBlcmNlbnRhZ2VDb21wbGV0ZVNoYXBlT3BhY2l0eSI6MzUsIlNoYXBlU3R5bGUiOnsiJGlkIjoiMzUzIiwiTWFyZ2luIjp7IiRpZCI6IjM1NCIsIlRvcCI6MCwiTGVmdCI6NCwiUmlnaHQiOjQsIkJvdHRvbSI6MH0sIlBhZGRpbmciOnsiJGlkIjoiMzU1IiwiVG9wIjowLCJMZWZ0IjowLCJSaWdodCI6MCwiQm90dG9tIjowfSwiQmFja2dyb3VuZCI6eyIkaWQiOiIzNTYiLCJDb2xvciI6eyIkaWQiOiIzNTciLCJBIjoyNTUsIlIiOjkxLCJHIjoxNTUsIkIiOjIxM319LCJJc1Zpc2libGUiOnRydWUsIldpZHRoIjowLjAsIkhlaWdodCI6MjIuMCwiQm9yZGVyU3R5bGUiOnsiJGlkIjoiMzU4IiwiTGluZUNvbG9yIjp7IiRyZWYiOiIxMDkifSwiTGluZVdlaWdodCI6MC4wLCJMaW5lVHlwZSI6MCwiUGFyZW50U3R5bGUiOm51bGx9LCJQYXJlbnRTdHlsZSI6bnVsbH0sIlRpdGxlU3R5bGUiOnsiJGlkIjoiMzU5IiwiRm9udFNldHRpbmdzIjp7IiRpZCI6IjM2MCIsIkZvbnRTaXplIjoxMSwiRm9udE5hbWUiOiJDYWxpYnJpIiwiSXNCb2xkIjp0cnVlLCJJc0l0YWxpYyI6ZmFsc2UsIklzVW5kZXJsaW5lZCI6ZmFsc2UsIlBhcmVudFN0eWxlIjpudWxsfSwiQXV0b1NpemUiOjAsIkZvcmVncm91bmQiOnsiJGlkIjoiMzYxIiwiQ29sb3IiOnsiJHJlZiI6IjExNCJ9fSwiTWF4V2lkdGgiOjcyMC4wLCJNYXhIZWlnaHQiOiJJbmZpbml0eSIsIlNtYXJ0Rm9yZWdyb3VuZElzQWN0aXZlIjpmYWxzZSwiSG9yaXpvbnRhbEFsaWdubWVudCI6MSwiVmVydGljYWxBbGlnbm1lbnQiOjAsIlNtYXJ0Rm9yZWdyb3VuZCI6bnVsbCwiQmFja2dyb3VuZEZpbGxUeXBlIjowLCJNYXJnaW4iOnsiJGlkIjoiMzYyIiwiVG9wIjowLCJMZWZ0IjowLCJSaWdodCI6MCwiQm90dG9tIjowfSwiUGFkZGluZyI6eyIkaWQiOiIzNjMiLCJUb3AiOjAsIkxlZnQiOjAsIlJpZ2h0IjowLCJCb3R0b20iOjB9LCJCYWNrZ3JvdW5kIjp7IiRyZWYiOiIxMTcifSwiSXNWaXNpYmxlIjp0cnVlLCJXaWR0aCI6MC4wLCJIZWlnaHQiOjAuMCwiQm9yZGVyU3R5bGUiOnsiJGlkIjoiMzY0IiwiTGluZUNvbG9yIjpudWxsLCJMaW5lV2VpZ2h0IjowLjAsIkxpbmVUeXBlIjowLCJQYXJlbnRTdHlsZSI6bnVsbH0sIlBhcmVudFN0eWxlIjpudWxsfSwiRGF0ZVN0eWxlIjp7IiRpZCI6IjM2NSIsIkZvbnRTZXR0aW5ncyI6eyIkaWQiOiIzNjYiLCJGb250U2l6ZSI6MTAsIkZvbnROYW1lIjoiQ2FsaWJyaSIsIklzQm9sZCI6ZmFsc2UsIklzSXRhbGljIjpmYWxzZSwiSXNVbmRlcmxpbmVkIjpmYWxzZSwiUGFyZW50U3R5bGUiOm51bGx9LCJBdXRvU2l6ZSI6MCwiRm9yZWdyb3VuZCI6eyIkaWQiOiIzNjciLCJDb2xvciI6eyIkcmVmIjoiMTIxIn19LCJNYXhXaWR0aCI6MjAwLjAsIk1heEhlaWdodCI6IkluZmluaXR5IiwiU21hcnRGb3JlZ3JvdW5kSXNBY3RpdmUiOmZhbHNlLCJIb3Jpem9udGFsQWxpZ25tZW50IjowLCJWZXJ0aWNhbEFsaWdubWVudCI6MCwiU21hcnRGb3JlZ3JvdW5kIjpudWxsLCJCYWNrZ3JvdW5kRmlsbFR5cGUiOjAsIk1hcmdpbiI6eyIkaWQiOiIzNjgiLCJUb3AiOjAsIkxlZnQiOjAsIlJpZ2h0IjowLCJCb3R0b20iOjB9LCJQYWRkaW5nIjp7IiRpZCI6IjM2OSIsIlRvcCI6MCwiTGVmdCI6MCwiUmlnaHQiOjAsIkJvdHRvbSI6MH0sIkJhY2tncm91bmQiOnsiJHJlZiI6IjEyNCJ9LCJJc1Zpc2libGUiOnRydWUsIldpZHRoIjowLjAsIkhlaWdodCI6MC4wLCJCb3JkZXJTdHlsZSI6eyIkaWQiOiIzNzAiLCJMaW5lQ29sb3IiOm51bGwsIkxpbmVXZWlnaHQiOjAuMCwiTGluZVR5cGUiOjAsIlBhcmVudFN0eWxlIjpudWxsfSwiUGFyZW50U3R5bGUiOm51bGx9LCJEYXRlRm9ybWF0Ijp7IiRpZCI6IjM3MSIsIkZvcm1hdFN0cmluZyI6Ik1NTSBkIiwiU2VwYXJhdG9yIjoiLyIsIlVzZUludGVybmF0aW9uYWxEYXRlRm9ybWF0IjpmYWxzZSwiRGF0ZUlzVmlzaWJsZSI6dHJ1ZSwiVGltZUlzVmlzaWJsZSI6ZmFsc2UsIkhvdXJEaWdpdHMiOjEsIkFtUG1EZXNpZ25hdG9yIjoyLCJUcmltMDBNaW51dGVzIjpmYWxzZSwiTGFzdEtub3duVmlzaWJpbGl0eVN0YXRlIjpudWxsfSwiSXNWaXNpYmxlIjp0cnVlLCJQYXJlbnRTdHlsZSI6bnVsbH0sIkluZGV4Ijo1LCJTbWFydER1cmF0aW9uQWN0aXZhdGVkIjpmYWxzZSwiRGF0ZUZvcm1hdCI6eyIkcmVmIjoiMzcxIn0sIklkIjoiZjVjZTJlMmMtNmFhNS00MjUzLTg1MDAtZTMzOWM4Zjg0Y2Y1IiwiSW1wb3J0SWQiOm51bGwsIlRpdGxlIjoiQWpvdXRlciBkZXMgdm9pZXMgbm9uLWNhbm9uaXF1ZXMgIiwiTm90ZSI6bnVsbCwiSHlwZXJsaW5rIjp7IiRpZCI6IjM3MiIsIkFkZHJlc3MiOiIiLCJTdWJBZGRyZXNzIjoiIn0sIklzQ2hhbmdlZCI6ZmFsc2UsIklzTmV3IjpmYWxzZX0seyIkaWQiOiIzNzMiLCJHcm91cE5hbWUiOm51bGwsIlN0YXJ0RGF0ZSI6IjIwMjAtMDMtMDlUMDA6MDA6MDBaIiwiRW5kRGF0ZSI6IjIwMjAtMDMtMjBUMjM6NTk6MDAiLCJQZXJjZW50YWdlQ29tcGxldGUiOm51bGwsIlN0eWxlIjp7IiRpZCI6IjM3NCIsIlNoYXBlIjowLCJTaGFwZVRoaWNrbmVzcyI6MiwiRHVyYXRpb25Gb3JtYXQiOjAsIkluY2x1ZGVOb25Xb3JraW5nRGF5c0luRHVyYXRpb24iOmZhbHNlLCJQZXJjZW50YWdlQ29tcGxldGVTdHlsZSI6eyIkaWQiOiIzNzUiLCJGb250U2V0dGluZ3MiOnsiJGlkIjoiMzc2IiwiRm9udFNpemUiOjEwLCJGb250TmFtZSI6IkNhbGlicmkiLCJJc0JvbGQiOmZhbHNlLCJJc0l0YWxpYyI6ZmFsc2UsIklzVW5kZXJsaW5lZCI6ZmFsc2UsIlBhcmVudFN0eWxlIjpudWxsfSwiQXV0b1NpemUiOjAsIkZvcmVncm91bmQiOnsiJHJlZiI6Ijg1In0sIk1heFdpZHRoIjoyMDAuMCwiTWF4SGVpZ2h0IjoiSW5maW5pdHkiLCJTbWFydEZvcmVncm91bmRJc0FjdGl2ZSI6ZmFsc2UsIkhvcml6b250YWxBbGlnbm1lbnQiOjAsIlZlcnRpY2FsQWxpZ25tZW50IjowLCJTbWFydEZvcmVncm91bmQiOm51bGwsIkJhY2tncm91bmRGaWxsVHlwZSI6MCwiTWFyZ2luIjp7IiRpZCI6IjM3NyIsIlRvcCI6MCwiTGVmdCI6MCwiUmlnaHQiOjAsIkJvdHRvbSI6MH0sIlBhZGRpbmciOnsiJGlkIjoiMzc4IiwiVG9wIjowLCJMZWZ0IjowLCJSaWdodCI6MCwiQm90dG9tIjowfSwiQmFja2dyb3VuZCI6eyIkcmVmIjoiODkifSwiSXNWaXNpYmxlIjp0cnVlLCJXaWR0aCI6MC4wLCJIZWlnaHQiOjAuMCwiQm9yZGVyU3R5bGUiOnsiJGlkIjoiMzc5IiwiTGluZUNvbG9yIjpudWxsLCJMaW5lV2VpZ2h0IjowLjAsIkxpbmVUeXBlIjowLCJQYXJlbnRTdHlsZSI6bnVsbH0sIlBhcmVudFN0eWxlIjpudWxsfSwiRHVyYXRpb25TdHlsZSI6eyIkaWQiOiIzODAiLCJGb250U2V0dGluZ3MiOnsiJGlkIjoiMzgxIiwiRm9udFNpemUiOjEwLCJGb250TmFtZSI6IkNhbGlicmkiLCJJc0JvbGQiOmZhbHNlLCJJc0l0YWxpYyI6ZmFsc2UsIklzVW5kZXJsaW5lZCI6ZmFsc2UsIlBhcmVudFN0eWxlIjpudWxsfSwiQXV0b1NpemUiOjAsIkZvcmVncm91bmQiOnsiJGlkIjoiMzgyIiwiQ29sb3IiOnsiJHJlZiI6IjkzIn19LCJNYXhXaWR0aCI6MjAwLjAsIk1heEhlaWdodCI6IkluZmluaXR5IiwiU21hcnRGb3JlZ3JvdW5kSXNBY3RpdmUiOmZhbHNlLCJIb3Jpem9udGFsQWxpZ25tZW50IjowLCJWZXJ0aWNhbEFsaWdubWVudCI6MCwiU21hcnRGb3JlZ3JvdW5kIjpudWxsLCJCYWNrZ3JvdW5kRmlsbFR5cGUiOjAsIk1hcmdpbiI6eyIkaWQiOiIzODMiLCJUb3AiOjAsIkxlZnQiOjAsIlJpZ2h0IjowLCJCb3R0b20iOjB9LCJQYWRkaW5nIjp7IiRpZCI6IjM4NCIsIlRvcCI6MCwiTGVmdCI6MCwiUmlnaHQiOjAsIkJvdHRvbSI6MH0sIkJhY2tncm91bmQiOnsiJHJlZiI6Ijk2In0sIklzVmlzaWJsZSI6dHJ1ZSwiV2lkdGgiOjAuMCwiSGVpZ2h0IjowLjAsIkJvcmRlclN0eWxlIjp7IiRpZCI6IjM4NSIsIkxpbmVDb2xvciI6bnVsbCwiTGluZVdlaWdodCI6MC4wLCJMaW5lVHlwZSI6MCwiUGFyZW50U3R5bGUiOm51bGx9LCJQYXJlbnRTdHlsZSI6bnVsbH0sIkhvcml6b250YWxDb25uZWN0b3JTdHlsZSI6eyIkaWQiOiIzODYiLCJMaW5lQ29sb3IiOnsiJHJlZiI6Ijk4In0sIkxpbmVXZWlnaHQiOjEuMCwiTGluZVR5cGUiOjAsIlBhcmVudFN0eWxlIjpudWxsfSwiVmVydGljYWxDb25uZWN0b3JTdHlsZSI6eyIkaWQiOiIzODciLCJMaW5lQ29sb3IiOnsiJHJlZiI6IjEwMSJ9LCJMaW5lV2VpZ2h0IjoxLjAsIkxpbmVUeXBlIjowLCJQYXJlbnRTdHlsZSI6bnVsbH0sIk1hcmdpbiI6bnVsbCwiU3RhcnREYXRlUG9zaXRpb24iOjQsIkVuZERhdGVQb3NpdGlvbiI6NCwiRGF0ZUlzVmlzaWJsZSI6dHJ1ZSwiVGl0bGVQb3NpdGlvbiI6MywiRHVyYXRpb25Qb3NpdGlvbiI6NiwiUGVyY2VudGFnZUNvbXBsZXRlZFBvc2l0aW9uIjo2LCJTcGFjaW5nIjo1LCJJc0JlbG93VGltZWJhbmQiOmZhbHNlLCJQZXJjZW50YWdlQ29tcGxldGVTaGFwZU9wYWNpdHkiOjM1LCJTaGFwZVN0eWxlIjp7IiRpZCI6IjM4OCIsIk1hcmdpbiI6eyIkaWQiOiIzODkiLCJUb3AiOjAsIkxlZnQiOjQsIlJpZ2h0Ijo0LCJCb3R0b20iOjB9LCJQYWRkaW5nIjp7IiRpZCI6IjM5MCIsIlRvcCI6MCwiTGVmdCI6MCwiUmlnaHQiOjAsIkJvdHRvbSI6MH0sIkJhY2tncm91bmQiOnsiJGlkIjoiMzkxIiwiQ29sb3IiOnsiJGlkIjoiMzkyIiwiQSI6MjU1LCJSIjo5MSwiRyI6MTU1LCJCIjoyMTN9fSwiSXNWaXNpYmxlIjp0cnVlLCJXaWR0aCI6MC4wLCJIZWlnaHQiOjIyLjAsIkJvcmRlclN0eWxlIjp7IiRpZCI6IjM5MyIsIkxpbmVDb2xvciI6eyIkcmVmIjoiMTA5In0sIkxpbmVXZWlnaHQiOjAuMCwiTGluZVR5cGUiOjAsIlBhcmVudFN0eWxlIjpudWxsfSwiUGFyZW50U3R5bGUiOm51bGx9LCJUaXRsZVN0eWxlIjp7IiRpZCI6IjM5NCIsIkZvbnRTZXR0aW5ncyI6eyIkaWQiOiIzOTUiLCJGb250U2l6ZSI6MTEsIkZvbnROYW1lIjoiQ2FsaWJyaSIsIklzQm9sZCI6dHJ1ZSwiSXNJdGFsaWMiOmZhbHNlLCJJc1VuZGVybGluZWQiOmZhbHNlLCJQYXJlbnRTdHlsZSI6bnVsbH0sIkF1dG9TaXplIjowLCJGb3JlZ3JvdW5kIjp7IiRpZCI6IjM5NiIsIkNvbG9yIjp7IiRyZWYiOiIxMTQifX0sIk1heFdpZHRoIjo3MjAuMCwiTWF4SGVpZ2h0IjoiSW5maW5pdHkiLCJTbWFydEZvcmVncm91bmRJc0FjdGl2ZSI6ZmFsc2UsIkhvcml6b250YWxBbGlnbm1lbnQiOjIsIlZlcnRpY2FsQWxpZ25tZW50IjowLCJTbWFydEZvcmVncm91bmQiOm51bGwsIkJhY2tncm91bmRGaWxsVHlwZSI6MCwiTWFyZ2luIjp7IiRpZCI6IjM5NyIsIlRvcCI6MCwiTGVmdCI6MCwiUmlnaHQiOjAsIkJvdHRvbSI6MH0sIlBhZGRpbmciOnsiJGlkIjoiMzk4IiwiVG9wIjowLCJMZWZ0IjowLCJSaWdodCI6MCwiQm90dG9tIjowfSwiQmFja2dyb3VuZCI6eyIkcmVmIjoiMTE3In0sIklzVmlzaWJsZSI6dHJ1ZSwiV2lkdGgiOjAuMCwiSGVpZ2h0IjowLjAsIkJvcmRlclN0eWxlIjp7IiRpZCI6IjM5OSIsIkxpbmVDb2xvciI6bnVsbCwiTGluZVdlaWdodCI6MC4wLCJMaW5lVHlwZSI6MCwiUGFyZW50U3R5bGUiOm51bGx9LCJQYXJlbnRTdHlsZSI6bnVsbH0sIkRhdGVTdHlsZSI6eyIkaWQiOiI0MDAiLCJGb250U2V0dGluZ3MiOnsiJGlkIjoiNDAxIiwiRm9udFNpemUiOjEwLCJGb250TmFtZSI6IkNhbGlicmkiLCJJc0JvbGQiOmZhbHNlLCJJc0l0YWxpYyI6ZmFsc2UsIklzVW5kZXJsaW5lZCI6ZmFsc2UsIlBhcmVudFN0eWxlIjpudWxsfSwiQXV0b1NpemUiOjAsIkZvcmVncm91bmQiOnsiJGlkIjoiNDAyIiwiQ29sb3IiOnsiJHJlZiI6IjEyMSJ9fSwiTWF4V2lkdGgiOjIwMC4wLCJNYXhIZWlnaHQiOiJJbmZpbml0eSIsIlNtYXJ0Rm9yZWdyb3VuZElzQWN0aXZlIjpmYWxzZSwiSG9yaXpvbnRhbEFsaWdubWVudCI6MCwiVmVydGljYWxBbGlnbm1lbnQiOjAsIlNtYXJ0Rm9yZWdyb3VuZCI6bnVsbCwiQmFja2dyb3VuZEZpbGxUeXBlIjowLCJNYXJnaW4iOnsiJGlkIjoiNDAzIiwiVG9wIjowLCJMZWZ0IjowLCJSaWdodCI6MCwiQm90dG9tIjowfSwiUGFkZGluZyI6eyIkaWQiOiI0MDQiLCJUb3AiOjAsIkxlZnQiOjAsIlJpZ2h0IjowLCJCb3R0b20iOjB9LCJCYWNrZ3JvdW5kIjp7IiRyZWYiOiIxMjQifSwiSXNWaXNpYmxlIjp0cnVlLCJXaWR0aCI6MC4wLCJIZWlnaHQiOjAuMCwiQm9yZGVyU3R5bGUiOnsiJGlkIjoiNDA1IiwiTGluZUNvbG9yIjpudWxsLCJMaW5lV2VpZ2h0IjowLjAsIkxpbmVUeXBlIjowLCJQYXJlbnRTdHlsZSI6bnVsbH0sIlBhcmVudFN0eWxlIjpudWxsfSwiRGF0ZUZvcm1hdCI6eyIkaWQiOiI0MDYiLCJGb3JtYXRTdHJpbmciOiJNTU0gZCIsIlNlcGFyYXRvciI6Ii8iLCJVc2VJbnRlcm5hdGlvbmFsRGF0ZUZvcm1hdCI6ZmFsc2UsIkRhdGVJc1Zpc2libGUiOnRydWUsIlRpbWVJc1Zpc2libGUiOmZhbHNlLCJIb3VyRGlnaXRzIjoxLCJBbVBtRGVzaWduYXRvciI6MiwiVHJpbTAwTWludXRlcyI6ZmFsc2UsIkxhc3RLbm93blZpc2liaWxpdHlTdGF0ZSI6bnVsbH0sIklzVmlzaWJsZSI6dHJ1ZSwiUGFyZW50U3R5bGUiOm51bGx9LCJJbmRleCI6NiwiU21hcnREdXJhdGlvbkFjdGl2YXRlZCI6ZmFsc2UsIkRhdGVGb3JtYXQiOnsiJHJlZiI6IjQwNiJ9LCJJZCI6ImU5ZmVkMGY5LTJhMzAtNDcxOC04M2Q3LWViMWY3Yjk0ZjJjOCIsIkltcG9ydElkIjpudWxsLCJUaXRsZSI6IkltcGzDqW1lbnRlciBsJ291dGlscyBzdXIgbGUgc2VydmV1ciBjbGllbnQiLCJOb3RlIjpudWxsLCJIeXBlcmxpbmsiOnsiJGlkIjoiNDA3IiwiQWRkcmVzcyI6IiIsIlN1YkFkZHJlc3MiOiIifSwiSXNDaGFuZ2VkIjpmYWxzZSwiSXNOZXciOmZhbHNlfV0sIlN3aW1sYW5lcyI6W10sIk1zUHJvamVjdEl0ZW1zVHJlZSI6eyIkaWQiOiI0MDgiLCJSb290Ijp7IkltcG9ydElkIjpudWxsLCJJc0ltcG9ydGVkIjpmYWxzZSwiQ2hpbGRyZW4iOltdfX0sIk1ldGFkYXRhIjp7IiRpZCI6IjQwOSIsIlJlY2VudENvbG9yc0NvbGxlY3Rpb24iOiJbXCIjRkZFRDdEMzFcIixcIiNGRjcwQUQ0N1wiLFwiI0ZGRUExNjFFXCJdIn0sIlNldHRpbmdzIjp7IiRpZCI6IjQxMCIsIkltcGFPcHRpb25zIjp7IiRpZCI6IjQxMSIsIkxlZnRUb1JpZ2h0IjpmYWxzZSwiUGF5bG9hZE9wdGlvbnMiOjJ9LCJVc2VDb21wcmVzc2lvbiI6ZmFsc2UsIkNvbXByZXNpb25QZXJjZW50YWdlIjo1MC4wLCJJbmFjdGl2ZUludGVydmFsV2lkdGhUaHJlc2hvbGQiOjMwLjAsIkluYWN0aXZlSW50ZXJ2YWxXaWR0aCI6MS4wLCJTcGxpdFRhc2tzIjpmYWxzZSwiVXNlQ2x1c3RlciI6ZmFsc2UsIkVwc2lsb24iOjUuMCwiTWluUG9pbnRzVG9Gb3JtQUNsdXN0ZXIiOjIsIkdlbmVyYXRlSW52aXNpYmxlU2hhcGVzIjpmYWxzZSwiU21hcnRUaW1lbGluZVRhc2tQZXJjZW50YWdlRml0IjpmYWxzZX0sIklzTmV3IjpmYWxzZSwiSW1wb3J0VHlwZSI6MCwiRmlsZVBhdGgiOm51bGwsIlRpbWVDb25maWd1cmF0aW9uIjp7IiRpZCI6IjQxMiIsIlVzZVRpbWUiOmZhbHNlLCJXb3JrRGF5U3RhcnQiOiIwMDowMDowMCIsIldvcmtEYXlFbmQiOiIyMzo1OTowMCJ9LCJMYXN0VXNlZFRlbXBsYXRlSWQiOiI5NWZiZjBmNy1jYTZjLTRiYjktYWU3OC0xYWFmMmNhOTYwZWIifQ=="/>
-  <p:tag name="__MASTER" val="__part_0"/>
+  <p:tag name="OTLMARKERSHAPE" val="OTL"/>
 </p:tagLst>
 </file>
 
 <file path=ppt/tags/tag99.xml><?xml version="1.0" encoding="utf-8"?>
 <p:tagLst xmlns:a="http://schemas.openxmlformats.org/drawingml/2006/main" xmlns:r="http://schemas.openxmlformats.org/officeDocument/2006/relationships" xmlns:p="http://schemas.openxmlformats.org/presentationml/2006/main">
-  <p:tag name="OTLMARKERSHAPE" val="OTL"/>
+  <p:tag name="__PART_0" val="eyIkaWQiOiIxIiwiQ3VsdHVyZUluZm9OYW1lIjoiZW4tVVMiLCJTdHlsZU5hbWUiOm51bGwsIlZlcnNpb24iOnsiJGlkIjoiMiIsIlZlcnNpb24iOiIzLjIuMCIsIk9yaWdpbmFsQXNzZW1ibHlWZXJzaW9uIjoiNC4wMS4wMC4wMCIsIkVkaXRpb24iOiJGcmVlIiwiSXNQbHVzRWRpdGlvbiI6ZmFsc2UsIklzUHJvRWRpdGlvbiI6ZmFsc2V9LCJFZmZlY3QiOjEsIlN0eWxlIjp7IiRpZCI6IjMiLCJUaW1lYmFuZFN0eWxlIjp7IiRpZCI6IjQiLCJTY2FsZU1hcmtpbmciOjAsIlNoYXBlIjozLCJTaGFwZVN0eWxlIjp7IiRpZCI6IjUiLCJNYXJnaW4iOnsiJGlkIjoiNiIsIlRvcCI6MCwiTGVmdCI6MTAsIlJpZ2h0IjoxMCwiQm90dG9tIjowfSwiUGFkZGluZyI6eyIkaWQiOiI3IiwiVG9wIjozLCJMZWZ0IjowLCJSaWdodCI6MCwiQm90dG9tIjozfSwiQmFja2dyb3VuZCI6eyIkaWQiOiI4IiwiQ29sb3IiOnsiJGlkIjoiOSIsIkEiOjI1NSwiUiI6MTc4LCJHIjoxNzgsIkIiOjE3OH19LCJJc1Zpc2libGUiOnRydWUsIldpZHRoIjowLjAsIkhlaWdodCI6MzAuMCwiQm9yZGVyU3R5bGUiOnsiJGlkIjoiMTAiLCJMaW5lQ29sb3IiOnsiJGlkIjoiMTEiLCIkdHlwZSI6Ik5MUkUuQ29tbW9uLkRvbS5Tb2xpZENvbG9yQnJ1c2gsIE5MUkUuQ29tbW9uIiwiQ29sb3IiOnsiJGlkIjoiMTIiLCJBIjoyNTUsIlIiOjI1NSwiRyI6MCwiQiI6MH19LCJMaW5lV2VpZ2h0IjowLjAsIkxpbmVUeXBlIjowLCJQYXJlbnRTdHlsZSI6bnVsbH0sIlBhcmVudFN0eWxlIjpudWxsfSwiUmlnaHRFbmRDYXBzU3R5bGUiOnsiJGlkIjoiMTMiLCJGb250U2V0dGluZ3MiOnsiJGlkIjoiMTQiLCJGb250U2l6ZSI6MTgsIkZvbnROYW1lIjoiQ2FsaWJyaSIsIklzQm9sZCI6dHJ1ZSwiSXNJdGFsaWMiOmZhbHNlLCJJc1VuZGVybGluZWQiOmZhbHNlLCJQYXJlbnRTdHlsZSI6bnVsbH0sIkF1dG9TaXplIjowLCJGb3JlZ3JvdW5kIjp7IiRpZCI6IjE1IiwiQ29sb3IiOnsiJGlkIjoiMTYiLCJBIjoyNTUsIlIiOjIzNywiRyI6MTI1LCJCIjo0OX19LCJNYXhXaWR0aCI6IkluZmluaXR5IiwiTWF4SGVpZ2h0IjoiSW5maW5pdHkiLCJTbWFydEZvcmVncm91bmRJc0FjdGl2ZSI6ZmFsc2UsIkhvcml6b250YWxBbGlnbm1lbnQiOjAsIlZlcnRpY2FsQWxpZ25tZW50IjowLCJTbWFydEZvcmVncm91bmQiOm51bGwsIkJhY2tncm91bmRGaWxsVHlwZSI6MCwiTWFyZ2luIjp7IiRpZCI6IjE3IiwiVG9wIjowLCJMZWZ0IjowLCJSaWdodCI6MjAsIkJvdHRvbSI6MH0sIlBhZGRpbmciOnsiJGlkIjoiMTgiLCJUb3AiOjAsIkxlZnQiOjAsIlJpZ2h0IjowLCJCb3R0b20iOjB9LCJCYWNrZ3JvdW5kIjp7IiRpZCI6IjE5IiwiQ29sb3IiOnsiJGlkIjoiMjAiLCJBIjo4OSwiUiI6MCwiRyI6MCwiQiI6MH19LCJJc1Zpc2libGUiOnRydWUsIldpZHRoIjowLjAsIkhlaWdodCI6MC4wLCJCb3JkZXJTdHlsZSI6bnVsbCwiUGFyZW50U3R5bGUiOm51bGx9LCJMZWZ0RW5kQ2Fwc1N0eWxlIjp7IiRpZCI6IjIxIiwiRm9udFNldHRpbmdzIjp7IiRpZCI6IjIyIiwiRm9udFNpemUiOjE4LCJGb250TmFtZSI6IkNhbGlicmkiLCJJc0JvbGQiOnRydWUsIklzSXRhbGljIjpmYWxzZSwiSXNVbmRlcmxpbmVkIjpmYWxzZSwiUGFyZW50U3R5bGUiOm51bGx9LCJBdXRvU2l6ZSI6MCwiRm9yZWdyb3VuZCI6eyIkaWQiOiIyMyIsIkNvbG9yIjp7IiRpZCI6IjI0IiwiQSI6MjU1LCJSIjoyMzcsIkciOjEyNSwiQiI6NDl9fSwiTWF4V2lkdGgiOiJJbmZpbml0eSIsIk1heEhlaWdodCI6IkluZmluaXR5IiwiU21hcnRGb3JlZ3JvdW5kSXNBY3RpdmUiOmZhbHNlLCJIb3Jpem9udGFsQWxpZ25tZW50IjowLCJWZXJ0aWNhbEFsaWdubWVudCI6MCwiU21hcnRGb3JlZ3JvdW5kIjpudWxsLCJCYWNrZ3JvdW5kRmlsbFR5cGUiOjAsIk1hcmdpbiI6eyIkaWQiOiIyNSIsIlRvcCI6MCwiTGVmdCI6MjAsIlJpZ2h0IjowLCJCb3R0b20iOjB9LCJQYWRkaW5nIjp7IiRpZCI6IjI2IiwiVG9wIjowLCJMZWZ0IjowLCJSaWdodCI6MCwiQm90dG9tIjowfSwiQmFja2dyb3VuZCI6eyIkaWQiOiIyNyIsIkNvbG9yIjp7IiRyZWYiOiIyMCJ9fSwiSXNWaXNpYmxlIjpmYWxzZSwiV2lkdGgiOjAuMCwiSGVpZ2h0IjowLjAsIkJvcmRlclN0eWxlIjpudWxsLCJQYXJlbnRTdHlsZSI6bnVsbH0sIlRvZGF5VGV4dFN0eWxlIjp7IiRpZCI6IjI4IiwiRm9udFNldHRpbmdzIjp7IiRpZCI6IjI5IiwiRm9udFNpemUiOjEyLCJGb250TmFtZSI6IkNhbGlicmkiLCJJc0JvbGQiOmZhbHNlLCJJc0l0YWxpYyI6ZmFsc2UsIklzVW5kZXJsaW5lZCI6ZmFsc2UsIlBhcmVudFN0eWxlIjpudWxsfSwiQXV0b1NpemUiOjAsIkZvcmVncm91bmQiOnsiJGlkIjoiMzAiLCJDb2xvciI6eyIkaWQiOiIzMSIsIkEiOjI1NSwiUiI6MCwiRyI6MCwiQiI6MH19LCJNYXhXaWR0aCI6MjAwLjAsIk1heEhlaWdodCI6IkluZmluaXR5IiwiU21hcnRGb3JlZ3JvdW5kSXNBY3RpdmUiOmZhbHNlLCJIb3Jpem9udGFsQWxpZ25tZW50IjowLCJWZXJ0aWNhbEFsaWdubWVudCI6MCwiU21hcnRGb3JlZ3JvdW5kIjpudWxsLCJCYWNrZ3JvdW5kRmlsbFR5cGUiOjAsIk1hcmdpbiI6eyIkaWQiOiIzMiIsIlRvcCI6MCwiTGVmdCI6MCwiUmlnaHQiOjAsIkJvdHRvbSI6MH0sIlBhZGRpbmciOnsiJGlkIjoiMzMiLCJUb3AiOjAsIkxlZnQiOjAsIlJpZ2h0IjowLCJCb3R0b20iOjB9LCJCYWNrZ3JvdW5kIjp7IiRpZCI6IjM0IiwiQ29sb3IiOnsiJHJlZiI6IjIwIn19LCJJc1Zpc2libGUiOnRydWUsIldpZHRoIjowLjAsIkhlaWdodCI6MC4wLCJCb3JkZXJTdHlsZSI6bnVsbCwiUGFyZW50U3R5bGUiOm51bGx9LCJUb2RheU1hcmtlclN0eWxlIjp7IiRpZCI6IjM1IiwiTWFyZ2luIjp7IiRpZCI6IjM2IiwiVG9wIjowLCJMZWZ0IjowLCJSaWdodCI6MCwiQm90dG9tIjowfSwiUGFkZGluZyI6eyIkaWQiOiIzNyIsIlRvcCI6MCwiTGVmdCI6MCwiUmlnaHQiOjAsIkJvdHRvbSI6MH0sIkJhY2tncm91bmQiOnsiJGlkIjoiMzgiLCJDb2xvciI6eyIkaWQiOiIzOSIsIkEiOjI1NSwiUiI6MjU1LCJHIjowLCJCIjowfX0sIklzVmlzaWJsZSI6dHJ1ZSwiV2lkdGgiOjAuMCwiSGVpZ2h0IjowLjAsIkJvcmRlclN0eWxlIjpudWxsLCJQYXJlbnRTdHlsZSI6bnVsbH0sIlNjYWxlU3R5bGUiOnsiJGlkIjoiNDAiLCJTaG93U2VnbWVudFNlcGFyYXRvcnMiOmZhbHNlLCJTZWdtZW50U2VwYXJhdG9yT3BhY2l0eSI6MzAsIkZvbnRTZXR0aW5ncyI6eyIkaWQiOiI0MSIsIkZvbnRTaXplIjoxMiwiRm9udE5hbWUiOiJDYWxpYnJpIiwiSXNCb2xkIjpmYWxzZSwiSXNJdGFsaWMiOmZhbHNlLCJJc1VuZGVybGluZWQiOmZhbHNlLCJQYXJlbnRTdHlsZSI6bnVsbH0sIkF1dG9TaXplIjowLCJGb3JlZ3JvdW5kIjp7IiRpZCI6IjQyIiwiQ29sb3IiOnsiJGlkIjoiNDMiLCJBIjoyNTUsIlIiOjAsIkciOjAsIkIiOjB9fSwiTWF4V2lkdGgiOjIwMC4wLCJNYXhIZWlnaHQiOiJJbmZpbml0eSIsIlNtYXJ0Rm9yZWdyb3VuZElzQWN0aXZlIjpmYWxzZSwiSG9yaXpvbnRhbEFsaWdubWVudCI6MCwiVmVydGljYWxBbGlnbm1lbnQiOjEsIlNtYXJ0Rm9yZWdyb3VuZCI6bnVsbCwiQmFja2dyb3VuZEZpbGxUeXBlIjowLCJNYXJnaW4iOnsiJGlkIjoiNDQiLCJUb3AiOjAsIkxlZnQiOjUsIlJpZ2h0IjowLCJCb3R0b20iOjB9LCJQYWRkaW5nIjp7IiRpZCI6IjQ1IiwiVG9wIjowLCJMZWZ0IjowLCJSaWdodCI6MCwiQm90dG9tIjowfSwiQmFja2dyb3VuZCI6eyIkaWQiOiI0NiIsIkNvbG9yIjp7IiRyZWYiOiIyMCJ9fSwiSXNWaXNpYmxlIjp0cnVlLCJXaWR0aCI6MC4wLCJIZWlnaHQiOjAuMCwiQm9yZGVyU3R5bGUiOm51bGwsIlBhcmVudFN0eWxlIjpudWxsfSwiRWxhcHNlZFRpbWVCYWNrZ3JvdW5kIjp7IiRpZCI6IjQ3IiwiQ29sb3IiOnsiJGlkIjoiNDgiLCJBIjo3NywiUiI6MjU1LCJHIjoxOTIsIkIiOjB9fSwiQXBwZW5kWWVhck9uWWVhckNoYW5nZSI6dHJ1ZSwiRWxhcHNlZFRpbWVGb3JtYXQiOjEsIlRvZGF5TWFya2VyUG9zaXRpb24iOjMsIlF1aWNrUG9zaXRpb24iOjIsIkFic29sdXRlUG9zaXRpb24iOjQwNS4wLCJNYXJnaW4iOnsiJGlkIjoiNDkiLCJUb3AiOjAsIkxlZnQiOjEwLCJSaWdodCI6MTAsIkJvdHRvbSI6MH0sIlBhZGRpbmciOnsiJGlkIjoiNTAiLCJUb3AiOjAsIkxlZnQiOjAsIlJpZ2h0IjowLCJCb3R0b20iOjB9LCJCYWNrZ3JvdW5kIjp7IiRpZCI6IjUxIiwiQ29sb3IiOnsiJGlkIjoiNTIiLCJBIjoyNTUsIlIiOjE3OCwiRyI6MTc4LCJCIjoxNzh9fSwiSXNWaXNpYmxlIjp0cnVlLCJXaWR0aCI6MC4wLCJIZWlnaHQiOjAuMCwiQm9yZGVyU3R5bGUiOm51bGwsIlBhcmVudFN0eWxlIjpudWxsfSwiRGVmYXVsdE1pbGVzdG9uZVN0eWxlIjp7IiRpZCI6IjUzIiwiU2hhcGUiOjcsIkNvbm5lY3Rvck1hcmdpbiI6eyIkaWQiOiI1NCIsIlRvcCI6MCwiTGVmdCI6MiwiUmlnaHQiOjIsIkJvdHRvbSI6MH0sIkNvbm5lY3RvclN0eWxlIjp7IiRpZCI6IjU1IiwiTGluZUNvbG9yIjp7IiRpZCI6IjU2IiwiJHR5cGUiOiJOTFJFLkNvbW1vbi5Eb20uU29saWRDb2xvckJydXNoLCBOTFJFLkNvbW1vbiIsIkNvbG9yIjp7IiRpZCI6IjU3IiwiQSI6MTI3LCJSIjozMSwiRyI6NzMsIkIiOjEyNn19LCJMaW5lV2VpZ2h0IjoxLjAsIkxpbmVUeXBlIjowLCJQYXJlbnRTdHlsZSI6bnVsbH0sIklzQmVsb3dUaW1lYmFuZCI6ZmFsc2UsIlBvc2l0aW9uT25UYXNrIjowLCJIaWRlRGF0ZSI6ZmFsc2UsIlNoYXBlU2l6ZSI6MSwiU3BhY2luZyI6Mi4wLCJQYWRkaW5nIjp7IiRpZCI6IjU4IiwiVG9wIjo3LCJMZWZ0IjozLCJSaWdodCI6MCwiQm90dG9tIjoyfSwiU2hhcGVTdHlsZSI6eyIkaWQiOiI1OSIsIk1hcmdpbiI6eyIkaWQiOiI2MCIsIlRvcCI6MCwiTGVmdCI6MCwiUmlnaHQiOjAsIkJvdHRvbSI6MH0sIlBhZGRpbmciOnsiJGlkIjoiNjEiLCJUb3AiOjAsIkxlZnQiOjAsIlJpZ2h0IjowLCJCb3R0b20iOjB9LCJCYWNrZ3JvdW5kIjp7IiRpZCI6IjYyIiwiQ29sb3IiOnsiJGlkIjoiNjMiLCJBIjoyNTUsIlIiOjAsIkciOjExNCwiQiI6MTg4fX0sIklzVmlzaWJsZSI6dHJ1ZSwiV2lkdGgiOjE4LjAsIkhlaWdodCI6MjAuMCwiQm9yZGVyU3R5bGUiOnsiJGlkIjoiNjQiLCJMaW5lQ29sb3IiOnsiJGlkIjoiNjUiLCIkdHlwZSI6Ik5MUkUuQ29tbW9uLkRvbS5Tb2xpZENvbG9yQnJ1c2gsIE5MUkUuQ29tbW9uIiwiQ29sb3IiOnsiJGlkIjoiNjYiLCJBIjoyNTUsIlIiOjI1NSwiRyI6MCwiQiI6MH19LCJMaW5lV2VpZ2h0IjowLjAsIkxpbmVUeXBlIjowLCJQYXJlbnRTdHlsZSI6bnVsbH0sIlBhcmVudFN0eWxlIjpudWxsfSwiVGl0bGVTdHlsZSI6eyIkaWQiOiI2NyIsIkZvbnRTZXR0aW5ncyI6eyIkaWQiOiI2OCIsIkZvbnRTaXplIjoxMSwiRm9udE5hbWUiOiJDYWxpYnJpIiwiSXNCb2xkIjp0cnVlLCJJc0l0YWxpYyI6ZmFsc2UsIklzVW5kZXJsaW5lZCI6ZmFsc2UsIlBhcmVudFN0eWxlIjpudWxsfSwiQXV0b1NpemUiOjAsIkZvcmVncm91bmQiOnsiJGlkIjoiNjkiLCJDb2xvciI6eyIkaWQiOiI3MCIsIkEiOjI1NSwiUiI6MCwiRyI6MCwiQiI6MH19LCJNYXhXaWR0aCI6MjAwLjAsIk1heEhlaWdodCI6IkluZmluaXR5IiwiU21hcnRGb3JlZ3JvdW5kSXNBY3RpdmUiOmZhbHNlLCJIb3Jpem9udGFsQWxpZ25tZW50IjoxLCJWZXJ0aWNhbEFsaWdubWVudCI6MCwiU21hcnRGb3JlZ3JvdW5kIjpudWxsLCJCYWNrZ3JvdW5kRmlsbFR5cGUiOjAsIk1hcmdpbiI6eyIkaWQiOiI3MSIsIlRvcCI6MCwiTGVmdCI6MCwiUmlnaHQiOjAsIkJvdHRvbSI6MH0sIlBhZGRpbmciOnsiJGlkIjoiNzIiLCJUb3AiOjAsIkxlZnQiOjAsIlJpZ2h0IjowLCJCb3R0b20iOjB9LCJCYWNrZ3JvdW5kIjp7IiRpZCI6IjczIiwiQ29sb3IiOnsiJHJlZiI6IjIwIn19LCJJc1Zpc2libGUiOnRydWUsIldpZHRoIjowLjAsIkhlaWdodCI6MC4wLCJCb3JkZXJTdHlsZSI6bnVsbCwiUGFyZW50U3R5bGUiOm51bGx9LCJEYXRlU3R5bGUiOnsiJGlkIjoiNzQiLCJGb250U2V0dGluZ3MiOnsiJGlkIjoiNzUiLCJGb250U2l6ZSI6MTAsIkZvbnROYW1lIjoiQ2FsaWJyaSIsIklzQm9sZCI6ZmFsc2UsIklzSXRhbGljIjpmYWxzZSwiSXNVbmRlcmxpbmVkIjpmYWxzZSwiUGFyZW50U3R5bGUiOm51bGx9LCJBdXRvU2l6ZSI6MCwiRm9yZWdyb3VuZCI6eyIkaWQiOiI3NiIsIkNvbG9yIjp7IiRpZCI6Ijc3IiwiQSI6MjU1LCJSIjo2OCwiRyI6ODQsIkIiOjEwNn19LCJNYXhXaWR0aCI6MjAwLjAsIk1heEhlaWdodCI6IkluZmluaXR5IiwiU21hcnRGb3JlZ3JvdW5kSXNBY3RpdmUiOmZhbHNlLCJIb3Jpem9udGFsQWxpZ25tZW50IjowLCJWZXJ0aWNhbEFsaWdubWVudCI6MCwiU21hcnRGb3JlZ3JvdW5kIjpudWxsLCJCYWNrZ3JvdW5kRmlsbFR5cGUiOjAsIk1hcmdpbiI6eyIkaWQiOiI3OCIsIlRvcCI6MCwiTGVmdCI6MCwiUmlnaHQiOjAsIkJvdHRvbSI6MH0sIlBhZGRpbmciOnsiJGlkIjoiNzkiLCJUb3AiOjAsIkxlZnQiOjAsIlJpZ2h0IjowLCJCb3R0b20iOjB9LCJCYWNrZ3JvdW5kIjp7IiRpZCI6IjgwIiwiQ29sb3IiOnsiJHJlZiI6IjIwIn19LCJJc1Zpc2libGUiOnRydWUsIldpZHRoIjowLjAsIkhlaWdodCI6MC4wLCJCb3JkZXJTdHlsZSI6bnVsbCwiUGFyZW50U3R5bGUiOm51bGx9LCJEYXRlRm9ybWF0Ijp7IiRpZCI6IjgxIiwiRm9ybWF0U3RyaW5nIjoiTU1NIGQiLCJTZXBhcmF0b3IiOiIvIiwiVXNlSW50ZXJuYXRpb25hbERhdGVGb3JtYXQiOmZhbHNlLCJEYXRlSXNWaXNpYmxlIjp0cnVlLCJUaW1lSXNWaXNpYmxlIjpmYWxzZSwiSG91ckRpZ2l0cyI6MSwiQW1QbURlc2lnbmF0b3IiOjIsIlRyaW0wME1pbnV0ZXMiOmZhbHNlLCJMYXN0S25vd25WaXNpYmlsaXR5U3RhdGUiOm51bGx9LCJJc1Zpc2libGUiOnRydWUsIlBhcmVudFN0eWxlIjpudWxsfSwiRGVmYXVsdFRhc2tTdHlsZSI6eyIkaWQiOiI4MiIsIlNoYXBlIjowLCJTaGFwZVRoaWNrbmVzcyI6MiwiRHVyYXRpb25Gb3JtYXQiOjAsIkluY2x1ZGVOb25Xb3JraW5nRGF5c0luRHVyYXRpb24iOmZhbHNlLCJQZXJjZW50YWdlQ29tcGxldGVTdHlsZSI6eyIkaWQiOiI4MyIsIkZvbnRTZXR0aW5ncyI6eyIkaWQiOiI4NCIsIkZvbnRTaXplIjoxMCwiRm9udE5hbWUiOiJDYWxpYnJpIiwiSXNCb2xkIjpmYWxzZSwiSXNJdGFsaWMiOmZhbHNlLCJJc1VuZGVybGluZWQiOmZhbHNlLCJQYXJlbnRTdHlsZSI6bnVsbH0sIkF1dG9TaXplIjowLCJGb3JlZ3JvdW5kIjp7IiRpZCI6Ijg1IiwiQ29sb3IiOnsiJGlkIjoiODYiLCJBIjoyNTUsIlIiOjIzOCwiRyI6MjM2LCJCIjoyMjV9fSwiTWF4V2lkdGgiOjIwMC4wLCJNYXhIZWlnaHQiOiJJbmZpbml0eSIsIlNtYXJ0Rm9yZWdyb3VuZElzQWN0aXZlIjpmYWxzZSwiSG9yaXpvbnRhbEFsaWdubWVudCI6MSwiVmVydGljYWxBbGlnbm1lbnQiOjAsIlNtYXJ0Rm9yZWdyb3VuZCI6bnVsbCwiQmFja2dyb3VuZEZpbGxUeXBlIjowLCJNYXJnaW4iOnsiJGlkIjoiODciLCJUb3AiOjAsIkxlZnQiOjAsIlJpZ2h0IjowLCJCb3R0b20iOjB9LCJQYWRkaW5nIjp7IiRpZCI6Ijg4IiwiVG9wIjowLCJMZWZ0IjowLCJSaWdodCI6MCwiQm90dG9tIjowfSwiQmFja2dyb3VuZCI6eyIkaWQiOiI4OSIsIkNvbG9yIjp7IiRyZWYiOiIyMCJ9fSwiSXNWaXNpYmxlIjp0cnVlLCJXaWR0aCI6MC4wLCJIZWlnaHQiOjAuMCwiQm9yZGVyU3R5bGUiOm51bGwsIlBhcmVudFN0eWxlIjpudWxsfSwiRHVyYXRpb25TdHlsZSI6eyIkaWQiOiI5MCIsIkZvbnRTZXR0aW5ncyI6eyIkaWQiOiI5MSIsIkZvbnRTaXplIjoxMCwiRm9udE5hbWUiOiJDYWxpYnJpIiwiSXNCb2xkIjpmYWxzZSwiSXNJdGFsaWMiOmZhbHNlLCJJc1VuZGVybGluZWQiOmZhbHNlLCJQYXJlbnRTdHlsZSI6bnVsbH0sIkF1dG9TaXplIjowLCJGb3JlZ3JvdW5kIjp7IiRpZCI6IjkyIiwiQ29sb3IiOnsiJGlkIjoiOTMiLCJBIjoyNTUsIlIiOjIzNywiRyI6MTI1LCJCIjo0OX19LCJNYXhXaWR0aCI6MjAwLjAsIk1heEhlaWdodCI6IkluZmluaXR5IiwiU21hcnRGb3JlZ3JvdW5kSXNBY3RpdmUiOmZhbHNlLCJIb3Jpem9udGFsQWxpZ25tZW50IjowLCJWZXJ0aWNhbEFsaWdubWVudCI6MCwiU21hcnRGb3JlZ3JvdW5kIjpudWxsLCJCYWNrZ3JvdW5kRmlsbFR5cGUiOjAsIk1hcmdpbiI6eyIkaWQiOiI5NCIsIlRvcCI6MCwiTGVmdCI6MCwiUmlnaHQiOjAsIkJvdHRvbSI6MH0sIlBhZGRpbmciOnsiJGlkIjoiOTUiLCJUb3AiOjAsIkxlZnQiOjAsIlJpZ2h0IjowLCJCb3R0b20iOjB9LCJCYWNrZ3JvdW5kIjp7IiRpZCI6Ijk2IiwiQ29sb3IiOnsiJHJlZiI6IjIwIn19LCJJc1Zpc2libGUiOnRydWUsIldpZHRoIjowLjAsIkhlaWdodCI6MC4wLCJCb3JkZXJTdHlsZSI6bnVsbCwiUGFyZW50U3R5bGUiOm51bGx9LCJIb3Jpem9udGFsQ29ubmVjdG9yU3R5bGUiOnsiJGlkIjoiOTciLCJMaW5lQ29sb3IiOnsiJGlkIjoiOTgiLCIkdHlwZSI6Ik5MUkUuQ29tbW9uLkRvbS5Tb2xpZENvbG9yQnJ1c2gsIE5MUkUuQ29tbW9uIiwiQ29sb3IiOnsiJGlkIjoiOTkiLCJBIjoyNTUsIlIiOjIwNCwiRyI6MjA0LCJCIjoyMDR9fSwiTGluZVdlaWdodCI6MS4wLCJMaW5lVHlwZSI6MCwiUGFyZW50U3R5bGUiOm51bGx9LCJWZXJ0aWNhbENvbm5lY3RvclN0eWxlIjp7IiRpZCI6IjEwMCIsIkxpbmVDb2xvciI6eyIkaWQiOiIxMDEiLCIkdHlwZSI6Ik5MUkUuQ29tbW9uLkRvbS5Tb2xpZENvbG9yQnJ1c2gsIE5MUkUuQ29tbW9uIiwiQ29sb3IiOnsiJGlkIjoiMTAyIiwiQSI6MjU1LCJSIjoyMDQsIkciOjIwNCwiQiI6MjA0fX0sIkxpbmVXZWlnaHQiOjEuMCwiTGluZVR5cGUiOjAsIlBhcmVudFN0eWxlIjpudWxsfSwiTWFyZ2luIjpudWxsLCJTdGFydERhdGVQb3NpdGlvbiI6NCwiRW5kRGF0ZVBvc2l0aW9uIjo0LCJEYXRlSXNWaXNpYmxlIjp0cnVlLCJUaXRsZVBvc2l0aW9uIjoyLCJEdXJhdGlvblBvc2l0aW9uIjo2LCJQZXJjZW50YWdlQ29tcGxldGVkUG9zaXRpb24iOjIsIlNwYWNpbmciOjUsIklzQmVsb3dUaW1lYmFuZCI6ZmFsc2UsIlBlcmNlbnRhZ2VDb21wbGV0ZVNoYXBlT3BhY2l0eSI6MzUsIlNoYXBlU3R5bGUiOnsiJGlkIjoiMTAzIiwiTWFyZ2luIjp7IiRpZCI6IjEwNCIsIlRvcCI6MCwiTGVmdCI6NCwiUmlnaHQiOjQsIkJvdHRvbSI6MH0sIlBhZGRpbmciOnsiJGlkIjoiMTA1IiwiVG9wIjowLCJMZWZ0IjowLCJSaWdodCI6MCwiQm90dG9tIjowfSwiQmFja2dyb3VuZCI6eyIkaWQiOiIxMDYiLCJDb2xvciI6eyIkaWQiOiIxMDciLCJBIjoyNTUsIlIiOjAsIkciOjExNCwiQiI6MTg4fX0sIklzVmlzaWJsZSI6dHJ1ZSwiV2lkdGgiOjAuMCwiSGVpZ2h0IjoyMi4wLCJCb3JkZXJTdHlsZSI6eyIkaWQiOiIxMDgiLCJMaW5lQ29sb3IiOnsiJGlkIjoiMTA5IiwiJHR5cGUiOiJOTFJFLkNvbW1vbi5Eb20uU29saWRDb2xvckJydXNoLCBOTFJFLkNvbW1vbiIsIkNvbG9yIjp7IiRpZCI6IjExMCIsIkEiOjI1NSwiUiI6MjU1LCJHIjowLCJCIjowfX0sIkxpbmVXZWlnaHQiOjAuMCwiTGluZVR5cGUiOjAsIlBhcmVudFN0eWxlIjpudWxsfSwiUGFyZW50U3R5bGUiOm51bGx9LCJUaXRsZVN0eWxlIjp7IiRpZCI6IjExMSIsIkZvbnRTZXR0aW5ncyI6eyIkaWQiOiIxMTIiLCJGb250U2l6ZSI6MTEsIkZvbnROYW1lIjoiQ2FsaWJyaSIsIklzQm9sZCI6dHJ1ZSwiSXNJdGFsaWMiOmZhbHNlLCJJc1VuZGVybGluZWQiOmZhbHNlLCJQYXJlbnRTdHlsZSI6bnVsbH0sIkF1dG9TaXplIjowLCJGb3JlZ3JvdW5kIjp7IiRpZCI6IjExMyIsIkNvbG9yIjp7IiRpZCI6IjExNCIsIkEiOjI1NSwiUiI6MCwiRyI6MCwiQiI6MH19LCJNYXhXaWR0aCI6OTYwLjAsIk1heEhlaWdodCI6IkluZmluaXR5IiwiU21hcnRGb3JlZ3JvdW5kSXNBY3RpdmUiOmZhbHNlLCJIb3Jpem9udGFsQWxpZ25tZW50IjoxLCJWZXJ0aWNhbEFsaWdubWVudCI6MCwiU21hcnRGb3JlZ3JvdW5kIjpudWxsLCJCYWNrZ3JvdW5kRmlsbFR5cGUiOjAsIk1hcmdpbiI6eyIkaWQiOiIxMTUiLCJUb3AiOjAsIkxlZnQiOjAsIlJpZ2h0IjowLCJCb3R0b20iOjB9LCJQYWRkaW5nIjp7IiRpZCI6IjExNiIsIlRvcCI6MCwiTGVmdCI6MCwiUmlnaHQiOjAsIkJvdHRvbSI6MH0sIkJhY2tncm91bmQiOnsiJGlkIjoiMTE3IiwiQ29sb3IiOnsiJHJlZiI6IjIwIn19LCJJc1Zpc2libGUiOnRydWUsIldpZHRoIjowLjAsIkhlaWdodCI6MC4wLCJCb3JkZXJTdHlsZSI6bnVsbCwiUGFyZW50U3R5bGUiOm51bGx9LCJEYXRlU3R5bGUiOnsiJGlkIjoiMTE4IiwiRm9udFNldHRpbmdzIjp7IiRpZCI6IjExOSIsIkZvbnRTaXplIjoxMCwiRm9udE5hbWUiOiJDYWxpYnJpIiwiSXNCb2xkIjpmYWxzZSwiSXNJdGFsaWMiOmZhbHNlLCJJc1VuZGVybGluZWQiOmZhbHNlLCJQYXJlbnRTdHlsZSI6bnVsbH0sIkF1dG9TaXplIjowLCJGb3JlZ3JvdW5kIjp7IiRpZCI6IjEyMCIsIkNvbG9yIjp7IiRpZCI6IjEyMSIsIkEiOjI1NSwiUiI6NjgsIkciOjg0LCJCIjoxMDZ9fSwiTWF4V2lkdGgiOjIwMC4wLCJNYXhIZWlnaHQiOiJJbmZpbml0eSIsIlNtYXJ0Rm9yZWdyb3VuZElzQWN0aXZlIjpmYWxzZSwiSG9yaXpvbnRhbEFsaWdubWVudCI6MCwiVmVydGljYWxBbGlnbm1lbnQiOjAsIlNtYXJ0Rm9yZWdyb3VuZCI6bnVsbCwiQmFja2dyb3VuZEZpbGxUeXBlIjowLCJNYXJnaW4iOnsiJGlkIjoiMTIyIiwiVG9wIjowLCJMZWZ0IjowLCJSaWdodCI6MCwiQm90dG9tIjowfSwiUGFkZGluZyI6eyIkaWQiOiIxMjMiLCJUb3AiOjAsIkxlZnQiOjAsIlJpZ2h0IjowLCJCb3R0b20iOjB9LCJCYWNrZ3JvdW5kIjp7IiRpZCI6IjEyNCIsIkNvbG9yIjp7IiRyZWYiOiIyMCJ9fSwiSXNWaXNpYmxlIjp0cnVlLCJXaWR0aCI6MC4wLCJIZWlnaHQiOjAuMCwiQm9yZGVyU3R5bGUiOm51bGwsIlBhcmVudFN0eWxlIjpudWxsfSwiRGF0ZUZvcm1hdCI6eyIkaWQiOiIxMjUiLCJGb3JtYXRTdHJpbmciOiJNTU0gZCIsIlNlcGFyYXRvciI6Ii8iLCJVc2VJbnRlcm5hdGlvbmFsRGF0ZUZvcm1hdCI6ZmFsc2UsIkRhdGVJc1Zpc2libGUiOnRydWUsIlRpbWVJc1Zpc2libGUiOmZhbHNlLCJIb3VyRGlnaXRzIjoxLCJBbVBtRGVzaWduYXRvciI6MiwiVHJpbTAwTWludXRlcyI6ZmFsc2UsIkxhc3RLbm93blZpc2liaWxpdHlTdGF0ZSI6bnVsbH0sIklzVmlzaWJsZSI6dHJ1ZSwiUGFyZW50U3R5bGUiOm51bGwsIl9leHBsaWNpdGx5U2V0Ijp7IiRpZCI6IjEyNiIsIlNoYXBlU3R5bGUiOmZhbHNlLCJUaXRsZVN0eWxlIjpmYWxzZSwiRGF0ZVN0eWxlIjpmYWxzZSwiSG9yaXpvbnRhbENvbm5lY3RvclN0eWxlIjpmYWxzZSwiVmVydGljYWxDb25uZWN0b3JTdHlsZSI6ZmFsc2UsIlBlcmNlbnRhZ2VDb21wbGV0ZVNoYXBlT3BhY2l0eSI6ZmFsc2UsIlNoYXBlIjpmYWxzZSwiU2hhcGVUaGlja25lc3MiOmZhbHNlLCJEdXJhdGlvbkZvcm1hdCI6ZmFsc2UsIkluY2x1ZGVOb25Xb3JraW5nRGF5c0luRHVyYXRpb24iOmZhbHNlLCJNYXJnaW4iOmZhbHNlLCJTdGFydERhdGVQb3NpdGlvbiI6ZmFsc2UsIkVuZERhdGVQb3NpdGlvbiI6ZmFsc2UsIlRpdGxlUG9zaXRpb24iOmZhbHNlLCJEdXJhdGlvblBvc2l0aW9uIjpmYWxzZSwiUGVyY2VudGFnZUNvbXBsZXRlZFBvc2l0aW9uIjpmYWxzZSwiU3BhY2luZyI6ZmFsc2UsIklzQmVsb3dUaW1lYmFuZCI6ZmFsc2UsIkRhdGVGb3JtYXQiOmZhbHNlLCJJc1Zpc2libGUiOmZhbHNlfX0sIkdyaWRsaW5lUGFuZWxTdHlsZSI6eyIkaWQiOiIxMjciLCJHcmlkbGluZVN0eWxlIjp7IiRpZCI6IjEyOCIsIkxpbmVDb2xvciI6eyIkaWQiOiIxMjkiLCIkdHlwZSI6Ik5MUkUuQ29tbW9uLkRvbS5Tb2xpZENvbG9yQnJ1c2gsIE5MUkUuQ29tbW9uIiwiQ29sb3IiOnsiJGlkIjoiMTMwIiwiQSI6MzgsIlIiOjkxLCJHIjoxNTUsIkIiOjIxM319LCJMaW5lV2VpZ2h0IjoxLjAsIkxpbmVUeXBlIjowLCJQYXJlbnRTdHlsZSI6bnVsbH0sIk1hcmdpbiI6eyIkaWQiOiIxMzEiLCJUb3AiOjAsIkxlZnQiOjAsIlJpZ2h0IjowLCJCb3R0b20iOjB9LCJQYWRkaW5nIjp7IiRpZCI6IjEzMiIsIlRvcCI6MCwiTGVmdCI6MCwiUmlnaHQiOjAsIkJvdHRvbSI6MH0sIkJhY2tncm91bmQiOm51bGwsIklzVmlzaWJsZSI6dHJ1ZSwiV2lkdGgiOjAuMCwiSGVpZ2h0IjowLjAsIkJvcmRlclN0eWxlIjp7IiRpZCI6IjEzMyIsIkxpbmVDb2xvciI6bnVsbCwiTGluZVdlaWdodCI6MC4wLCJMaW5lVHlwZSI6MCwiUGFyZW50U3R5bGUiOm51bGx9LCJQYXJlbnRTdHlsZSI6bnVsbH0sIlNob3dFbGFwc2VkVGltZUdyYWRpZW50U3R5bGUiOnRydWUsIkRlZmF1bHRTd2ltbGFuZVN0eWxlIjp7IiRpZCI6IjEzNCIsIkhlYWRlclN0eWxlIjp7IiRpZCI6IjEzNSIsIlRleHRTdHlsZSI6eyIkaWQiOiIxMzYiLCJGb250U2V0dGluZ3MiOnsiJGlkIjoiMTM3IiwiRm9udFNpemUiOjEyLCJGb250TmFtZSI6IkNhbGlicmkiLCJJc0JvbGQiOmZhbHNlLCJJc0l0YWxpYyI6ZmFsc2UsIklzVW5kZXJsaW5lZCI6ZmFsc2UsIlBhcmVudFN0eWxlIjpudWxsfSwiQXV0b1NpemUiOjAsIkZvcmVncm91bmQiOnsiJGlkIjoiMTM4IiwiQ29sb3IiOnsiJGlkIjoiMTM5IiwiQSI6MjU1LCJSIjozMiwiRyI6NTYsIkIiOjEwMH19LCJNYXhXaWR0aCI6MC4wLCJNYXhIZWlnaHQiOjAuMCwiU21hcnRGb3JlZ3JvdW5kSXNBY3RpdmUiOmZhbHNlLCJIb3Jpem9udGFsQWxpZ25tZW50IjowLCJWZXJ0aWNhbEFsaWdubWVudCI6MCwiU21hcnRGb3JlZ3JvdW5kIjpudWxsLCJCYWNrZ3JvdW5kRmlsbFR5cGUiOjAsIk1hcmdpbiI6eyIkaWQiOiIxNDAiLCJUb3AiOjAsIkxlZnQiOjAsIlJpZ2h0IjowLCJCb3R0b20iOjB9LCJQYWRkaW5nIjp7IiRpZCI6IjE0MSIsIlRvcCI6MCwiTGVmdCI6MCwiUmlnaHQiOjAsIkJvdHRvbSI6MH0sIkJhY2tncm91bmQiOm51bGwsIklzVmlzaWJsZSI6ZmFsc2UsIldpZHRoIjowLjAsIkhlaWdodCI6MC4wLCJCb3JkZXJTdHlsZSI6bnVsbCwiUGFyZW50U3R5bGUiOm51bGx9LCJSZWN0YW5nbGVTdHlsZSI6eyIkaWQiOiIxNDIiLCJNYXJnaW4iOnsiJGlkIjoiMTQzIiwiVG9wIjowLCJMZWZ0IjowLCJSaWdodCI6MCwiQm90dG9tIjowfSwiUGFkZGluZyI6eyIkaWQiOiIxNDQiLCJUb3AiOjAsIkxlZnQiOjAsIlJpZ2h0IjowLCJCb3R0b20iOjB9LCJCYWNrZ3JvdW5kIjp7IiRpZCI6IjE0NSIsIkNvbG9yIjp7IiRpZCI6IjE0NiIsIkEiOjEyNywiUiI6OTEsIkciOjE1NSwiQiI6MjEzfX0sIklzVmlzaWJsZSI6ZmFsc2UsIldpZHRoIjowLjAsIkhlaWdodCI6MC4wLCJCb3JkZXJTdHlsZSI6eyIkaWQiOiIxNDciLCJMaW5lQ29sb3IiOnsiJGlkIjoiMTQ4IiwiJHR5cGUiOiJOTFJFLkNvbW1vbi5Eb20uU29saWRDb2xvckJydXNoLCBOTFJFLkNvbW1vbiIsIkNvbG9yIjp7IiRpZCI6IjE0OSIsIkEiOjI1NSwiUiI6MjU1LCJHIjowLCJCIjowfX0sIkxpbmVXZWlnaHQiOjAuMCwiTGluZVR5cGUiOjAsIlBhcmVudFN0eWxlIjpudWxsfSwiUGFyZW50U3R5bGUiOm51bGx9LCJNYXJnaW4iOnsiJGlkIjoiMTUwIiwiVG9wIjowLCJMZWZ0IjowLCJSaWdodCI6MCwiQm90dG9tIjowfSwiUGFkZGluZyI6eyIkaWQiOiIxNTEiLCJUb3AiOjAsIkxlZnQiOjAsIlJpZ2h0IjowLCJCb3R0b20iOjB9LCJCYWNrZ3JvdW5kIjpudWxsLCJJc1Zpc2libGUiOnRydWUsIldpZHRoIjowLjAsIkhlaWdodCI6MC4wLCJCb3JkZXJTdHlsZSI6bnVsbCwiUGFyZW50U3R5bGUiOm51bGx9LCJCYWNrZ3JvdW5kU3R5bGUiOnsiJGlkIjoiMTUyIiwiTWFyZ2luIjp7IiRpZCI6IjE1MyIsIlRvcCI6MCwiTGVmdCI6MCwiUmlnaHQiOjAsIkJvdHRvbSI6MH0sIlBhZGRpbmciOnsiJGlkIjoiMTU0IiwiVG9wIjowLCJMZWZ0IjowLCJSaWdodCI6MCwiQm90dG9tIjowfSwiQmFja2dyb3VuZCI6eyIkaWQiOiIxNTUiLCJDb2xvciI6eyIkaWQiOiIxNTYiLCJBIjozOCwiUiI6OTEsIkciOjE1NSwiQiI6MjEzfX0sIklzVmlzaWJsZSI6dHJ1ZSwiV2lkdGgiOjAuMCwiSGVpZ2h0IjowLjAsIkJvcmRlclN0eWxlIjp7IiRpZCI6IjE1NyIsIkxpbmVDb2xvciI6eyIkaWQiOiIxNTgiLCIkdHlwZSI6Ik5MUkUuQ29tbW9uLkRvbS5Tb2xpZENvbG9yQnJ1c2gsIE5MUkUuQ29tbW9uIiwiQ29sb3IiOnsiJGlkIjoiMTU5IiwiQSI6MjU1LCJSIjoyNTUsIkciOjAsIkIiOjB9fSwiTGluZVdlaWdodCI6MC4wLCJMaW5lVHlwZSI6MCwiUGFyZW50U3R5bGUiOm51bGx9LCJQYXJlbnRTdHlsZSI6bnVsbH0sIklzQWJvdmVUaW1lYmFuZCI6ZmFsc2UsIk1hcmdpbiI6eyIkaWQiOiIxNjAiLCJUb3AiOjAsIkxlZnQiOjAsIlJpZ2h0IjowLCJCb3R0b20iOjB9LCJQYWRkaW5nIjp7IiRpZCI6IjE2MSIsIlRvcCI6MCwiTGVmdCI6MCwiUmlnaHQiOjAsIkJvdHRvbSI6MH0sIklzVmlzaWJsZSI6dHJ1ZSwiV2lkdGgiOjAuMCwiSGVpZ2h0IjowLjAsIkJvcmRlclN0eWxlIjpudWxsLCJQYXJlbnRTdHlsZSI6bnVsbH19LCJTY2FsZSI6eyIkaWQiOiIxNjIiLCJTdGFydERhdGUiOiIwMDAxLTAxLTAxVDAwOjAwOjAwIiwiRW5kRGF0ZSI6IjIwMjAtMDMtMjBUMjM6NTk6MDAiLCJGb3JtYXQiOiJNTU0iLCJUeXBlIjoyLCJBdXRvRGF0ZVJhbmdlIjp0cnVlLCJXb3JraW5nRGF5cyI6MzEsIlRvZGF5TWFya2VyVGV4dCI6IlRvZGF5IiwiQXV0b1NjYWxlVHlwZSI6dHJ1ZX0sIk1pbGVzdG9uZXMiOltdLCJUYXNrcyI6W3siJGlkIjoiMTYzIiwiR3JvdXBOYW1lIjpudWxsLCJTdGFydERhdGUiOiIyMDE5LTExLTExVDAwOjAwOjAwIiwiRW5kRGF0ZSI6IjIwMTktMTEtMjJUMjM6NTk6MDAiLCJQZXJjZW50YWdlQ29tcGxldGUiOjEwMC4wLCJTdHlsZSI6eyIkaWQiOiIxNjQiLCJTaGFwZSI6MCwiU2hhcGVUaGlja25lc3MiOjIsIkR1cmF0aW9uRm9ybWF0IjowLCJJbmNsdWRlTm9uV29ya2luZ0RheXNJbkR1cmF0aW9uIjpmYWxzZSwiUGVyY2VudGFnZUNvbXBsZXRlU3R5bGUiOnsiJGlkIjoiMTY1IiwiRm9udFNldHRpbmdzIjp7IiRpZCI6IjE2NiIsIkZvbnRTaXplIjoxMCwiRm9udE5hbWUiOiJDYWxpYnJpIiwiSXNCb2xkIjpmYWxzZSwiSXNJdGFsaWMiOmZhbHNlLCJJc1VuZGVybGluZWQiOmZhbHNlLCJQYXJlbnRTdHlsZSI6bnVsbH0sIkF1dG9TaXplIjowLCJGb3JlZ3JvdW5kIjp7IiRyZWYiOiI4NSJ9LCJNYXhXaWR0aCI6MjAwLjAsIk1heEhlaWdodCI6IkluZmluaXR5IiwiU21hcnRGb3JlZ3JvdW5kSXNBY3RpdmUiOmZhbHNlLCJIb3Jpem9udGFsQWxpZ25tZW50IjowLCJWZXJ0aWNhbEFsaWdubWVudCI6MCwiU21hcnRGb3JlZ3JvdW5kIjpudWxsLCJCYWNrZ3JvdW5kRmlsbFR5cGUiOjAsIk1hcmdpbiI6eyIkaWQiOiIxNjciLCJUb3AiOjAsIkxlZnQiOjAsIlJpZ2h0IjowLCJCb3R0b20iOjB9LCJQYWRkaW5nIjp7IiRpZCI6IjE2OCIsIlRvcCI6MCwiTGVmdCI6MCwiUmlnaHQiOjAsIkJvdHRvbSI6MH0sIkJhY2tncm91bmQiOnsiJHJlZiI6Ijg5In0sIklzVmlzaWJsZSI6dHJ1ZSwiV2lkdGgiOjAuMCwiSGVpZ2h0IjowLjAsIkJvcmRlclN0eWxlIjp7IiRpZCI6IjE2OSIsIkxpbmVDb2xvciI6bnVsbCwiTGluZVdlaWdodCI6MC4wLCJMaW5lVHlwZSI6MCwiUGFyZW50U3R5bGUiOm51bGx9LCJQYXJlbnRTdHlsZSI6bnVsbH0sIkR1cmF0aW9uU3R5bGUiOnsiJGlkIjoiMTcwIiwiRm9udFNldHRpbmdzIjp7IiRpZCI6IjE3MSIsIkZvbnRTaXplIjoxMCwiRm9udE5hbWUiOiJDYWxpYnJpIiwiSXNCb2xkIjpmYWxzZSwiSXNJdGFsaWMiOmZhbHNlLCJJc1VuZGVybGluZWQiOmZhbHNlLCJQYXJlbnRTdHlsZSI6bnVsbH0sIkF1dG9TaXplIjowLCJGb3JlZ3JvdW5kIjp7IiRpZCI6IjE3MiIsIkNvbG9yIjp7IiRyZWYiOiI5MyJ9fSwiTWF4V2lkdGgiOjIwMC4wLCJNYXhIZWlnaHQiOiJJbmZpbml0eSIsIlNtYXJ0Rm9yZWdyb3VuZElzQWN0aXZlIjpmYWxzZSwiSG9yaXpvbnRhbEFsaWdubWVudCI6MCwiVmVydGljYWxBbGlnbm1lbnQiOjAsIlNtYXJ0Rm9yZWdyb3VuZCI6bnVsbCwiQmFja2dyb3VuZEZpbGxUeXBlIjowLCJNYXJnaW4iOnsiJGlkIjoiMTczIiwiVG9wIjowLCJMZWZ0IjowLCJSaWdodCI6MCwiQm90dG9tIjowfSwiUGFkZGluZyI6eyIkaWQiOiIxNzQiLCJUb3AiOjAsIkxlZnQiOjAsIlJpZ2h0IjowLCJCb3R0b20iOjB9LCJCYWNrZ3JvdW5kIjp7IiRyZWYiOiI5NiJ9LCJJc1Zpc2libGUiOnRydWUsIldpZHRoIjowLjAsIkhlaWdodCI6MC4wLCJCb3JkZXJTdHlsZSI6eyIkaWQiOiIxNzUiLCJMaW5lQ29sb3IiOm51bGwsIkxpbmVXZWlnaHQiOjAuMCwiTGluZVR5cGUiOjAsIlBhcmVudFN0eWxlIjpudWxsfSwiUGFyZW50U3R5bGUiOm51bGx9LCJIb3Jpem9udGFsQ29ubmVjdG9yU3R5bGUiOnsiJGlkIjoiMTc2IiwiTGluZUNvbG9yIjp7IiRyZWYiOiI5OCJ9LCJMaW5lV2VpZ2h0IjoxLjAsIkxpbmVUeXBlIjowLCJQYXJlbnRTdHlsZSI6bnVsbH0sIlZlcnRpY2FsQ29ubmVjdG9yU3R5bGUiOnsiJGlkIjoiMTc3IiwiTGluZUNvbG9yIjp7IiRyZWYiOiIxMDEifSwiTGluZVdlaWdodCI6MS4wLCJMaW5lVHlwZSI6MCwiUGFyZW50U3R5bGUiOm51bGx9LCJNYXJnaW4iOm51bGwsIlN0YXJ0RGF0ZVBvc2l0aW9uIjo0LCJFbmREYXRlUG9zaXRpb24iOjQsIkRhdGVJc1Zpc2libGUiOnRydWUsIlRpdGxlUG9zaXRpb24iOjMsIkR1cmF0aW9uUG9zaXRpb24iOjYsIlBlcmNlbnRhZ2VDb21wbGV0ZWRQb3NpdGlvbiI6MiwiU3BhY2luZyI6NSwiSXNCZWxvd1RpbWViYW5kIjpmYWxzZSwiUGVyY2VudGFnZUNvbXBsZXRlU2hhcGVPcGFjaXR5IjozNSwiU2hhcGVTdHlsZSI6eyIkaWQiOiIxNzgiLCJNYXJnaW4iOnsiJGlkIjoiMTc5IiwiVG9wIjowLCJMZWZ0Ijo0LCJSaWdodCI6NCwiQm90dG9tIjowfSwiUGFkZGluZyI6eyIkaWQiOiIxODAiLCJUb3AiOjAsIkxlZnQiOjAsIlJpZ2h0IjowLCJCb3R0b20iOjB9LCJCYWNrZ3JvdW5kIjp7IiRpZCI6IjE4MSIsIkNvbG9yIjp7IiRpZCI6IjE4MiIsIkEiOjI1NSwiUiI6MjM3LCJHIjoxMjUsIkIiOjQ5fX0sIklzVmlzaWJsZSI6dHJ1ZSwiV2lkdGgiOjAuMCwiSGVpZ2h0IjoyMi4wLCJCb3JkZXJTdHlsZSI6eyIkaWQiOiIxODMiLCJMaW5lQ29sb3IiOnsiJHJlZiI6IjEwOSJ9LCJMaW5lV2VpZ2h0IjowLjAsIkxpbmVUeXBlIjowLCJQYXJlbnRTdHlsZSI6bnVsbH0sIlBhcmVudFN0eWxlIjpudWxsfSwiVGl0bGVTdHlsZSI6eyIkaWQiOiIxODQiLCJGb250U2V0dGluZ3MiOnsiJGlkIjoiMTg1IiwiRm9udFNpemUiOjExLCJGb250TmFtZSI6IkNhbGlicmkiLCJJc0JvbGQiOnRydWUsIklzSXRhbGljIjpmYWxzZSwiSXNVbmRlcmxpbmVkIjpmYWxzZSwiUGFyZW50U3R5bGUiOm51bGx9LCJBdXRvU2l6ZSI6MCwiRm9yZWdyb3VuZCI6eyIkaWQiOiIxODYiLCJDb2xvciI6eyIkcmVmIjoiMTE0In19LCJNYXhXaWR0aCI6NzIwLjAsIk1heEhlaWdodCI6IkluZmluaXR5IiwiU21hcnRGb3JlZ3JvdW5kSXNBY3RpdmUiOmZhbHNlLCJIb3Jpem9udGFsQWxpZ25tZW50IjoyLCJWZXJ0aWNhbEFsaWdubWVudCI6MCwiU21hcnRGb3JlZ3JvdW5kIjpudWxsLCJCYWNrZ3JvdW5kRmlsbFR5cGUiOjAsIk1hcmdpbiI6eyIkaWQiOiIxODciLCJUb3AiOjAsIkxlZnQiOjAsIlJpZ2h0IjowLCJCb3R0b20iOjB9LCJQYWRkaW5nIjp7IiRpZCI6IjE4OCIsIlRvcCI6MCwiTGVmdCI6MCwiUmlnaHQiOjAsIkJvdHRvbSI6MH0sIkJhY2tncm91bmQiOnsiJHJlZiI6IjExNyJ9LCJJc1Zpc2libGUiOnRydWUsIldpZHRoIjowLjAsIkhlaWdodCI6MC4wLCJCb3JkZXJTdHlsZSI6eyIkaWQiOiIxODkiLCJMaW5lQ29sb3IiOm51bGwsIkxpbmVXZWlnaHQiOjAuMCwiTGluZVR5cGUiOjAsIlBhcmVudFN0eWxlIjpudWxsfSwiUGFyZW50U3R5bGUiOm51bGx9LCJEYXRlU3R5bGUiOnsiJGlkIjoiMTkwIiwiRm9udFNldHRpbmdzIjp7IiRpZCI6IjE5MSIsIkZvbnRTaXplIjoxMCwiRm9udE5hbWUiOiJDYWxpYnJpIiwiSXNCb2xkIjpmYWxzZSwiSXNJdGFsaWMiOmZhbHNlLCJJc1VuZGVybGluZWQiOmZhbHNlLCJQYXJlbnRTdHlsZSI6bnVsbH0sIkF1dG9TaXplIjowLCJGb3JlZ3JvdW5kIjp7IiRpZCI6IjE5MiIsIkNvbG9yIjp7IiRyZWYiOiIxMjEifX0sIk1heFdpZHRoIjoyMDAuMCwiTWF4SGVpZ2h0IjoiSW5maW5pdHkiLCJTbWFydEZvcmVncm91bmRJc0FjdGl2ZSI6ZmFsc2UsIkhvcml6b250YWxBbGlnbm1lbnQiOjAsIlZlcnRpY2FsQWxpZ25tZW50IjowLCJTbWFydEZvcmVncm91bmQiOm51bGwsIkJhY2tncm91bmRGaWxsVHlwZSI6MCwiTWFyZ2luIjp7IiRpZCI6IjE5MyIsIlRvcCI6MCwiTGVmdCI6MCwiUmlnaHQiOjAsIkJvdHRvbSI6MH0sIlBhZGRpbmciOnsiJGlkIjoiMTk0IiwiVG9wIjowLCJMZWZ0IjowLCJSaWdodCI6MCwiQm90dG9tIjowfSwiQmFja2dyb3VuZCI6eyIkcmVmIjoiMTI0In0sIklzVmlzaWJsZSI6dHJ1ZSwiV2lkdGgiOjAuMCwiSGVpZ2h0IjowLjAsIkJvcmRlclN0eWxlIjp7IiRpZCI6IjE5NSIsIkxpbmVDb2xvciI6bnVsbCwiTGluZVdlaWdodCI6MC4wLCJMaW5lVHlwZSI6MCwiUGFyZW50U3R5bGUiOm51bGx9LCJQYXJlbnRTdHlsZSI6bnVsbH0sIkRhdGVGb3JtYXQiOnsiJGlkIjoiMTk2IiwiRm9ybWF0U3RyaW5nIjoiTU1NIGQiLCJTZXBhcmF0b3IiOiIvIiwiVXNlSW50ZXJuYXRpb25hbERhdGVGb3JtYXQiOmZhbHNlLCJEYXRlSXNWaXNpYmxlIjp0cnVlLCJUaW1lSXNWaXNpYmxlIjpmYWxzZSwiSG91ckRpZ2l0cyI6MSwiQW1QbURlc2lnbmF0b3IiOjIsIlRyaW0wME1pbnV0ZXMiOmZhbHNlLCJMYXN0S25vd25WaXNpYmlsaXR5U3RhdGUiOm51bGx9LCJJc1Zpc2libGUiOnRydWUsIlBhcmVudFN0eWxlIjpudWxsfSwiSW5kZXgiOjAsIlNtYXJ0RHVyYXRpb25BY3RpdmF0ZWQiOmZhbHNlLCJEYXRlRm9ybWF0Ijp7IiRyZWYiOiIxOTYifSwiSWQiOiJjZTAxOTMzNy1mMjM5LTRjM2MtOTU2ZS05NTQzMWY0ZDExN2QiLCJJbXBvcnRJZCI6bnVsbCwiVGl0bGUiOiJDb21wcmVuZHJlIGwnb3V0aWwgUk9udG9Ub29scyIsIk5vdGUiOm51bGwsIkh5cGVybGluayI6eyIkaWQiOiIxOTciLCJBZGRyZXNzIjoiIiwiU3ViQWRkcmVzcyI6IiJ9LCJJc0NoYW5nZWQiOmZhbHNlLCJJc05ldyI6ZmFsc2V9LHsiJGlkIjoiMTk4IiwiR3JvdXBOYW1lIjpudWxsLCJTdGFydERhdGUiOiIyMDE5LTExLTExVDAwOjAwOjAwIiwiRW5kRGF0ZSI6IjIwMTktMTItMjBUMjM6NTk6MDAiLCJQZXJjZW50YWdlQ29tcGxldGUiOjIwLjAsIlN0eWxlIjp7IiRpZCI6IjE5OSIsIlNoYXBlIjowLCJTaGFwZVRoaWNrbmVzcyI6MiwiRHVyYXRpb25Gb3JtYXQiOjAsIkluY2x1ZGVOb25Xb3JraW5nRGF5c0luRHVyYXRpb24iOmZhbHNlLCJQZXJjZW50YWdlQ29tcGxldGVTdHlsZSI6eyIkaWQiOiIyMDAiLCJGb250U2V0dGluZ3MiOnsiJGlkIjoiMjAxIiwiRm9udFNpemUiOjEwLCJGb250TmFtZSI6IkNhbGlicmkiLCJJc0JvbGQiOmZhbHNlLCJJc0l0YWxpYyI6ZmFsc2UsIklzVW5kZXJsaW5lZCI6ZmFsc2UsIlBhcmVudFN0eWxlIjpudWxsfSwiQXV0b1NpemUiOjAsIkZvcmVncm91bmQiOnsiJHJlZiI6Ijg1In0sIk1heFdpZHRoIjoyMDAuMCwiTWF4SGVpZ2h0IjoiSW5maW5pdHkiLCJTbWFydEZvcmVncm91bmRJc0FjdGl2ZSI6ZmFsc2UsIkhvcml6b250YWxBbGlnbm1lbnQiOjAsIlZlcnRpY2FsQWxpZ25tZW50IjowLCJTbWFydEZvcmVncm91bmQiOm51bGwsIkJhY2tncm91bmRGaWxsVHlwZSI6MCwiTWFyZ2luIjp7IiRpZCI6IjIwMiIsIlRvcCI6MCwiTGVmdCI6MCwiUmlnaHQiOjAsIkJvdHRvbSI6MH0sIlBhZGRpbmciOnsiJGlkIjoiMjAzIiwiVG9wIjowLCJMZWZ0IjowLCJSaWdodCI6MCwiQm90dG9tIjowfSwiQmFja2dyb3VuZCI6eyIkcmVmIjoiODkifSwiSXNWaXNpYmxlIjp0cnVlLCJXaWR0aCI6MC4wLCJIZWlnaHQiOjAuMCwiQm9yZGVyU3R5bGUiOnsiJGlkIjoiMjA0IiwiTGluZUNvbG9yIjpudWxsLCJMaW5lV2VpZ2h0IjowLjAsIkxpbmVUeXBlIjowLCJQYXJlbnRTdHlsZSI6bnVsbH0sIlBhcmVudFN0eWxlIjpudWxsfSwiRHVyYXRpb25TdHlsZSI6eyIkaWQiOiIyMDUiLCJGb250U2V0dGluZ3MiOnsiJGlkIjoiMjA2IiwiRm9udFNpemUiOjEwLCJGb250TmFtZSI6IkNhbGlicmkiLCJJc0JvbGQiOmZhbHNlLCJJc0l0YWxpYyI6ZmFsc2UsIklzVW5kZXJsaW5lZCI6ZmFsc2UsIlBhcmVudFN0eWxlIjpudWxsfSwiQXV0b1NpemUiOjAsIkZvcmVncm91bmQiOnsiJGlkIjoiMjA3IiwiQ29sb3IiOnsiJHJlZiI6IjkzIn19LCJNYXhXaWR0aCI6MjAwLjAsIk1heEhlaWdodCI6IkluZmluaXR5IiwiU21hcnRGb3JlZ3JvdW5kSXNBY3RpdmUiOmZhbHNlLCJIb3Jpem9udGFsQWxpZ25tZW50IjowLCJWZXJ0aWNhbEFsaWdubWVudCI6MCwiU21hcnRGb3JlZ3JvdW5kIjpudWxsLCJCYWNrZ3JvdW5kRmlsbFR5cGUiOjAsIk1hcmdpbiI6eyIkaWQiOiIyMDgiLCJUb3AiOjAsIkxlZnQiOjAsIlJpZ2h0IjowLCJCb3R0b20iOjB9LCJQYWRkaW5nIjp7IiRpZCI6IjIwOSIsIlRvcCI6MCwiTGVmdCI6MCwiUmlnaHQiOjAsIkJvdHRvbSI6MH0sIkJhY2tncm91bmQiOnsiJHJlZiI6Ijk2In0sIklzVmlzaWJsZSI6dHJ1ZSwiV2lkdGgiOjAuMCwiSGVpZ2h0IjowLjAsIkJvcmRlclN0eWxlIjp7IiRpZCI6IjIxMCIsIkxpbmVDb2xvciI6bnVsbCwiTGluZVdlaWdodCI6MC4wLCJMaW5lVHlwZSI6MCwiUGFyZW50U3R5bGUiOm51bGx9LCJQYXJlbnRTdHlsZSI6bnVsbH0sIkhvcml6b250YWxDb25uZWN0b3JTdHlsZSI6eyIkaWQiOiIyMTEiLCJMaW5lQ29sb3IiOnsiJHJlZiI6Ijk4In0sIkxpbmVXZWlnaHQiOjEuMCwiTGluZVR5cGUiOjAsIlBhcmVudFN0eWxlIjpudWxsfSwiVmVydGljYWxDb25uZWN0b3JTdHlsZSI6eyIkaWQiOiIyMTIiLCJMaW5lQ29sb3IiOnsiJHJlZiI6IjEwMSJ9LCJMaW5lV2VpZ2h0IjoxLjAsIkxpbmVUeXBlIjowLCJQYXJlbnRTdHlsZSI6bnVsbH0sIk1hcmdpbiI6bnVsbCwiU3RhcnREYXRlUG9zaXRpb24iOjQsIkVuZERhdGVQb3NpdGlvbiI6NCwiRGF0ZUlzVmlzaWJsZSI6dHJ1ZSwiVGl0bGVQb3NpdGlvbiI6MiwiRHVyYXRpb25Qb3NpdGlvbiI6NiwiUGVyY2VudGFnZUNvbXBsZXRlZFBvc2l0aW9uIjoyLCJTcGFjaW5nIjo1LCJJc0JlbG93VGltZWJhbmQiOmZhbHNlLCJQZXJjZW50YWdlQ29tcGxldGVTaGFwZU9wYWNpdHkiOjM1LCJTaGFwZVN0eWxlIjp7IiRpZCI6IjIxMyIsIk1hcmdpbiI6eyIkaWQiOiIyMTQiLCJUb3AiOjAsIkxlZnQiOjQsIlJpZ2h0Ijo0LCJCb3R0b20iOjB9LCJQYWRkaW5nIjp7IiRpZCI6IjIxNSIsIlRvcCI6MCwiTGVmdCI6MCwiUmlnaHQiOjAsIkJvdHRvbSI6MH0sIkJhY2tncm91bmQiOnsiJGlkIjoiMjE2IiwiQ29sb3IiOnsiJGlkIjoiMjE3IiwiQSI6MjU1LCJSIjo5MSwiRyI6MTU1LCJCIjoyMTN9fSwiSXNWaXNpYmxlIjp0cnVlLCJXaWR0aCI6MC4wLCJIZWlnaHQiOjIyLjAsIkJvcmRlclN0eWxlIjp7IiRpZCI6IjIxOCIsIkxpbmVDb2xvciI6eyIkcmVmIjoiMTA5In0sIkxpbmVXZWlnaHQiOjAuMCwiTGluZVR5cGUiOjAsIlBhcmVudFN0eWxlIjpudWxsfSwiUGFyZW50U3R5bGUiOm51bGx9LCJUaXRsZVN0eWxlIjp7IiRpZCI6IjIxOSIsIkZvbnRTZXR0aW5ncyI6eyIkaWQiOiIyMjAiLCJGb250U2l6ZSI6MTEsIkZvbnROYW1lIjoiQ2FsaWJyaSIsIklzQm9sZCI6dHJ1ZSwiSXNJdGFsaWMiOmZhbHNlLCJJc1VuZGVybGluZWQiOmZhbHNlLCJQYXJlbnRTdHlsZSI6bnVsbH0sIkF1dG9TaXplIjowLCJGb3JlZ3JvdW5kIjp7IiRpZCI6IjIyMSIsIkNvbG9yIjp7IiRyZWYiOiIxMTQifX0sIk1heFdpZHRoIjo3MjAuMCwiTWF4SGVpZ2h0IjoiSW5maW5pdHkiLCJTbWFydEZvcmVncm91bmRJc0FjdGl2ZSI6ZmFsc2UsIkhvcml6b250YWxBbGlnbm1lbnQiOjEsIlZlcnRpY2FsQWxpZ25tZW50IjowLCJTbWFydEZvcmVncm91bmQiOm51bGwsIkJhY2tncm91bmRGaWxsVHlwZSI6MCwiTWFyZ2luIjp7IiRpZCI6IjIyMiIsIlRvcCI6MCwiTGVmdCI6MCwiUmlnaHQiOjAsIkJvdHRvbSI6MH0sIlBhZGRpbmciOnsiJGlkIjoiMjIzIiwiVG9wIjowLCJMZWZ0IjowLCJSaWdodCI6MCwiQm90dG9tIjowfSwiQmFja2dyb3VuZCI6eyIkcmVmIjoiMTE3In0sIklzVmlzaWJsZSI6dHJ1ZSwiV2lkdGgiOjAuMCwiSGVpZ2h0IjowLjAsIkJvcmRlclN0eWxlIjp7IiRpZCI6IjIyNCIsIkxpbmVDb2xvciI6bnVsbCwiTGluZVdlaWdodCI6MC4wLCJMaW5lVHlwZSI6MCwiUGFyZW50U3R5bGUiOm51bGx9LCJQYXJlbnRTdHlsZSI6bnVsbH0sIkRhdGVTdHlsZSI6eyIkaWQiOiIyMjUiLCJGb250U2V0dGluZ3MiOnsiJGlkIjoiMjI2IiwiRm9udFNpemUiOjEwLCJGb250TmFtZSI6IkNhbGlicmkiLCJJc0JvbGQiOmZhbHNlLCJJc0l0YWxpYyI6ZmFsc2UsIklzVW5kZXJsaW5lZCI6ZmFsc2UsIlBhcmVudFN0eWxlIjpudWxsfSwiQXV0b1NpemUiOjAsIkZvcmVncm91bmQiOnsiJGlkIjoiMjI3IiwiQ29sb3IiOnsiJHJlZiI6IjEyMSJ9fSwiTWF4V2lkdGgiOjIwMC4wLCJNYXhIZWlnaHQiOiJJbmZpbml0eSIsIlNtYXJ0Rm9yZWdyb3VuZElzQWN0aXZlIjpmYWxzZSwiSG9yaXpvbnRhbEFsaWdubWVudCI6MCwiVmVydGljYWxBbGlnbm1lbnQiOjAsIlNtYXJ0Rm9yZWdyb3VuZCI6bnVsbCwiQmFja2dyb3VuZEZpbGxUeXBlIjowLCJNYXJnaW4iOnsiJGlkIjoiMjI4IiwiVG9wIjowLCJMZWZ0IjowLCJSaWdodCI6MCwiQm90dG9tIjowfSwiUGFkZGluZyI6eyIkaWQiOiIyMjkiLCJUb3AiOjAsIkxlZnQiOjAsIlJpZ2h0IjowLCJCb3R0b20iOjB9LCJCYWNrZ3JvdW5kIjp7IiRyZWYiOiIxMjQifSwiSXNWaXNpYmxlIjp0cnVlLCJXaWR0aCI6MC4wLCJIZWlnaHQiOjAuMCwiQm9yZGVyU3R5bGUiOnsiJGlkIjoiMjMwIiwiTGluZUNvbG9yIjpudWxsLCJMaW5lV2VpZ2h0IjowLjAsIkxpbmVUeXBlIjowLCJQYXJlbnRTdHlsZSI6bnVsbH0sIlBhcmVudFN0eWxlIjpudWxsfSwiRGF0ZUZvcm1hdCI6eyIkaWQiOiIyMzEiLCJGb3JtYXRTdHJpbmciOiJNTU0gZCIsIlNlcGFyYXRvciI6Ii8iLCJVc2VJbnRlcm5hdGlvbmFsRGF0ZUZvcm1hdCI6ZmFsc2UsIkRhdGVJc1Zpc2libGUiOnRydWUsIlRpbWVJc1Zpc2libGUiOmZhbHNlLCJIb3VyRGlnaXRzIjoxLCJBbVBtRGVzaWduYXRvciI6MiwiVHJpbTAwTWludXRlcyI6ZmFsc2UsIkxhc3RLbm93blZpc2liaWxpdHlTdGF0ZSI6bnVsbH0sIklzVmlzaWJsZSI6dHJ1ZSwiUGFyZW50U3R5bGUiOm51bGx9LCJJbmRleCI6MSwiU21hcnREdXJhdGlvbkFjdGl2YXRlZCI6ZmFsc2UsIkRhdGVGb3JtYXQiOnsiJHJlZiI6IjIzMSJ9LCJJZCI6IjE2ODQyZjMyLWViZDMtNDEzZS1hMGJlLTlhMTBiZTNlN2VlOSIsIkltcG9ydElkIjpudWxsLCJUaXRsZSI6IkNyw6llciBsJ2ludGVyZmFjZSB3ZWIiLCJOb3RlIjpudWxsLCJIeXBlcmxpbmsiOnsiJGlkIjoiMjMyIiwiQWRkcmVzcyI6IiIsIlN1YkFkZHJlc3MiOiIifSwiSXNDaGFuZ2VkIjpmYWxzZSwiSXNOZXciOmZhbHNlfSx7IiRpZCI6IjIzMyIsIkdyb3VwTmFtZSI6bnVsbCwiU3RhcnREYXRlIjoiMjAxOS0xMS0xMVQwMDowMDowMCIsIkVuZERhdGUiOiIyMDE5LTExLTIyVDIzOjU5OjAwIiwiUGVyY2VudGFnZUNvbXBsZXRlIjoxMDAuMCwiU3R5bGUiOnsiJGlkIjoiMjM0IiwiU2hhcGUiOjAsIlNoYXBlVGhpY2tuZXNzIjoyLCJEdXJhdGlvbkZvcm1hdCI6MCwiSW5jbHVkZU5vbldvcmtpbmdEYXlzSW5EdXJhdGlvbiI6ZmFsc2UsIlBlcmNlbnRhZ2VDb21wbGV0ZVN0eWxlIjp7IiRpZCI6IjIzNSIsIkZvbnRTZXR0aW5ncyI6eyIkaWQiOiIyMzYiLCJGb250U2l6ZSI6MTAsIkZvbnROYW1lIjoiQ2FsaWJyaSIsIklzQm9sZCI6ZmFsc2UsIklzSXRhbGljIjpmYWxzZSwiSXNVbmRlcmxpbmVkIjpmYWxzZSwiUGFyZW50U3R5bGUiOm51bGx9LCJBdXRvU2l6ZSI6MCwiRm9yZWdyb3VuZCI6eyIkcmVmIjoiODUifSwiTWF4V2lkdGgiOjIwMC4wLCJNYXhIZWlnaHQiOiJJbmZpbml0eSIsIlNtYXJ0Rm9yZWdyb3VuZElzQWN0aXZlIjpmYWxzZSwiSG9yaXpvbnRhbEFsaWdubWVudCI6MCwiVmVydGljYWxBbGlnbm1lbnQiOjAsIlNtYXJ0Rm9yZWdyb3VuZCI6bnVsbCwiQmFja2dyb3VuZEZpbGxUeXBlIjowLCJNYXJnaW4iOnsiJGlkIjoiMjM3IiwiVG9wIjowLCJMZWZ0IjowLCJSaWdodCI6MCwiQm90dG9tIjowfSwiUGFkZGluZyI6eyIkaWQiOiIyMzgiLCJUb3AiOjAsIkxlZnQiOjAsIlJpZ2h0IjowLCJCb3R0b20iOjB9LCJCYWNrZ3JvdW5kIjp7IiRyZWYiOiI4OSJ9LCJJc1Zpc2libGUiOnRydWUsIldpZHRoIjowLjAsIkhlaWdodCI6MC4wLCJCb3JkZXJTdHlsZSI6eyIkaWQiOiIyMzkiLCJMaW5lQ29sb3IiOm51bGwsIkxpbmVXZWlnaHQiOjAuMCwiTGluZVR5cGUiOjAsIlBhcmVudFN0eWxlIjpudWxsfSwiUGFyZW50U3R5bGUiOm51bGx9LCJEdXJhdGlvblN0eWxlIjp7IiRpZCI6IjI0MCIsIkZvbnRTZXR0aW5ncyI6eyIkaWQiOiIyNDEiLCJGb250U2l6ZSI6MTAsIkZvbnROYW1lIjoiQ2FsaWJyaSIsIklzQm9sZCI6ZmFsc2UsIklzSXRhbGljIjpmYWxzZSwiSXNVbmRlcmxpbmVkIjpmYWxzZSwiUGFyZW50U3R5bGUiOm51bGx9LCJBdXRvU2l6ZSI6MCwiRm9yZWdyb3VuZCI6eyIkaWQiOiIyNDIiLCJDb2xvciI6eyIkcmVmIjoiOTMifX0sIk1heFdpZHRoIjoyMDAuMCwiTWF4SGVpZ2h0IjoiSW5maW5pdHkiLCJTbWFydEZvcmVncm91bmRJc0FjdGl2ZSI6ZmFsc2UsIkhvcml6b250YWxBbGlnbm1lbnQiOjAsIlZlcnRpY2FsQWxpZ25tZW50IjowLCJTbWFydEZvcmVncm91bmQiOm51bGwsIkJhY2tncm91bmRGaWxsVHlwZSI6MCwiTWFyZ2luIjp7IiRpZCI6IjI0MyIsIlRvcCI6MCwiTGVmdCI6MCwiUmlnaHQiOjAsIkJvdHRvbSI6MH0sIlBhZGRpbmciOnsiJGlkIjoiMjQ0IiwiVG9wIjowLCJMZWZ0IjowLCJSaWdodCI6MCwiQm90dG9tIjowfSwiQmFja2dyb3VuZCI6eyIkcmVmIjoiOTYifSwiSXNWaXNpYmxlIjp0cnVlLCJXaWR0aCI6MC4wLCJIZWlnaHQiOjAuMCwiQm9yZGVyU3R5bGUiOnsiJGlkIjoiMjQ1IiwiTGluZUNvbG9yIjpudWxsLCJMaW5lV2VpZ2h0IjowLjAsIkxpbmVUeXBlIjowLCJQYXJlbnRTdHlsZSI6bnVsbH0sIlBhcmVudFN0eWxlIjpudWxsfSwiSG9yaXpvbnRhbENvbm5lY3RvclN0eWxlIjp7IiRpZCI6IjI0NiIsIkxpbmVDb2xvciI6eyIkcmVmIjoiOTgifSwiTGluZVdlaWdodCI6MS4wLCJMaW5lVHlwZSI6MCwiUGFyZW50U3R5bGUiOm51bGx9LCJWZXJ0aWNhbENvbm5lY3RvclN0eWxlIjp7IiRpZCI6IjI0NyIsIkxpbmVDb2xvciI6eyIkcmVmIjoiMTAxIn0sIkxpbmVXZWlnaHQiOjEuMCwiTGluZVR5cGUiOjAsIlBhcmVudFN0eWxlIjpudWxsfSwiTWFyZ2luIjpudWxsLCJTdGFydERhdGVQb3NpdGlvbiI6NCwiRW5kRGF0ZVBvc2l0aW9uIjo0LCJEYXRlSXNWaXNpYmxlIjp0cnVlLCJUaXRsZVBvc2l0aW9uIjozLCJEdXJhdGlvblBvc2l0aW9uIjo2LCJQZXJjZW50YWdlQ29tcGxldGVkUG9zaXRpb24iOjIsIlNwYWNpbmciOjUsIklzQmVsb3dUaW1lYmFuZCI6ZmFsc2UsIlBlcmNlbnRhZ2VDb21wbGV0ZVNoYXBlT3BhY2l0eSI6MzUsIlNoYXBlU3R5bGUiOnsiJGlkIjoiMjQ4IiwiTWFyZ2luIjp7IiRpZCI6IjI0OSIsIlRvcCI6MCwiTGVmdCI6NCwiUmlnaHQiOjQsIkJvdHRvbSI6MH0sIlBhZGRpbmciOnsiJGlkIjoiMjUwIiwiVG9wIjowLCJMZWZ0IjowLCJSaWdodCI6MCwiQm90dG9tIjowfSwiQmFja2dyb3VuZCI6eyIkaWQiOiIyNTEiLCJDb2xvciI6eyIkaWQiOiIyNTIiLCJBIjoyNTUsIlIiOjIzNywiRyI6MTI1LCJCIjo0OX19LCJJc1Zpc2libGUiOnRydWUsIldpZHRoIjowLjAsIkhlaWdodCI6MjIuMCwiQm9yZGVyU3R5bGUiOnsiJGlkIjoiMjUzIiwiTGluZUNvbG9yIjp7IiRyZWYiOiIxMDkifSwiTGluZVdlaWdodCI6MC4wLCJMaW5lVHlwZSI6MCwiUGFyZW50U3R5bGUiOm51bGx9LCJQYXJlbnRTdHlsZSI6bnVsbH0sIlRpdGxlU3R5bGUiOnsiJGlkIjoiMjU0IiwiRm9udFNldHRpbmdzIjp7IiRpZCI6IjI1NSIsIkZvbnRTaXplIjoxMSwiRm9udE5hbWUiOiJDYWxpYnJpIiwiSXNCb2xkIjp0cnVlLCJJc0l0YWxpYyI6ZmFsc2UsIklzVW5kZXJsaW5lZCI6ZmFsc2UsIlBhcmVudFN0eWxlIjpudWxsfSwiQXV0b1NpemUiOjAsIkZvcmVncm91bmQiOnsiJGlkIjoiMjU2IiwiQ29sb3IiOnsiJHJlZiI6IjExNCJ9fSwiTWF4V2lkdGgiOjcyMC4wLCJNYXhIZWlnaHQiOiJJbmZpbml0eSIsIlNtYXJ0Rm9yZWdyb3VuZElzQWN0aXZlIjpmYWxzZSwiSG9yaXpvbnRhbEFsaWdubWVudCI6MiwiVmVydGljYWxBbGlnbm1lbnQiOjAsIlNtYXJ0Rm9yZWdyb3VuZCI6bnVsbCwiQmFja2dyb3VuZEZpbGxUeXBlIjowLCJNYXJnaW4iOnsiJGlkIjoiMjU3IiwiVG9wIjowLCJMZWZ0IjowLCJSaWdodCI6MCwiQm90dG9tIjowfSwiUGFkZGluZyI6eyIkaWQiOiIyNTgiLCJUb3AiOjAsIkxlZnQiOjAsIlJpZ2h0IjowLCJCb3R0b20iOjB9LCJCYWNrZ3JvdW5kIjp7IiRyZWYiOiIxMTcifSwiSXNWaXNpYmxlIjp0cnVlLCJXaWR0aCI6MC4wLCJIZWlnaHQiOjAuMCwiQm9yZGVyU3R5bGUiOnsiJGlkIjoiMjU5IiwiTGluZUNvbG9yIjpudWxsLCJMaW5lV2VpZ2h0IjowLjAsIkxpbmVUeXBlIjowLCJQYXJlbnRTdHlsZSI6bnVsbH0sIlBhcmVudFN0eWxlIjpudWxsfSwiRGF0ZVN0eWxlIjp7IiRpZCI6IjI2MCIsIkZvbnRTZXR0aW5ncyI6eyIkaWQiOiIyNjEiLCJGb250U2l6ZSI6MTAsIkZvbnROYW1lIjoiQ2FsaWJyaSIsIklzQm9sZCI6ZmFsc2UsIklzSXRhbGljIjpmYWxzZSwiSXNVbmRlcmxpbmVkIjpmYWxzZSwiUGFyZW50U3R5bGUiOm51bGx9LCJBdXRvU2l6ZSI6MCwiRm9yZWdyb3VuZCI6eyIkaWQiOiIyNjIiLCJDb2xvciI6eyIkcmVmIjoiMTIxIn19LCJNYXhXaWR0aCI6MjAwLjAsIk1heEhlaWdodCI6IkluZmluaXR5IiwiU21hcnRGb3JlZ3JvdW5kSXNBY3RpdmUiOmZhbHNlLCJIb3Jpem9udGFsQWxpZ25tZW50IjowLCJWZXJ0aWNhbEFsaWdubWVudCI6MCwiU21hcnRGb3JlZ3JvdW5kIjpudWxsLCJCYWNrZ3JvdW5kRmlsbFR5cGUiOjAsIk1hcmdpbiI6eyIkaWQiOiIyNjMiLCJUb3AiOjAsIkxlZnQiOjAsIlJpZ2h0IjowLCJCb3R0b20iOjB9LCJQYWRkaW5nIjp7IiRpZCI6IjI2NCIsIlRvcCI6MCwiTGVmdCI6MCwiUmlnaHQiOjAsIkJvdHRvbSI6MH0sIkJhY2tncm91bmQiOnsiJHJlZiI6IjEyNCJ9LCJJc1Zpc2libGUiOnRydWUsIldpZHRoIjowLjAsIkhlaWdodCI6MC4wLCJCb3JkZXJTdHlsZSI6eyIkaWQiOiIyNjUiLCJMaW5lQ29sb3IiOm51bGwsIkxpbmVXZWlnaHQiOjAuMCwiTGluZVR5cGUiOjAsIlBhcmVudFN0eWxlIjpudWxsfSwiUGFyZW50U3R5bGUiOm51bGx9LCJEYXRlRm9ybWF0Ijp7IiRpZCI6IjI2NiIsIkZvcm1hdFN0cmluZyI6Ik1NTSBkIiwiU2VwYXJhdG9yIjoiLyIsIlVzZUludGVybmF0aW9uYWxEYXRlRm9ybWF0IjpmYWxzZSwiRGF0ZUlzVmlzaWJsZSI6dHJ1ZSwiVGltZUlzVmlzaWJsZSI6ZmFsc2UsIkhvdXJEaWdpdHMiOjEsIkFtUG1EZXNpZ25hdG9yIjoyLCJUcmltMDBNaW51dGVzIjpmYWxzZSwiTGFzdEtub3duVmlzaWJpbGl0eVN0YXRlIjpudWxsfSwiSXNWaXNpYmxlIjp0cnVlLCJQYXJlbnRTdHlsZSI6bnVsbH0sIkluZGV4IjoyLCJTbWFydER1cmF0aW9uQWN0aXZhdGVkIjpmYWxzZSwiRGF0ZUZvcm1hdCI6eyIkcmVmIjoiMjY2In0sIklkIjoiNDYzNGVmZmQtMTAzZi00NGIwLTg2MjYtNWU5ZDU2MzU2MzQwIiwiSW1wb3J0SWQiOm51bGwsIlRpdGxlIjoiw4ljcmlyZSBsZXMgZGlmZsOpcmVudHMgc2NyaXB0IGZvbmN0aW9ubmVscyAiLCJOb3RlIjoiZTF4eWRHWXhYR0Z1YzJsY1lXNXphV053WnpFeU5USmNkV014WEdoMGJXRjFkSE53WEdSbFptWXllMXhtYjI1MGRHSnNlMXhtTUZ4bVkyaGhjbk5sZERBZ1ZHbHRaWE1nVG1WM0lGSnZiV0Z1TzMxN1hHWXlYR1pqYUdGeWMyVjBNQ0JUWldkdlpTQlZTVHQ5Zlh0Y1kyOXNiM0owWW14Y2NtVmtNRnhuY21WbGJqQmNZbXgxWlRBN1hISmxaREkxTlZ4bmNtVmxiakkxTlZ4aWJIVmxNalUxTzF4eVpXUTFNVnhuY21WbGJqVXhYR0pzZFdVMU1UdDlYR3h2WTJoY2FHbGphRnhrWW1Ob1hIQmhjbVJjY0d4aGFXNWNiSFJ5Y0dGeVhHbDBZWEF3ZTF4c1lXNW5NVEF6TTF4bWN6RTRYR1l5WEdObU1pQmNZMll5WEhGc2UxeG1NaUI3WEd4aGJtY3hNRE0yWEd4MGNtTm9JRElnYzJWdFlXbHVaWE45WEd4cE1GeHlhVEJjYzJFd1hITmlNRnhtYVRCY2NXeGNjR0Z5ZlEwS2ZRMEtmUT09IiwiSHlwZXJsaW5rIjp7IiRpZCI6IjI2NyIsIkFkZHJlc3MiOiIiLCJTdWJBZGRyZXNzIjoiIn0sIklzQ2hhbmdlZCI6ZmFsc2UsIklzTmV3IjpmYWxzZX0seyIkaWQiOiIyNjgiLCJHcm91cE5hbWUiOm51bGwsIlN0YXJ0RGF0ZSI6IjIwMTktMTItMDlUMDA6MDA6MDBaIiwiRW5kRGF0ZSI6IjIwMTktMTItMjBUMjM6NTk6MDAiLCJQZXJjZW50YWdlQ29tcGxldGUiOm51bGwsIlN0eWxlIjp7IiRpZCI6IjI2OSIsIlNoYXBlIjowLCJTaGFwZVRoaWNrbmVzcyI6MiwiRHVyYXRpb25Gb3JtYXQiOjAsIkluY2x1ZGVOb25Xb3JraW5nRGF5c0luRHVyYXRpb24iOmZhbHNlLCJQZXJjZW50YWdlQ29tcGxldGVTdHlsZSI6eyIkaWQiOiIyNzAiLCJGb250U2V0dGluZ3MiOnsiJGlkIjoiMjcxIiwiRm9udFNpemUiOjEwLCJGb250TmFtZSI6IkNhbGlicmkiLCJJc0JvbGQiOmZhbHNlLCJJc0l0YWxpYyI6ZmFsc2UsIklzVW5kZXJsaW5lZCI6ZmFsc2UsIlBhcmVudFN0eWxlIjpudWxsfSwiQXV0b1NpemUiOjAsIkZvcmVncm91bmQiOnsiJHJlZiI6Ijg1In0sIk1heFdpZHRoIjoyMDAuMCwiTWF4SGVpZ2h0IjoiSW5maW5pdHkiLCJTbWFydEZvcmVncm91bmRJc0FjdGl2ZSI6ZmFsc2UsIkhvcml6b250YWxBbGlnbm1lbnQiOjAsIlZlcnRpY2FsQWxpZ25tZW50IjowLCJTbWFydEZvcmVncm91bmQiOm51bGwsIkJhY2tncm91bmRGaWxsVHlwZSI6MCwiTWFyZ2luIjp7IiRpZCI6IjI3MiIsIlRvcCI6MCwiTGVmdCI6MCwiUmlnaHQiOjAsIkJvdHRvbSI6MH0sIlBhZGRpbmciOnsiJGlkIjoiMjczIiwiVG9wIjowLCJMZWZ0IjowLCJSaWdodCI6MCwiQm90dG9tIjowfSwiQmFja2dyb3VuZCI6eyIkcmVmIjoiODkifSwiSXNWaXNpYmxlIjp0cnVlLCJXaWR0aCI6MC4wLCJIZWlnaHQiOjAuMCwiQm9yZGVyU3R5bGUiOnsiJGlkIjoiMjc0IiwiTGluZUNvbG9yIjpudWxsLCJMaW5lV2VpZ2h0IjowLjAsIkxpbmVUeXBlIjowLCJQYXJlbnRTdHlsZSI6bnVsbH0sIlBhcmVudFN0eWxlIjpudWxsfSwiRHVyYXRpb25TdHlsZSI6eyIkaWQiOiIyNzUiLCJGb250U2V0dGluZ3MiOnsiJGlkIjoiMjc2IiwiRm9udFNpemUiOjEwLCJGb250TmFtZSI6IkNhbGlicmkiLCJJc0JvbGQiOmZhbHNlLCJJc0l0YWxpYyI6ZmFsc2UsIklzVW5kZXJsaW5lZCI6ZmFsc2UsIlBhcmVudFN0eWxlIjpudWxsfSwiQXV0b1NpemUiOjAsIkZvcmVncm91bmQiOnsiJGlkIjoiMjc3IiwiQ29sb3IiOnsiJHJlZiI6IjkzIn19LCJNYXhXaWR0aCI6MjAwLjAsIk1heEhlaWdodCI6IkluZmluaXR5IiwiU21hcnRGb3JlZ3JvdW5kSXNBY3RpdmUiOmZhbHNlLCJIb3Jpem9udGFsQWxpZ25tZW50IjowLCJWZXJ0aWNhbEFsaWdubWVudCI6MCwiU21hcnRGb3JlZ3JvdW5kIjpudWxsLCJCYWNrZ3JvdW5kRmlsbFR5cGUiOjAsIk1hcmdpbiI6eyIkaWQiOiIyNzgiLCJUb3AiOjAsIkxlZnQiOjAsIlJpZ2h0IjowLCJCb3R0b20iOjB9LCJQYWRkaW5nIjp7IiRpZCI6IjI3OSIsIlRvcCI6MCwiTGVmdCI6MCwiUmlnaHQiOjAsIkJvdHRvbSI6MH0sIkJhY2tncm91bmQiOnsiJHJlZiI6Ijk2In0sIklzVmlzaWJsZSI6dHJ1ZSwiV2lkdGgiOjAuMCwiSGVpZ2h0IjowLjAsIkJvcmRlclN0eWxlIjp7IiRpZCI6IjI4MCIsIkxpbmVDb2xvciI6bnVsbCwiTGluZVdlaWdodCI6MC4wLCJMaW5lVHlwZSI6MCwiUGFyZW50U3R5bGUiOm51bGx9LCJQYXJlbnRTdHlsZSI6bnVsbH0sIkhvcml6b250YWxDb25uZWN0b3JTdHlsZSI6eyIkaWQiOiIyODEiLCJMaW5lQ29sb3IiOnsiJHJlZiI6Ijk4In0sIkxpbmVXZWlnaHQiOjEuMCwiTGluZVR5cGUiOjAsIlBhcmVudFN0eWxlIjpudWxsfSwiVmVydGljYWxDb25uZWN0b3JTdHlsZSI6eyIkaWQiOiIyODIiLCJMaW5lQ29sb3IiOnsiJHJlZiI6IjEwMSJ9LCJMaW5lV2VpZ2h0IjoxLjAsIkxpbmVUeXBlIjowLCJQYXJlbnRTdHlsZSI6bnVsbH0sIk1hcmdpbiI6bnVsbCwiU3RhcnREYXRlUG9zaXRpb24iOjQsIkVuZERhdGVQb3NpdGlvbiI6NCwiRGF0ZUlzVmlzaWJsZSI6dHJ1ZSwiVGl0bGVQb3NpdGlvbiI6MywiRHVyYXRpb25Qb3NpdGlvbiI6NiwiUGVyY2VudGFnZUNvbXBsZXRlZFBvc2l0aW9uIjo2LCJTcGFjaW5nIjo1LCJJc0JlbG93VGltZWJhbmQiOmZhbHNlLCJQZXJjZW50YWdlQ29tcGxldGVTaGFwZU9wYWNpdHkiOjM1LCJTaGFwZVN0eWxlIjp7IiRpZCI6IjI4MyIsIk1hcmdpbiI6eyIkaWQiOiIyODQiLCJUb3AiOjAsIkxlZnQiOjQsIlJpZ2h0Ijo0LCJCb3R0b20iOjB9LCJQYWRkaW5nIjp7IiRpZCI6IjI4NSIsIlRvcCI6MCwiTGVmdCI6MCwiUmlnaHQiOjAsIkJvdHRvbSI6MH0sIkJhY2tncm91bmQiOnsiJGlkIjoiMjg2IiwiQ29sb3IiOnsiJGlkIjoiMjg3IiwiQSI6MjU1LCJSIjoyMzcsIkciOjEyNSwiQiI6NDl9fSwiSXNWaXNpYmxlIjp0cnVlLCJXaWR0aCI6MC4wLCJIZWlnaHQiOjIyLjAsIkJvcmRlclN0eWxlIjp7IiRpZCI6IjI4OCIsIkxpbmVDb2xvciI6eyIkcmVmIjoiMTA5In0sIkxpbmVXZWlnaHQiOjAuMCwiTGluZVR5cGUiOjAsIlBhcmVudFN0eWxlIjpudWxsfSwiUGFyZW50U3R5bGUiOm51bGx9LCJUaXRsZVN0eWxlIjp7IiRpZCI6IjI4OSIsIkZvbnRTZXR0aW5ncyI6eyIkaWQiOiIyOTAiLCJGb250U2l6ZSI6MTEsIkZvbnROYW1lIjoiQ2FsaWJyaSIsIklzQm9sZCI6dHJ1ZSwiSXNJdGFsaWMiOmZhbHNlLCJJc1VuZGVybGluZWQiOmZhbHNlLCJQYXJlbnRTdHlsZSI6bnVsbH0sIkF1dG9TaXplIjowLCJGb3JlZ3JvdW5kIjp7IiRpZCI6IjI5MSIsIkNvbG9yIjp7IiRyZWYiOiIxMTQifX0sIk1heFdpZHRoIjo3MjAuMCwiTWF4SGVpZ2h0IjoiSW5maW5pdHkiLCJTbWFydEZvcmVncm91bmRJc0FjdGl2ZSI6ZmFsc2UsIkhvcml6b250YWxBbGlnbm1lbnQiOjIsIlZlcnRpY2FsQWxpZ25tZW50IjowLCJTbWFydEZvcmVncm91bmQiOm51bGwsIkJhY2tncm91bmRGaWxsVHlwZSI6MCwiTWFyZ2luIjp7IiRpZCI6IjI5MiIsIlRvcCI6MCwiTGVmdCI6MCwiUmlnaHQiOjAsIkJvdHRvbSI6MH0sIlBhZGRpbmciOnsiJGlkIjoiMjkzIiwiVG9wIjowLCJMZWZ0IjowLCJSaWdodCI6MCwiQm90dG9tIjowfSwiQmFja2dyb3VuZCI6eyIkcmVmIjoiMTE3In0sIklzVmlzaWJsZSI6dHJ1ZSwiV2lkdGgiOjAuMCwiSGVpZ2h0IjowLjAsIkJvcmRlclN0eWxlIjp7IiRpZCI6IjI5NCIsIkxpbmVDb2xvciI6bnVsbCwiTGluZVdlaWdodCI6MC4wLCJMaW5lVHlwZSI6MCwiUGFyZW50U3R5bGUiOm51bGx9LCJQYXJlbnRTdHlsZSI6bnVsbH0sIkRhdGVTdHlsZSI6eyIkaWQiOiIyOTUiLCJGb250U2V0dGluZ3MiOnsiJGlkIjoiMjk2IiwiRm9udFNpemUiOjEwLCJGb250TmFtZSI6IkNhbGlicmkiLCJJc0JvbGQiOmZhbHNlLCJJc0l0YWxpYyI6ZmFsc2UsIklzVW5kZXJsaW5lZCI6ZmFsc2UsIlBhcmVudFN0eWxlIjpudWxsfSwiQXV0b1NpemUiOjAsIkZvcmVncm91bmQiOnsiJGlkIjoiMjk3IiwiQ29sb3IiOnsiJHJlZiI6IjEyMSJ9fSwiTWF4V2lkdGgiOjIwMC4wLCJNYXhIZWlnaHQiOiJJbmZpbml0eSIsIlNtYXJ0Rm9yZWdyb3VuZElzQWN0aXZlIjpmYWxzZSwiSG9yaXpvbnRhbEFsaWdubWVudCI6MCwiVmVydGljYWxBbGlnbm1lbnQiOjAsIlNtYXJ0Rm9yZWdyb3VuZCI6bnVsbCwiQmFja2dyb3VuZEZpbGxUeXBlIjowLCJNYXJnaW4iOnsiJGlkIjoiMjk4IiwiVG9wIjowLCJMZWZ0IjowLCJSaWdodCI6MCwiQm90dG9tIjowfSwiUGFkZGluZyI6eyIkaWQiOiIyOTkiLCJUb3AiOjAsIkxlZnQiOjAsIlJpZ2h0IjowLCJCb3R0b20iOjB9LCJCYWNrZ3JvdW5kIjp7IiRyZWYiOiIxMjQifSwiSXNWaXNpYmxlIjp0cnVlLCJXaWR0aCI6MC4wLCJIZWlnaHQiOjAuMCwiQm9yZGVyU3R5bGUiOnsiJGlkIjoiMzAwIiwiTGluZUNvbG9yIjpudWxsLCJMaW5lV2VpZ2h0IjowLjAsIkxpbmVUeXBlIjowLCJQYXJlbnRTdHlsZSI6bnVsbH0sIlBhcmVudFN0eWxlIjpudWxsfSwiRGF0ZUZvcm1hdCI6eyIkaWQiOiIzMDEiLCJGb3JtYXRTdHJpbmciOiJNTU0gZCIsIlNlcGFyYXRvciI6Ii8iLCJVc2VJbnRlcm5hdGlvbmFsRGF0ZUZvcm1hdCI6ZmFsc2UsIkRhdGVJc1Zpc2libGUiOnRydWUsIlRpbWVJc1Zpc2libGUiOmZhbHNlLCJIb3VyRGlnaXRzIjoxLCJBbVBtRGVzaWduYXRvciI6MiwiVHJpbTAwTWludXRlcyI6ZmFsc2UsIkxhc3RLbm93blZpc2liaWxpdHlTdGF0ZSI6bnVsbH0sIklzVmlzaWJsZSI6dHJ1ZSwiUGFyZW50U3R5bGUiOm51bGx9LCJJbmRleCI6MywiU21hcnREdXJhdGlvbkFjdGl2YXRlZCI6ZmFsc2UsIkRhdGVGb3JtYXQiOnsiJHJlZiI6IjMwMSJ9LCJJZCI6ImVhZWE4YWIzLWQ3YjgtNGVjMC05MzNiLTQ3ODllMGM1ZGNlMyIsIkltcG9ydElkIjpudWxsLCJUaXRsZSI6IlLDqXVuaXIgbGVzIHNjcmlwdHMgZW4gdW4gc2V1bCAiLCJOb3RlIjpudWxsLCJIeXBlcmxpbmsiOnsiJGlkIjoiMzAyIiwiQWRkcmVzcyI6IiIsIlN1YkFkZHJlc3MiOiIifSwiSXNDaGFuZ2VkIjpmYWxzZSwiSXNOZXciOmZhbHNlfSx7IiRpZCI6IjMwMyIsIkdyb3VwTmFtZSI6bnVsbCwiU3RhcnREYXRlIjoiMjAyMC0wMS0xM1QwMDowMDowMFoiLCJFbmREYXRlIjoiMjAyMC0wMi0yMVQyMzo1OTowMCIsIlBlcmNlbnRhZ2VDb21wbGV0ZSI6bnVsbCwiU3R5bGUiOnsiJGlkIjoiMzA0IiwiU2hhcGUiOjAsIlNoYXBlVGhpY2tuZXNzIjoyLCJEdXJhdGlvbkZvcm1hdCI6MCwiSW5jbHVkZU5vbldvcmtpbmdEYXlzSW5EdXJhdGlvbiI6ZmFsc2UsIlBlcmNlbnRhZ2VDb21wbGV0ZVN0eWxlIjp7IiRpZCI6IjMwNSIsIkZvbnRTZXR0aW5ncyI6eyIkaWQiOiIzMDYiLCJGb250U2l6ZSI6MTAsIkZvbnROYW1lIjoiQ2FsaWJyaSIsIklzQm9sZCI6ZmFsc2UsIklzSXRhbGljIjpmYWxzZSwiSXNVbmRlcmxpbmVkIjpmYWxzZSwiUGFyZW50U3R5bGUiOm51bGx9LCJBdXRvU2l6ZSI6MCwiRm9yZWdyb3VuZCI6eyIkcmVmIjoiODUifSwiTWF4V2lkdGgiOjIwMC4wLCJNYXhIZWlnaHQiOiJJbmZpbml0eSIsIlNtYXJ0Rm9yZWdyb3VuZElzQWN0aXZlIjpmYWxzZSwiSG9yaXpvbnRhbEFsaWdubWVudCI6MCwiVmVydGljYWxBbGlnbm1lbnQiOjAsIlNtYXJ0Rm9yZWdyb3VuZCI6bnVsbCwiQmFja2dyb3VuZEZpbGxUeXBlIjowLCJNYXJnaW4iOnsiJGlkIjoiMzA3IiwiVG9wIjowLCJMZWZ0IjowLCJSaWdodCI6MCwiQm90dG9tIjowfSwiUGFkZGluZyI6eyIkaWQiOiIzMDgiLCJUb3AiOjAsIkxlZnQiOjAsIlJpZ2h0IjowLCJCb3R0b20iOjB9LCJCYWNrZ3JvdW5kIjp7IiRyZWYiOiI4OSJ9LCJJc1Zpc2libGUiOnRydWUsIldpZHRoIjowLjAsIkhlaWdodCI6MC4wLCJCb3JkZXJTdHlsZSI6eyIkaWQiOiIzMDkiLCJMaW5lQ29sb3IiOm51bGwsIkxpbmVXZWlnaHQiOjAuMCwiTGluZVR5cGUiOjAsIlBhcmVudFN0eWxlIjpudWxsfSwiUGFyZW50U3R5bGUiOm51bGx9LCJEdXJhdGlvblN0eWxlIjp7IiRpZCI6IjMxMCIsIkZvbnRTZXR0aW5ncyI6eyIkaWQiOiIzMTEiLCJGb250U2l6ZSI6MTAsIkZvbnROYW1lIjoiQ2FsaWJyaSIsIklzQm9sZCI6ZmFsc2UsIklzSXRhbGljIjpmYWxzZSwiSXNVbmRlcmxpbmVkIjpmYWxzZSwiUGFyZW50U3R5bGUiOm51bGx9LCJBdXRvU2l6ZSI6MCwiRm9yZWdyb3VuZCI6eyIkaWQiOiIzMTIiLCJDb2xvciI6eyIkcmVmIjoiOTMifX0sIk1heFdpZHRoIjoyMDAuMCwiTWF4SGVpZ2h0IjoiSW5maW5pdHkiLCJTbWFydEZvcmVncm91bmRJc0FjdGl2ZSI6ZmFsc2UsIkhvcml6b250YWxBbGlnbm1lbnQiOjAsIlZlcnRpY2FsQWxpZ25tZW50IjowLCJTbWFydEZvcmVncm91bmQiOm51bGwsIkJhY2tncm91bmRGaWxsVHlwZSI6MCwiTWFyZ2luIjp7IiRpZCI6IjMxMyIsIlRvcCI6MCwiTGVmdCI6MCwiUmlnaHQiOjAsIkJvdHRvbSI6MH0sIlBhZGRpbmciOnsiJGlkIjoiMzE0IiwiVG9wIjowLCJMZWZ0IjowLCJSaWdodCI6MCwiQm90dG9tIjowfSwiQmFja2dyb3VuZCI6eyIkcmVmIjoiOTYifSwiSXNWaXNpYmxlIjp0cnVlLCJXaWR0aCI6MC4wLCJIZWlnaHQiOjAuMCwiQm9yZGVyU3R5bGUiOnsiJGlkIjoiMzE1IiwiTGluZUNvbG9yIjpudWxsLCJMaW5lV2VpZ2h0IjowLjAsIkxpbmVUeXBlIjowLCJQYXJlbnRTdHlsZSI6bnVsbH0sIlBhcmVudFN0eWxlIjpudWxsfSwiSG9yaXpvbnRhbENvbm5lY3RvclN0eWxlIjp7IiRpZCI6IjMxNiIsIkxpbmVDb2xvciI6eyIkcmVmIjoiOTgifSwiTGluZVdlaWdodCI6MS4wLCJMaW5lVHlwZSI6MCwiUGFyZW50U3R5bGUiOm51bGx9LCJWZXJ0aWNhbENvbm5lY3RvclN0eWxlIjp7IiRpZCI6IjMxNyIsIkxpbmVDb2xvciI6eyIkcmVmIjoiMTAxIn0sIkxpbmVXZWlnaHQiOjEuMCwiTGluZVR5cGUiOjAsIlBhcmVudFN0eWxlIjpudWxsfSwiTWFyZ2luIjpudWxsLCJTdGFydERhdGVQb3NpdGlvbiI6NCwiRW5kRGF0ZVBvc2l0aW9uIjo0LCJEYXRlSXNWaXNpYmxlIjp0cnVlLCJUaXRsZVBvc2l0aW9uIjozLCJEdXJhdGlvblBvc2l0aW9uIjo2LCJQZXJjZW50YWdlQ29tcGxldGVkUG9zaXRpb24iOjYsIlNwYWNpbmciOjUsIklzQmVsb3dUaW1lYmFuZCI6ZmFsc2UsIlBlcmNlbnRhZ2VDb21wbGV0ZVNoYXBlT3BhY2l0eSI6MzUsIlNoYXBlU3R5bGUiOnsiJGlkIjoiMzE4IiwiTWFyZ2luIjp7IiRpZCI6IjMxOSIsIlRvcCI6MCwiTGVmdCI6NCwiUmlnaHQiOjQsIkJvdHRvbSI6MH0sIlBhZGRpbmciOnsiJGlkIjoiMzIwIiwiVG9wIjowLCJMZWZ0IjowLCJSaWdodCI6MCwiQm90dG9tIjowfSwiQmFja2dyb3VuZCI6eyIkaWQiOiIzMjEiLCJDb2xvciI6eyIkaWQiOiIzMjIiLCJBIjoyNTUsIlIiOjExMiwiRyI6MTczLCJCIjo3MX19LCJJc1Zpc2libGUiOnRydWUsIldpZHRoIjowLjAsIkhlaWdodCI6MjIuMCwiQm9yZGVyU3R5bGUiOnsiJGlkIjoiMzIzIiwiTGluZUNvbG9yIjp7IiRyZWYiOiIxMDkifSwiTGluZVdlaWdodCI6MC4wLCJMaW5lVHlwZSI6MCwiUGFyZW50U3R5bGUiOm51bGx9LCJQYXJlbnRTdHlsZSI6bnVsbH0sIlRpdGxlU3R5bGUiOnsiJGlkIjoiMzI0IiwiRm9udFNldHRpbmdzIjp7IiRpZCI6IjMyNSIsIkZvbnRTaXplIjoxMSwiRm9udE5hbWUiOiJDYWxpYnJpIiwiSXNCb2xkIjp0cnVlLCJJc0l0YWxpYyI6ZmFsc2UsIklzVW5kZXJsaW5lZCI6ZmFsc2UsIlBhcmVudFN0eWxlIjpudWxsfSwiQXV0b1NpemUiOjAsIkZvcmVncm91bmQiOnsiJGlkIjoiMzI2IiwiQ29sb3IiOnsiJHJlZiI6IjExNCJ9fSwiTWF4V2lkdGgiOjcyMC4wLCJNYXhIZWlnaHQiOiJJbmZpbml0eSIsIlNtYXJ0Rm9yZWdyb3VuZElzQWN0aXZlIjpmYWxzZSwiSG9yaXpvbnRhbEFsaWdubWVudCI6MiwiVmVydGljYWxBbGlnbm1lbnQiOjAsIlNtYXJ0Rm9yZWdyb3VuZCI6bnVsbCwiQmFja2dyb3VuZEZpbGxUeXBlIjowLCJNYXJnaW4iOnsiJGlkIjoiMzI3IiwiVG9wIjowLCJMZWZ0IjowLCJSaWdodCI6MCwiQm90dG9tIjowfSwiUGFkZGluZyI6eyIkaWQiOiIzMjgiLCJUb3AiOjAsIkxlZnQiOjAsIlJpZ2h0IjowLCJCb3R0b20iOjB9LCJCYWNrZ3JvdW5kIjp7IiRyZWYiOiIxMTcifSwiSXNWaXNpYmxlIjp0cnVlLCJXaWR0aCI6MC4wLCJIZWlnaHQiOjAuMCwiQm9yZGVyU3R5bGUiOnsiJGlkIjoiMzI5IiwiTGluZUNvbG9yIjpudWxsLCJMaW5lV2VpZ2h0IjowLjAsIkxpbmVUeXBlIjowLCJQYXJlbnRTdHlsZSI6bnVsbH0sIlBhcmVudFN0eWxlIjpudWxsfSwiRGF0ZVN0eWxlIjp7IiRpZCI6IjMzMCIsIkZvbnRTZXR0aW5ncyI6eyIkaWQiOiIzMzEiLCJGb250U2l6ZSI6MTAsIkZvbnROYW1lIjoiQ2FsaWJyaSIsIklzQm9sZCI6ZmFsc2UsIklzSXRhbGljIjpmYWxzZSwiSXNVbmRlcmxpbmVkIjpmYWxzZSwiUGFyZW50U3R5bGUiOm51bGx9LCJBdXRvU2l6ZSI6MCwiRm9yZWdyb3VuZCI6eyIkaWQiOiIzMzIiLCJDb2xvciI6eyIkcmVmIjoiMTIxIn19LCJNYXhXaWR0aCI6MjAwLjAsIk1heEhlaWdodCI6IkluZmluaXR5IiwiU21hcnRGb3JlZ3JvdW5kSXNBY3RpdmUiOmZhbHNlLCJIb3Jpem9udGFsQWxpZ25tZW50IjowLCJWZXJ0aWNhbEFsaWdubWVudCI6MCwiU21hcnRGb3JlZ3JvdW5kIjpudWxsLCJCYWNrZ3JvdW5kRmlsbFR5cGUiOjAsIk1hcmdpbiI6eyIkaWQiOiIzMzMiLCJUb3AiOjAsIkxlZnQiOjAsIlJpZ2h0IjowLCJCb3R0b20iOjB9LCJQYWRkaW5nIjp7IiRpZCI6IjMzNCIsIlRvcCI6MCwiTGVmdCI6MCwiUmlnaHQiOjAsIkJvdHRvbSI6MH0sIkJhY2tncm91bmQiOnsiJHJlZiI6IjEyNCJ9LCJJc1Zpc2libGUiOnRydWUsIldpZHRoIjowLjAsIkhlaWdodCI6MC4wLCJCb3JkZXJTdHlsZSI6eyIkaWQiOiIzMzUiLCJMaW5lQ29sb3IiOm51bGwsIkxpbmVXZWlnaHQiOjAuMCwiTGluZVR5cGUiOjAsIlBhcmVudFN0eWxlIjpudWxsfSwiUGFyZW50U3R5bGUiOm51bGx9LCJEYXRlRm9ybWF0Ijp7IiRpZCI6IjMzNiIsIkZvcm1hdFN0cmluZyI6Ik1NTSBkIiwiU2VwYXJhdG9yIjoiLyIsIlVzZUludGVybmF0aW9uYWxEYXRlRm9ybWF0IjpmYWxzZSwiRGF0ZUlzVmlzaWJsZSI6dHJ1ZSwiVGltZUlzVmlzaWJsZSI6ZmFsc2UsIkhvdXJEaWdpdHMiOjEsIkFtUG1EZXNpZ25hdG9yIjoyLCJUcmltMDBNaW51dGVzIjpmYWxzZSwiTGFzdEtub3duVmlzaWJpbGl0eVN0YXRlIjpudWxsfSwiSXNWaXNpYmxlIjp0cnVlLCJQYXJlbnRTdHlsZSI6bnVsbH0sIkluZGV4Ijo0LCJTbWFydER1cmF0aW9uQWN0aXZhdGVkIjpmYWxzZSwiRGF0ZUZvcm1hdCI6eyIkcmVmIjoiMzM2In0sIklkIjoiNjQ0YTVjNzgtYTE4Mi00Y2E1LWJhNzktM2NlNGNmYjdiMzIwIiwiSW1wb3J0SWQiOm51bGwsIlRpdGxlIjoiRmFpcmUgbGUgbGllbiBlbnRyZSBsJ2ludGVyZmFjZSB3ZWIgZXQgbGVzIHNjcmlwdHMgUiAiLCJOb3RlIjpudWxsLCJIeXBlcmxpbmsiOnsiJGlkIjoiMzM3IiwiQWRkcmVzcyI6IiIsIlN1YkFkZHJlc3MiOiIifSwiSXNDaGFuZ2VkIjpmYWxzZSwiSXNOZXciOmZhbHNlfSx7IiRpZCI6IjMzOCIsIkdyb3VwTmFtZSI6bnVsbCwiU3RhcnREYXRlIjoiMjAyMC0wMS0xM1QwMDowMDowMFoiLCJFbmREYXRlIjoiMjAyMC0wMi0yMVQyMzo1OTowMCIsIlBlcmNlbnRhZ2VDb21wbGV0ZSI6bnVsbCwiU3R5bGUiOnsiJGlkIjoiMzM5IiwiU2hhcGUiOjAsIlNoYXBlVGhpY2tuZXNzIjoyLCJEdXJhdGlvbkZvcm1hdCI6MCwiSW5jbHVkZU5vbldvcmtpbmdEYXlzSW5EdXJhdGlvbiI6ZmFsc2UsIlBlcmNlbnRhZ2VDb21wbGV0ZVN0eWxlIjp7IiRpZCI6IjM0MCIsIkZvbnRTZXR0aW5ncyI6eyIkaWQiOiIzNDEiLCJGb250U2l6ZSI6MTAsIkZvbnROYW1lIjoiQ2FsaWJyaSIsIklzQm9sZCI6ZmFsc2UsIklzSXRhbGljIjpmYWxzZSwiSXNVbmRlcmxpbmVkIjpmYWxzZSwiUGFyZW50U3R5bGUiOm51bGx9LCJBdXRvU2l6ZSI6MCwiRm9yZWdyb3VuZCI6eyIkcmVmIjoiODUifSwiTWF4V2lkdGgiOjIwMC4wLCJNYXhIZWlnaHQiOiJJbmZpbml0eSIsIlNtYXJ0Rm9yZWdyb3VuZElzQWN0aXZlIjpmYWxzZSwiSG9yaXpvbnRhbEFsaWdubWVudCI6MCwiVmVydGljYWxBbGlnbm1lbnQiOjAsIlNtYXJ0Rm9yZWdyb3VuZCI6bnVsbCwiQmFja2dyb3VuZEZpbGxUeXBlIjowLCJNYXJnaW4iOnsiJGlkIjoiMzQyIiwiVG9wIjowLCJMZWZ0IjowLCJSaWdodCI6MCwiQm90dG9tIjowfSwiUGFkZGluZyI6eyIkaWQiOiIzNDMiLCJUb3AiOjAsIkxlZnQiOjAsIlJpZ2h0IjowLCJCb3R0b20iOjB9LCJCYWNrZ3JvdW5kIjp7IiRyZWYiOiI4OSJ9LCJJc1Zpc2libGUiOnRydWUsIldpZHRoIjowLjAsIkhlaWdodCI6MC4wLCJCb3JkZXJTdHlsZSI6eyIkaWQiOiIzNDQiLCJMaW5lQ29sb3IiOm51bGwsIkxpbmVXZWlnaHQiOjAuMCwiTGluZVR5cGUiOjAsIlBhcmVudFN0eWxlIjpudWxsfSwiUGFyZW50U3R5bGUiOm51bGx9LCJEdXJhdGlvblN0eWxlIjp7IiRpZCI6IjM0NSIsIkZvbnRTZXR0aW5ncyI6eyIkaWQiOiIzNDYiLCJGb250U2l6ZSI6MTAsIkZvbnROYW1lIjoiQ2FsaWJyaSIsIklzQm9sZCI6ZmFsc2UsIklzSXRhbGljIjpmYWxzZSwiSXNVbmRlcmxpbmVkIjpmYWxzZSwiUGFyZW50U3R5bGUiOm51bGx9LCJBdXRvU2l6ZSI6MCwiRm9yZWdyb3VuZCI6eyIkaWQiOiIzNDciLCJDb2xvciI6eyIkcmVmIjoiOTMifX0sIk1heFdpZHRoIjoyMDAuMCwiTWF4SGVpZ2h0IjoiSW5maW5pdHkiLCJTbWFydEZvcmVncm91bmRJc0FjdGl2ZSI6ZmFsc2UsIkhvcml6b250YWxBbGlnbm1lbnQiOjAsIlZlcnRpY2FsQWxpZ25tZW50IjowLCJTbWFydEZvcmVncm91bmQiOm51bGwsIkJhY2tncm91bmRGaWxsVHlwZSI6MCwiTWFyZ2luIjp7IiRpZCI6IjM0OCIsIlRvcCI6MCwiTGVmdCI6MCwiUmlnaHQiOjAsIkJvdHRvbSI6MH0sIlBhZGRpbmciOnsiJGlkIjoiMzQ5IiwiVG9wIjowLCJMZWZ0IjowLCJSaWdodCI6MCwiQm90dG9tIjowfSwiQmFja2dyb3VuZCI6eyIkcmVmIjoiOTYifSwiSXNWaXNpYmxlIjp0cnVlLCJXaWR0aCI6MC4wLCJIZWlnaHQiOjAuMCwiQm9yZGVyU3R5bGUiOnsiJGlkIjoiMzUwIiwiTGluZUNvbG9yIjpudWxsLCJMaW5lV2VpZ2h0IjowLjAsIkxpbmVUeXBlIjowLCJQYXJlbnRTdHlsZSI6bnVsbH0sIlBhcmVudFN0eWxlIjpudWxsfSwiSG9yaXpvbnRhbENvbm5lY3RvclN0eWxlIjp7IiRpZCI6IjM1MSIsIkxpbmVDb2xvciI6eyIkcmVmIjoiOTgifSwiTGluZVdlaWdodCI6MS4wLCJMaW5lVHlwZSI6MCwiUGFyZW50U3R5bGUiOm51bGx9LCJWZXJ0aWNhbENvbm5lY3RvclN0eWxlIjp7IiRpZCI6IjM1MiIsIkxpbmVDb2xvciI6eyIkcmVmIjoiMTAxIn0sIkxpbmVXZWlnaHQiOjEuMCwiTGluZVR5cGUiOjAsIlBhcmVudFN0eWxlIjpudWxsfSwiTWFyZ2luIjpudWxsLCJTdGFydERhdGVQb3NpdGlvbiI6NCwiRW5kRGF0ZVBvc2l0aW9uIjo0LCJEYXRlSXNWaXNpYmxlIjp0cnVlLCJUaXRsZVBvc2l0aW9uIjoyLCJEdXJhdGlvblBvc2l0aW9uIjo2LCJQZXJjZW50YWdlQ29tcGxldGVkUG9zaXRpb24iOjYsIlNwYWNpbmciOjUsIklzQmVsb3dUaW1lYmFuZCI6ZmFsc2UsIlBlcmNlbnRhZ2VDb21wbGV0ZVNoYXBlT3BhY2l0eSI6MzUsIlNoYXBlU3R5bGUiOnsiJGlkIjoiMzUzIiwiTWFyZ2luIjp7IiRpZCI6IjM1NCIsIlRvcCI6MCwiTGVmdCI6NCwiUmlnaHQiOjQsIkJvdHRvbSI6MH0sIlBhZGRpbmciOnsiJGlkIjoiMzU1IiwiVG9wIjowLCJMZWZ0IjowLCJSaWdodCI6MCwiQm90dG9tIjowfSwiQmFja2dyb3VuZCI6eyIkaWQiOiIzNTYiLCJDb2xvciI6eyIkaWQiOiIzNTciLCJBIjoyNTUsIlIiOjkxLCJHIjoxNTUsIkIiOjIxM319LCJJc1Zpc2libGUiOnRydWUsIldpZHRoIjowLjAsIkhlaWdodCI6MjIuMCwiQm9yZGVyU3R5bGUiOnsiJGlkIjoiMzU4IiwiTGluZUNvbG9yIjp7IiRyZWYiOiIxMDkifSwiTGluZVdlaWdodCI6MC4wLCJMaW5lVHlwZSI6MCwiUGFyZW50U3R5bGUiOm51bGx9LCJQYXJlbnRTdHlsZSI6bnVsbH0sIlRpdGxlU3R5bGUiOnsiJGlkIjoiMzU5IiwiRm9udFNldHRpbmdzIjp7IiRpZCI6IjM2MCIsIkZvbnRTaXplIjoxMSwiRm9udE5hbWUiOiJDYWxpYnJpIiwiSXNCb2xkIjp0cnVlLCJJc0l0YWxpYyI6ZmFsc2UsIklzVW5kZXJsaW5lZCI6ZmFsc2UsIlBhcmVudFN0eWxlIjpudWxsfSwiQXV0b1NpemUiOjAsIkZvcmVncm91bmQiOnsiJGlkIjoiMzYxIiwiQ29sb3IiOnsiJHJlZiI6IjExNCJ9fSwiTWF4V2lkdGgiOjcyMC4wLCJNYXhIZWlnaHQiOiJJbmZpbml0eSIsIlNtYXJ0Rm9yZWdyb3VuZElzQWN0aXZlIjpmYWxzZSwiSG9yaXpvbnRhbEFsaWdubWVudCI6MSwiVmVydGljYWxBbGlnbm1lbnQiOjAsIlNtYXJ0Rm9yZWdyb3VuZCI6bnVsbCwiQmFja2dyb3VuZEZpbGxUeXBlIjowLCJNYXJnaW4iOnsiJGlkIjoiMzYyIiwiVG9wIjowLCJMZWZ0IjowLCJSaWdodCI6MCwiQm90dG9tIjowfSwiUGFkZGluZyI6eyIkaWQiOiIzNjMiLCJUb3AiOjAsIkxlZnQiOjAsIlJpZ2h0IjowLCJCb3R0b20iOjB9LCJCYWNrZ3JvdW5kIjp7IiRyZWYiOiIxMTcifSwiSXNWaXNpYmxlIjp0cnVlLCJXaWR0aCI6MC4wLCJIZWlnaHQiOjAuMCwiQm9yZGVyU3R5bGUiOnsiJGlkIjoiMzY0IiwiTGluZUNvbG9yIjpudWxsLCJMaW5lV2VpZ2h0IjowLjAsIkxpbmVUeXBlIjowLCJQYXJlbnRTdHlsZSI6bnVsbH0sIlBhcmVudFN0eWxlIjpudWxsfSwiRGF0ZVN0eWxlIjp7IiRpZCI6IjM2NSIsIkZvbnRTZXR0aW5ncyI6eyIkaWQiOiIzNjYiLCJGb250U2l6ZSI6MTAsIkZvbnROYW1lIjoiQ2FsaWJyaSIsIklzQm9sZCI6ZmFsc2UsIklzSXRhbGljIjpmYWxzZSwiSXNVbmRlcmxpbmVkIjpmYWxzZSwiUGFyZW50U3R5bGUiOm51bGx9LCJBdXRvU2l6ZSI6MCwiRm9yZWdyb3VuZCI6eyIkaWQiOiIzNjciLCJDb2xvciI6eyIkcmVmIjoiMTIxIn19LCJNYXhXaWR0aCI6MjAwLjAsIk1heEhlaWdodCI6IkluZmluaXR5IiwiU21hcnRGb3JlZ3JvdW5kSXNBY3RpdmUiOmZhbHNlLCJIb3Jpem9udGFsQWxpZ25tZW50IjowLCJWZXJ0aWNhbEFsaWdubWVudCI6MCwiU21hcnRGb3JlZ3JvdW5kIjpudWxsLCJCYWNrZ3JvdW5kRmlsbFR5cGUiOjAsIk1hcmdpbiI6eyIkaWQiOiIzNjgiLCJUb3AiOjAsIkxlZnQiOjAsIlJpZ2h0IjowLCJCb3R0b20iOjB9LCJQYWRkaW5nIjp7IiRpZCI6IjM2OSIsIlRvcCI6MCwiTGVmdCI6MCwiUmlnaHQiOjAsIkJvdHRvbSI6MH0sIkJhY2tncm91bmQiOnsiJHJlZiI6IjEyNCJ9LCJJc1Zpc2libGUiOnRydWUsIldpZHRoIjowLjAsIkhlaWdodCI6MC4wLCJCb3JkZXJTdHlsZSI6eyIkaWQiOiIzNzAiLCJMaW5lQ29sb3IiOm51bGwsIkxpbmVXZWlnaHQiOjAuMCwiTGluZVR5cGUiOjAsIlBhcmVudFN0eWxlIjpudWxsfSwiUGFyZW50U3R5bGUiOm51bGx9LCJEYXRlRm9ybWF0Ijp7IiRpZCI6IjM3MSIsIkZvcm1hdFN0cmluZyI6Ik1NTSBkIiwiU2VwYXJhdG9yIjoiLyIsIlVzZUludGVybmF0aW9uYWxEYXRlRm9ybWF0IjpmYWxzZSwiRGF0ZUlzVmlzaWJsZSI6dHJ1ZSwiVGltZUlzVmlzaWJsZSI6ZmFsc2UsIkhvdXJEaWdpdHMiOjEsIkFtUG1EZXNpZ25hdG9yIjoyLCJUcmltMDBNaW51dGVzIjpmYWxzZSwiTGFzdEtub3duVmlzaWJpbGl0eVN0YXRlIjpudWxsfSwiSXNWaXNpYmxlIjp0cnVlLCJQYXJlbnRTdHlsZSI6bnVsbH0sIkluZGV4Ijo1LCJTbWFydER1cmF0aW9uQWN0aXZhdGVkIjpmYWxzZSwiRGF0ZUZvcm1hdCI6eyIkcmVmIjoiMzcxIn0sIklkIjoiZjVjZTJlMmMtNmFhNS00MjUzLTg1MDAtZTMzOWM4Zjg0Y2Y1IiwiSW1wb3J0SWQiOm51bGwsIlRpdGxlIjoiQWpvdXRlciBkZXMgdm9pZXMgbm9uLWNhbm9uaXF1ZXMgIiwiTm90ZSI6bnVsbCwiSHlwZXJsaW5rIjp7IiRpZCI6IjM3MiIsIkFkZHJlc3MiOiIiLCJTdWJBZGRyZXNzIjoiIn0sIklzQ2hhbmdlZCI6ZmFsc2UsIklzTmV3IjpmYWxzZX0seyIkaWQiOiIzNzMiLCJHcm91cE5hbWUiOm51bGwsIlN0YXJ0RGF0ZSI6IjIwMjAtMDMtMDlUMDA6MDA6MDBaIiwiRW5kRGF0ZSI6IjIwMjAtMDMtMjBUMjM6NTk6MDAiLCJQZXJjZW50YWdlQ29tcGxldGUiOm51bGwsIlN0eWxlIjp7IiRpZCI6IjM3NCIsIlNoYXBlIjowLCJTaGFwZVRoaWNrbmVzcyI6MiwiRHVyYXRpb25Gb3JtYXQiOjAsIkluY2x1ZGVOb25Xb3JraW5nRGF5c0luRHVyYXRpb24iOmZhbHNlLCJQZXJjZW50YWdlQ29tcGxldGVTdHlsZSI6eyIkaWQiOiIzNzUiLCJGb250U2V0dGluZ3MiOnsiJGlkIjoiMzc2IiwiRm9udFNpemUiOjEwLCJGb250TmFtZSI6IkNhbGlicmkiLCJJc0JvbGQiOmZhbHNlLCJJc0l0YWxpYyI6ZmFsc2UsIklzVW5kZXJsaW5lZCI6ZmFsc2UsIlBhcmVudFN0eWxlIjpudWxsfSwiQXV0b1NpemUiOjAsIkZvcmVncm91bmQiOnsiJHJlZiI6Ijg1In0sIk1heFdpZHRoIjoyMDAuMCwiTWF4SGVpZ2h0IjoiSW5maW5pdHkiLCJTbWFydEZvcmVncm91bmRJc0FjdGl2ZSI6ZmFsc2UsIkhvcml6b250YWxBbGlnbm1lbnQiOjAsIlZlcnRpY2FsQWxpZ25tZW50IjowLCJTbWFydEZvcmVncm91bmQiOm51bGwsIkJhY2tncm91bmRGaWxsVHlwZSI6MCwiTWFyZ2luIjp7IiRpZCI6IjM3NyIsIlRvcCI6MCwiTGVmdCI6MCwiUmlnaHQiOjAsIkJvdHRvbSI6MH0sIlBhZGRpbmciOnsiJGlkIjoiMzc4IiwiVG9wIjowLCJMZWZ0IjowLCJSaWdodCI6MCwiQm90dG9tIjowfSwiQmFja2dyb3VuZCI6eyIkcmVmIjoiODkifSwiSXNWaXNpYmxlIjp0cnVlLCJXaWR0aCI6MC4wLCJIZWlnaHQiOjAuMCwiQm9yZGVyU3R5bGUiOnsiJGlkIjoiMzc5IiwiTGluZUNvbG9yIjpudWxsLCJMaW5lV2VpZ2h0IjowLjAsIkxpbmVUeXBlIjowLCJQYXJlbnRTdHlsZSI6bnVsbH0sIlBhcmVudFN0eWxlIjpudWxsfSwiRHVyYXRpb25TdHlsZSI6eyIkaWQiOiIzODAiLCJGb250U2V0dGluZ3MiOnsiJGlkIjoiMzgxIiwiRm9udFNpemUiOjEwLCJGb250TmFtZSI6IkNhbGlicmkiLCJJc0JvbGQiOmZhbHNlLCJJc0l0YWxpYyI6ZmFsc2UsIklzVW5kZXJsaW5lZCI6ZmFsc2UsIlBhcmVudFN0eWxlIjpudWxsfSwiQXV0b1NpemUiOjAsIkZvcmVncm91bmQiOnsiJGlkIjoiMzgyIiwiQ29sb3IiOnsiJHJlZiI6IjkzIn19LCJNYXhXaWR0aCI6MjAwLjAsIk1heEhlaWdodCI6IkluZmluaXR5IiwiU21hcnRGb3JlZ3JvdW5kSXNBY3RpdmUiOmZhbHNlLCJIb3Jpem9udGFsQWxpZ25tZW50IjowLCJWZXJ0aWNhbEFsaWdubWVudCI6MCwiU21hcnRGb3JlZ3JvdW5kIjpudWxsLCJCYWNrZ3JvdW5kRmlsbFR5cGUiOjAsIk1hcmdpbiI6eyIkaWQiOiIzODMiLCJUb3AiOjAsIkxlZnQiOjAsIlJpZ2h0IjowLCJCb3R0b20iOjB9LCJQYWRkaW5nIjp7IiRpZCI6IjM4NCIsIlRvcCI6MCwiTGVmdCI6MCwiUmlnaHQiOjAsIkJvdHRvbSI6MH0sIkJhY2tncm91bmQiOnsiJHJlZiI6Ijk2In0sIklzVmlzaWJsZSI6dHJ1ZSwiV2lkdGgiOjAuMCwiSGVpZ2h0IjowLjAsIkJvcmRlclN0eWxlIjp7IiRpZCI6IjM4NSIsIkxpbmVDb2xvciI6bnVsbCwiTGluZVdlaWdodCI6MC4wLCJMaW5lVHlwZSI6MCwiUGFyZW50U3R5bGUiOm51bGx9LCJQYXJlbnRTdHlsZSI6bnVsbH0sIkhvcml6b250YWxDb25uZWN0b3JTdHlsZSI6eyIkaWQiOiIzODYiLCJMaW5lQ29sb3IiOnsiJHJlZiI6Ijk4In0sIkxpbmVXZWlnaHQiOjEuMCwiTGluZVR5cGUiOjAsIlBhcmVudFN0eWxlIjpudWxsfSwiVmVydGljYWxDb25uZWN0b3JTdHlsZSI6eyIkaWQiOiIzODciLCJMaW5lQ29sb3IiOnsiJHJlZiI6IjEwMSJ9LCJMaW5lV2VpZ2h0IjoxLjAsIkxpbmVUeXBlIjowLCJQYXJlbnRTdHlsZSI6bnVsbH0sIk1hcmdpbiI6bnVsbCwiU3RhcnREYXRlUG9zaXRpb24iOjQsIkVuZERhdGVQb3NpdGlvbiI6NCwiRGF0ZUlzVmlzaWJsZSI6dHJ1ZSwiVGl0bGVQb3NpdGlvbiI6MywiRHVyYXRpb25Qb3NpdGlvbiI6NiwiUGVyY2VudGFnZUNvbXBsZXRlZFBvc2l0aW9uIjo2LCJTcGFjaW5nIjo1LCJJc0JlbG93VGltZWJhbmQiOmZhbHNlLCJQZXJjZW50YWdlQ29tcGxldGVTaGFwZU9wYWNpdHkiOjM1LCJTaGFwZVN0eWxlIjp7IiRpZCI6IjM4OCIsIk1hcmdpbiI6eyIkaWQiOiIzODkiLCJUb3AiOjAsIkxlZnQiOjQsIlJpZ2h0Ijo0LCJCb3R0b20iOjB9LCJQYWRkaW5nIjp7IiRpZCI6IjM5MCIsIlRvcCI6MCwiTGVmdCI6MCwiUmlnaHQiOjAsIkJvdHRvbSI6MH0sIkJhY2tncm91bmQiOnsiJGlkIjoiMzkxIiwiQ29sb3IiOnsiJGlkIjoiMzkyIiwiQSI6MjU1LCJSIjo5MSwiRyI6MTU1LCJCIjoyMTN9fSwiSXNWaXNpYmxlIjp0cnVlLCJXaWR0aCI6MC4wLCJIZWlnaHQiOjIyLjAsIkJvcmRlclN0eWxlIjp7IiRpZCI6IjM5MyIsIkxpbmVDb2xvciI6eyIkcmVmIjoiMTA5In0sIkxpbmVXZWlnaHQiOjAuMCwiTGluZVR5cGUiOjAsIlBhcmVudFN0eWxlIjpudWxsfSwiUGFyZW50U3R5bGUiOm51bGx9LCJUaXRsZVN0eWxlIjp7IiRpZCI6IjM5NCIsIkZvbnRTZXR0aW5ncyI6eyIkaWQiOiIzOTUiLCJGb250U2l6ZSI6MTEsIkZvbnROYW1lIjoiQ2FsaWJyaSIsIklzQm9sZCI6dHJ1ZSwiSXNJdGFsaWMiOmZhbHNlLCJJc1VuZGVybGluZWQiOmZhbHNlLCJQYXJlbnRTdHlsZSI6bnVsbH0sIkF1dG9TaXplIjowLCJGb3JlZ3JvdW5kIjp7IiRpZCI6IjM5NiIsIkNvbG9yIjp7IiRyZWYiOiIxMTQifX0sIk1heFdpZHRoIjo3MjAuMCwiTWF4SGVpZ2h0IjoiSW5maW5pdHkiLCJTbWFydEZvcmVncm91bmRJc0FjdGl2ZSI6ZmFsc2UsIkhvcml6b250YWxBbGlnbm1lbnQiOjIsIlZlcnRpY2FsQWxpZ25tZW50IjowLCJTbWFydEZvcmVncm91bmQiOm51bGwsIkJhY2tncm91bmRGaWxsVHlwZSI6MCwiTWFyZ2luIjp7IiRpZCI6IjM5NyIsIlRvcCI6MCwiTGVmdCI6MCwiUmlnaHQiOjAsIkJvdHRvbSI6MH0sIlBhZGRpbmciOnsiJGlkIjoiMzk4IiwiVG9wIjowLCJMZWZ0IjowLCJSaWdodCI6MCwiQm90dG9tIjowfSwiQmFja2dyb3VuZCI6eyIkcmVmIjoiMTE3In0sIklzVmlzaWJsZSI6dHJ1ZSwiV2lkdGgiOjAuMCwiSGVpZ2h0IjowLjAsIkJvcmRlclN0eWxlIjp7IiRpZCI6IjM5OSIsIkxpbmVDb2xvciI6bnVsbCwiTGluZVdlaWdodCI6MC4wLCJMaW5lVHlwZSI6MCwiUGFyZW50U3R5bGUiOm51bGx9LCJQYXJlbnRTdHlsZSI6bnVsbH0sIkRhdGVTdHlsZSI6eyIkaWQiOiI0MDAiLCJGb250U2V0dGluZ3MiOnsiJGlkIjoiNDAxIiwiRm9udFNpemUiOjEwLCJGb250TmFtZSI6IkNhbGlicmkiLCJJc0JvbGQiOmZhbHNlLCJJc0l0YWxpYyI6ZmFsc2UsIklzVW5kZXJsaW5lZCI6ZmFsc2UsIlBhcmVudFN0eWxlIjpudWxsfSwiQXV0b1NpemUiOjAsIkZvcmVncm91bmQiOnsiJGlkIjoiNDAyIiwiQ29sb3IiOnsiJHJlZiI6IjEyMSJ9fSwiTWF4V2lkdGgiOjIwMC4wLCJNYXhIZWlnaHQiOiJJbmZpbml0eSIsIlNtYXJ0Rm9yZWdyb3VuZElzQWN0aXZlIjpmYWxzZSwiSG9yaXpvbnRhbEFsaWdubWVudCI6MCwiVmVydGljYWxBbGlnbm1lbnQiOjAsIlNtYXJ0Rm9yZWdyb3VuZCI6bnVsbCwiQmFja2dyb3VuZEZpbGxUeXBlIjowLCJNYXJnaW4iOnsiJGlkIjoiNDAzIiwiVG9wIjowLCJMZWZ0IjowLCJSaWdodCI6MCwiQm90dG9tIjowfSwiUGFkZGluZyI6eyIkaWQiOiI0MDQiLCJUb3AiOjAsIkxlZnQiOjAsIlJpZ2h0IjowLCJCb3R0b20iOjB9LCJCYWNrZ3JvdW5kIjp7IiRyZWYiOiIxMjQifSwiSXNWaXNpYmxlIjp0cnVlLCJXaWR0aCI6MC4wLCJIZWlnaHQiOjAuMCwiQm9yZGVyU3R5bGUiOnsiJGlkIjoiNDA1IiwiTGluZUNvbG9yIjpudWxsLCJMaW5lV2VpZ2h0IjowLjAsIkxpbmVUeXBlIjowLCJQYXJlbnRTdHlsZSI6bnVsbH0sIlBhcmVudFN0eWxlIjpudWxsfSwiRGF0ZUZvcm1hdCI6eyIkaWQiOiI0MDYiLCJGb3JtYXRTdHJpbmciOiJNTU0gZCIsIlNlcGFyYXRvciI6Ii8iLCJVc2VJbnRlcm5hdGlvbmFsRGF0ZUZvcm1hdCI6ZmFsc2UsIkRhdGVJc1Zpc2libGUiOnRydWUsIlRpbWVJc1Zpc2libGUiOmZhbHNlLCJIb3VyRGlnaXRzIjoxLCJBbVBtRGVzaWduYXRvciI6MiwiVHJpbTAwTWludXRlcyI6ZmFsc2UsIkxhc3RLbm93blZpc2liaWxpdHlTdGF0ZSI6bnVsbH0sIklzVmlzaWJsZSI6dHJ1ZSwiUGFyZW50U3R5bGUiOm51bGx9LCJJbmRleCI6NiwiU21hcnREdXJhdGlvbkFjdGl2YXRlZCI6ZmFsc2UsIkRhdGVGb3JtYXQiOnsiJHJlZiI6IjQwNiJ9LCJJZCI6ImU5ZmVkMGY5LTJhMzAtNDcxOC04M2Q3LWViMWY3Yjk0ZjJjOCIsIkltcG9ydElkIjpudWxsLCJUaXRsZSI6IkltcGzDqW1lbnRlciBsJ291dGlscyBzdXIgbGUgc2VydmV1ciBjbGllbnQiLCJOb3RlIjpudWxsLCJIeXBlcmxpbmsiOnsiJGlkIjoiNDA3IiwiQWRkcmVzcyI6IiIsIlN1YkFkZHJlc3MiOiIifSwiSXNDaGFuZ2VkIjpmYWxzZSwiSXNOZXciOmZhbHNlfV0sIlN3aW1sYW5lcyI6W10sIk1zUHJvamVjdEl0ZW1zVHJlZSI6eyIkaWQiOiI0MDgiLCJSb290Ijp7IkltcG9ydElkIjpudWxsLCJJc0ltcG9ydGVkIjpmYWxzZSwiQ2hpbGRyZW4iOltdfX0sIk1ldGFkYXRhIjp7IiRpZCI6IjQwOSIsIlJlY2VudENvbG9yc0NvbGxlY3Rpb24iOiJbXCIjRkZFRDdEMzFcIixcIiNGRjcwQUQ0N1wiLFwiI0ZGRUExNjFFXCJdIn0sIlNldHRpbmdzIjp7IiRpZCI6IjQxMCIsIkltcGFPcHRpb25zIjp7IiRpZCI6IjQxMSIsIkxlZnRUb1JpZ2h0IjpmYWxzZSwiUGF5bG9hZE9wdGlvbnMiOjJ9LCJVc2VDb21wcmVzc2lvbiI6ZmFsc2UsIkNvbXByZXNpb25QZXJjZW50YWdlIjo1MC4wLCJJbmFjdGl2ZUludGVydmFsV2lkdGhUaHJlc2hvbGQiOjMwLjAsIkluYWN0aXZlSW50ZXJ2YWxXaWR0aCI6MS4wLCJTcGxpdFRhc2tzIjpmYWxzZSwiVXNlQ2x1c3RlciI6ZmFsc2UsIkVwc2lsb24iOjUuMCwiTWluUG9pbnRzVG9Gb3JtQUNsdXN0ZXIiOjIsIkdlbmVyYXRlSW52aXNpYmxlU2hhcGVzIjpmYWxzZSwiU21hcnRUaW1lbGluZVRhc2tQZXJjZW50YWdlRml0IjpmYWxzZX0sIklzTmV3IjpmYWxzZSwiSW1wb3J0VHlwZSI6MCwiRmlsZVBhdGgiOm51bGwsIlRpbWVDb25maWd1cmF0aW9uIjp7IiRpZCI6IjQxMiIsIlVzZVRpbWUiOmZhbHNlLCJXb3JrRGF5U3RhcnQiOiIwMDowMDowMCIsIldvcmtEYXlFbmQiOiIyMzo1OTowMCJ9LCJMYXN0VXNlZFRlbXBsYXRlSWQiOiI5NWZiZjBmNy1jYTZjLTRiYjktYWU3OC0xYWFmMmNhOTYwZWIifQ=="/>
+  <p:tag name="__MASTER" val="__part_0"/>
 </p:tagLst>
 </file>
 

--- a/Slides/Diapos_Suivit_projet.pptx
+++ b/Slides/Diapos_Suivit_projet.pptx
@@ -17533,7 +17533,6 @@
               <a:rPr lang="fr-FR" sz="2000" dirty="0" smtClean="0"/>
               <a:t>interface</a:t>
             </a:r>
-            <a:endParaRPr lang="fr-FR" sz="2000" dirty="0" smtClean="0"/>
           </a:p>
         </p:txBody>
       </p:sp>
@@ -23954,9 +23953,10 @@
           </a:lstStyle>
           <a:p>
             <a:r>
-              <a:rPr lang="fr-FR" dirty="0"/>
-              <a:t>Avancement du Projet</a:t>
+              <a:rPr lang="fr-FR" dirty="0" smtClean="0"/>
+              <a:t>Gestion des risques</a:t>
             </a:r>
+            <a:endParaRPr lang="fr-FR" dirty="0"/>
           </a:p>
         </p:txBody>
       </p:sp>
@@ -24353,11 +24353,7 @@
             <a:pPr algn="just"/>
             <a:r>
               <a:rPr lang="fr-FR" sz="2000" dirty="0" smtClean="0"/>
-              <a:t>Base de données en </a:t>
-            </a:r>
-            <a:r>
-              <a:rPr lang="fr-FR" sz="2000" dirty="0" smtClean="0"/>
-              <a:t>local</a:t>
+              <a:t>Base de données en local</a:t>
             </a:r>
           </a:p>
           <a:p>
@@ -24402,7 +24398,6 @@
               <a:rPr lang="fr-FR" sz="2000" dirty="0" smtClean="0"/>
               <a:t>web</a:t>
             </a:r>
-            <a:endParaRPr lang="fr-FR" sz="2000" dirty="0" smtClean="0"/>
           </a:p>
         </p:txBody>
       </p:sp>
